--- a/Flutter.pptx
+++ b/Flutter.pptx
@@ -109,6 +109,11 @@
       </a:defRPr>
     </a:lvl9pPr>
   </p:defaultTextStyle>
+  <p:extLst>
+    <p:ext uri="{EFAFB233-063F-42B5-8137-9DF3F51BA10A}">
+      <p15:sldGuideLst xmlns:p15="http://schemas.microsoft.com/office/powerpoint/2012/main"/>
+    </p:ext>
+  </p:extLst>
 </p:presentation>
 </file>
 
@@ -393,7 +398,7 @@
           <a:p>
             <a:fld id="{E80C50CD-E178-4744-9B35-B2F624D6C5E9}" type="datetimeFigureOut">
               <a:rPr lang="en-US" smtClean="0"/>
-              <a:t>5/7/2025</a:t>
+              <a:t>5/14/2025</a:t>
             </a:fld>
             <a:endParaRPr lang="en-US"/>
           </a:p>
@@ -591,7 +596,7 @@
           <a:p>
             <a:fld id="{E80C50CD-E178-4744-9B35-B2F624D6C5E9}" type="datetimeFigureOut">
               <a:rPr lang="en-US" smtClean="0"/>
-              <a:t>5/7/2025</a:t>
+              <a:t>5/14/2025</a:t>
             </a:fld>
             <a:endParaRPr lang="en-US"/>
           </a:p>
@@ -799,7 +804,7 @@
           <a:p>
             <a:fld id="{E80C50CD-E178-4744-9B35-B2F624D6C5E9}" type="datetimeFigureOut">
               <a:rPr lang="en-US" smtClean="0"/>
-              <a:t>5/7/2025</a:t>
+              <a:t>5/14/2025</a:t>
             </a:fld>
             <a:endParaRPr lang="en-US"/>
           </a:p>
@@ -1049,7 +1054,7 @@
           <a:p>
             <a:fld id="{E80C50CD-E178-4744-9B35-B2F624D6C5E9}" type="datetimeFigureOut">
               <a:rPr lang="en-US" smtClean="0"/>
-              <a:t>5/7/2025</a:t>
+              <a:t>5/14/2025</a:t>
             </a:fld>
             <a:endParaRPr lang="en-US"/>
           </a:p>
@@ -1328,7 +1333,7 @@
           <a:p>
             <a:fld id="{E80C50CD-E178-4744-9B35-B2F624D6C5E9}" type="datetimeFigureOut">
               <a:rPr lang="en-US" smtClean="0"/>
-              <a:t>5/7/2025</a:t>
+              <a:t>5/14/2025</a:t>
             </a:fld>
             <a:endParaRPr lang="en-US"/>
           </a:p>
@@ -1645,7 +1650,7 @@
           <a:p>
             <a:fld id="{E80C50CD-E178-4744-9B35-B2F624D6C5E9}" type="datetimeFigureOut">
               <a:rPr lang="en-US" smtClean="0"/>
-              <a:t>5/7/2025</a:t>
+              <a:t>5/14/2025</a:t>
             </a:fld>
             <a:endParaRPr lang="en-US"/>
           </a:p>
@@ -2061,7 +2066,7 @@
           <a:p>
             <a:fld id="{E80C50CD-E178-4744-9B35-B2F624D6C5E9}" type="datetimeFigureOut">
               <a:rPr lang="en-US" smtClean="0"/>
-              <a:t>5/7/2025</a:t>
+              <a:t>5/14/2025</a:t>
             </a:fld>
             <a:endParaRPr lang="en-US"/>
           </a:p>
@@ -2202,7 +2207,7 @@
           <a:p>
             <a:fld id="{E80C50CD-E178-4744-9B35-B2F624D6C5E9}" type="datetimeFigureOut">
               <a:rPr lang="en-US" smtClean="0"/>
-              <a:t>5/7/2025</a:t>
+              <a:t>5/14/2025</a:t>
             </a:fld>
             <a:endParaRPr lang="en-US"/>
           </a:p>
@@ -2315,7 +2320,7 @@
           <a:p>
             <a:fld id="{E80C50CD-E178-4744-9B35-B2F624D6C5E9}" type="datetimeFigureOut">
               <a:rPr lang="en-US" smtClean="0"/>
-              <a:t>5/7/2025</a:t>
+              <a:t>5/14/2025</a:t>
             </a:fld>
             <a:endParaRPr lang="en-US"/>
           </a:p>
@@ -2632,7 +2637,7 @@
           <a:p>
             <a:fld id="{E80C50CD-E178-4744-9B35-B2F624D6C5E9}" type="datetimeFigureOut">
               <a:rPr lang="en-US" smtClean="0"/>
-              <a:t>5/7/2025</a:t>
+              <a:t>5/14/2025</a:t>
             </a:fld>
             <a:endParaRPr lang="en-US"/>
           </a:p>
@@ -2924,7 +2929,7 @@
           <a:p>
             <a:fld id="{E80C50CD-E178-4744-9B35-B2F624D6C5E9}" type="datetimeFigureOut">
               <a:rPr lang="en-US" smtClean="0"/>
-              <a:t>5/7/2025</a:t>
+              <a:t>5/14/2025</a:t>
             </a:fld>
             <a:endParaRPr lang="en-US"/>
           </a:p>
@@ -3160,7 +3165,7 @@
             <a:fld id="{E80C50CD-E178-4744-9B35-B2F624D6C5E9}" type="datetimeFigureOut">
               <a:rPr lang="en-US" smtClean="0"/>
               <a:pPr/>
-              <a:t>5/7/2025</a:t>
+              <a:t>5/14/2025</a:t>
             </a:fld>
             <a:endParaRPr lang="en-US"/>
           </a:p>
@@ -3959,8 +3964,15 @@
           <a:lstStyle/>
           <a:p>
             <a:r>
+              <a:rPr kumimoji="1" lang="ja-JP" altLang="en-US" sz="6600" dirty="0"/>
+              <a:t>きぶん</a:t>
+            </a:r>
+            <a:br>
               <a:rPr kumimoji="1" lang="en-US" altLang="ja-JP" sz="6600" dirty="0"/>
-              <a:t>Flutter</a:t>
+            </a:br>
+            <a:r>
+              <a:rPr kumimoji="1" lang="ja-JP" altLang="en-US" sz="6600" dirty="0"/>
+              <a:t>日記</a:t>
             </a:r>
             <a:br>
               <a:rPr kumimoji="1" lang="en-US" altLang="ja-JP" sz="6600" dirty="0"/>
@@ -4222,7 +4234,86 @@
           <a:bodyPr/>
           <a:lstStyle/>
           <a:p>
-            <a:endParaRPr lang="ja-JP" altLang="en-US"/>
+            <a:pPr>
+              <a:buNone/>
+            </a:pPr>
+            <a:r>
+              <a:rPr lang="en-US" altLang="ja-JP" b="1" dirty="0"/>
+              <a:t>2. </a:t>
+            </a:r>
+            <a:r>
+              <a:rPr lang="ja-JP" altLang="en-US" b="1" dirty="0"/>
+              <a:t>気分記録アプリ</a:t>
+            </a:r>
+          </a:p>
+          <a:p>
+            <a:pPr>
+              <a:buFont typeface="Arial" panose="020B0604020202020204" pitchFamily="34" charset="0"/>
+              <a:buChar char="•"/>
+            </a:pPr>
+            <a:r>
+              <a:rPr lang="ja-JP" altLang="en-US" dirty="0"/>
+              <a:t>「今日の気分は？」→ 😊 😐 😞 を選ぶ。</a:t>
+            </a:r>
+          </a:p>
+          <a:p>
+            <a:pPr>
+              <a:buFont typeface="Arial" panose="020B0604020202020204" pitchFamily="34" charset="0"/>
+              <a:buChar char="•"/>
+            </a:pPr>
+            <a:r>
+              <a:rPr lang="en-US" altLang="ja-JP" dirty="0"/>
+              <a:t>1</a:t>
+            </a:r>
+            <a:r>
+              <a:rPr lang="ja-JP" altLang="en-US" dirty="0"/>
+              <a:t>日</a:t>
+            </a:r>
+            <a:r>
+              <a:rPr lang="en-US" altLang="ja-JP" dirty="0"/>
+              <a:t>1</a:t>
+            </a:r>
+            <a:r>
+              <a:rPr lang="ja-JP" altLang="en-US" dirty="0"/>
+              <a:t>回、気分の絵文字と簡単な日記を記録 → グラフ表示。</a:t>
+            </a:r>
+          </a:p>
+          <a:p>
+            <a:pPr>
+              <a:buFont typeface="Arial" panose="020B0604020202020204" pitchFamily="34" charset="0"/>
+              <a:buChar char="•"/>
+            </a:pPr>
+            <a:r>
+              <a:rPr lang="ja-JP" altLang="en-US" dirty="0"/>
+              <a:t>技術要素：簡単なデータ保存（ローカル</a:t>
+            </a:r>
+            <a:r>
+              <a:rPr lang="en-US" altLang="ja-JP" dirty="0"/>
+              <a:t>DB</a:t>
+            </a:r>
+            <a:r>
+              <a:rPr lang="ja-JP" altLang="en-US" dirty="0"/>
+              <a:t>や</a:t>
+            </a:r>
+            <a:r>
+              <a:rPr lang="en-US" altLang="ja-JP" dirty="0"/>
+              <a:t>JSON</a:t>
+            </a:r>
+            <a:r>
+              <a:rPr lang="ja-JP" altLang="en-US" dirty="0"/>
+              <a:t>）、</a:t>
+            </a:r>
+            <a:r>
+              <a:rPr lang="en-US" altLang="ja-JP" dirty="0"/>
+              <a:t>UI</a:t>
+            </a:r>
+            <a:r>
+              <a:rPr lang="ja-JP" altLang="en-US" dirty="0"/>
+              <a:t>選択。</a:t>
+            </a:r>
+          </a:p>
+          <a:p>
+            <a:endParaRPr lang="ja-JP" altLang="en-US" dirty="0"/>
           </a:p>
         </p:txBody>
       </p:sp>
@@ -4455,26 +4546,412 @@
       </p:sp>
       <p:sp>
         <p:nvSpPr>
-          <p:cNvPr id="10" name="コンテンツ プレースホルダー 9">
-            <a:extLst>
-              <a:ext uri="{FF2B5EF4-FFF2-40B4-BE49-F238E27FC236}">
-                <a16:creationId xmlns:a16="http://schemas.microsoft.com/office/drawing/2014/main" id="{63C2F0DC-AE8C-9140-A307-CB8EA3D49EF7}"/>
-              </a:ext>
-            </a:extLst>
-          </p:cNvPr>
-          <p:cNvSpPr>
-            <a:spLocks noGrp="1"/>
+          <p:cNvPr id="2" name="Rectangle 1">
+            <a:extLst>
+              <a:ext uri="{FF2B5EF4-FFF2-40B4-BE49-F238E27FC236}">
+                <a16:creationId xmlns:a16="http://schemas.microsoft.com/office/drawing/2014/main" id="{224725F4-E7BE-CBD3-A4D2-27CEA814EDA8}"/>
+              </a:ext>
+            </a:extLst>
+          </p:cNvPr>
+          <p:cNvSpPr>
+            <a:spLocks noGrp="1" noChangeArrowheads="1"/>
           </p:cNvSpPr>
           <p:nvPr>
             <p:ph idx="1"/>
           </p:nvPr>
         </p:nvSpPr>
-        <p:spPr/>
-        <p:txBody>
-          <a:bodyPr/>
-          <a:lstStyle/>
-          <a:p>
-            <a:endParaRPr lang="ja-JP" altLang="en-US"/>
+        <p:spPr bwMode="auto">
+          <a:xfrm>
+            <a:off x="521208" y="2261670"/>
+            <a:ext cx="8995411" cy="4401205"/>
+          </a:xfrm>
+          <a:prstGeom prst="rect">
+            <a:avLst/>
+          </a:prstGeom>
+          <a:noFill/>
+          <a:ln>
+            <a:noFill/>
+          </a:ln>
+          <a:effectLst/>
+          <a:extLst>
+            <a:ext uri="{909E8E84-426E-40DD-AFC4-6F175D3DCCD1}">
+              <a14:hiddenFill xmlns:a14="http://schemas.microsoft.com/office/drawing/2010/main">
+                <a:solidFill>
+                  <a:schemeClr val="accent1"/>
+                </a:solidFill>
+              </a14:hiddenFill>
+            </a:ext>
+            <a:ext uri="{91240B29-F687-4F45-9708-019B960494DF}">
+              <a14:hiddenLine xmlns:a14="http://schemas.microsoft.com/office/drawing/2010/main" w="9525">
+                <a:solidFill>
+                  <a:schemeClr val="tx1"/>
+                </a:solidFill>
+                <a:miter lim="800000"/>
+                <a:headEnd/>
+                <a:tailEnd/>
+              </a14:hiddenLine>
+            </a:ext>
+            <a:ext uri="{AF507438-7753-43E0-B8FC-AC1667EBCBE1}">
+              <a14:hiddenEffects xmlns:a14="http://schemas.microsoft.com/office/drawing/2010/main">
+                <a:effectLst>
+                  <a:outerShdw dist="35921" dir="2700000" algn="ctr" rotWithShape="0">
+                    <a:schemeClr val="bg2"/>
+                  </a:outerShdw>
+                </a:effectLst>
+              </a14:hiddenEffects>
+            </a:ext>
+          </a:extLst>
+        </p:spPr>
+        <p:txBody>
+          <a:bodyPr vert="horz" wrap="none" lIns="91440" tIns="45720" rIns="91440" bIns="45720" numCol="1" anchor="ctr" anchorCtr="0" compatLnSpc="1">
+            <a:prstTxWarp prst="textNoShape">
+              <a:avLst/>
+            </a:prstTxWarp>
+            <a:spAutoFit/>
+          </a:bodyPr>
+          <a:lstStyle/>
+          <a:p>
+            <a:pPr marL="0" marR="0" lvl="0" indent="0" algn="l" defTabSz="914400" rtl="0" eaLnBrk="0" fontAlgn="base" latinLnBrk="0" hangingPunct="0">
+              <a:lnSpc>
+                <a:spcPct val="100000"/>
+              </a:lnSpc>
+              <a:spcBef>
+                <a:spcPct val="0"/>
+              </a:spcBef>
+              <a:spcAft>
+                <a:spcPct val="0"/>
+              </a:spcAft>
+              <a:buClrTx/>
+              <a:buSzTx/>
+              <a:buNone/>
+              <a:tabLst/>
+            </a:pPr>
+            <a:r>
+              <a:rPr kumimoji="0" lang="ja-JP" altLang="ja-JP" sz="2800" b="1" i="0" u="none" strike="noStrike" cap="none" normalizeH="0" baseline="0" dirty="0">
+                <a:ln>
+                  <a:noFill/>
+                </a:ln>
+                <a:solidFill>
+                  <a:schemeClr val="tx1"/>
+                </a:solidFill>
+                <a:effectLst/>
+                <a:latin typeface="Arial" panose="020B0604020202020204" pitchFamily="34" charset="0"/>
+              </a:rPr>
+              <a:t>気分選択画面</a:t>
+            </a:r>
+            <a:endParaRPr kumimoji="0" lang="ja-JP" altLang="ja-JP" sz="2800" b="0" i="0" u="none" strike="noStrike" cap="none" normalizeH="0" baseline="0" dirty="0">
+              <a:ln>
+                <a:noFill/>
+              </a:ln>
+              <a:solidFill>
+                <a:schemeClr val="tx1"/>
+              </a:solidFill>
+              <a:effectLst/>
+              <a:latin typeface="Arial" panose="020B0604020202020204" pitchFamily="34" charset="0"/>
+            </a:endParaRPr>
+          </a:p>
+          <a:p>
+            <a:pPr marL="0" marR="0" lvl="0" indent="0" algn="l" defTabSz="914400" rtl="0" eaLnBrk="0" fontAlgn="base" latinLnBrk="0" hangingPunct="0">
+              <a:lnSpc>
+                <a:spcPct val="100000"/>
+              </a:lnSpc>
+              <a:spcBef>
+                <a:spcPct val="0"/>
+              </a:spcBef>
+              <a:spcAft>
+                <a:spcPct val="0"/>
+              </a:spcAft>
+              <a:buClrTx/>
+              <a:buSzTx/>
+              <a:buFontTx/>
+              <a:buChar char="•"/>
+              <a:tabLst/>
+            </a:pPr>
+            <a:r>
+              <a:rPr kumimoji="0" lang="ja-JP" altLang="ja-JP" sz="2800" b="0" i="0" u="none" strike="noStrike" cap="none" normalizeH="0" baseline="0" dirty="0">
+                <a:ln>
+                  <a:noFill/>
+                </a:ln>
+                <a:solidFill>
+                  <a:schemeClr val="tx1"/>
+                </a:solidFill>
+                <a:effectLst/>
+                <a:latin typeface="Arial" panose="020B0604020202020204" pitchFamily="34" charset="0"/>
+              </a:rPr>
+              <a:t>「今日の気分は？」→ 😊 😐 😞 をタップで記録</a:t>
+            </a:r>
+          </a:p>
+          <a:p>
+            <a:pPr marL="0" marR="0" lvl="0" indent="0" algn="l" defTabSz="914400" rtl="0" eaLnBrk="0" fontAlgn="base" latinLnBrk="0" hangingPunct="0">
+              <a:lnSpc>
+                <a:spcPct val="100000"/>
+              </a:lnSpc>
+              <a:spcBef>
+                <a:spcPct val="0"/>
+              </a:spcBef>
+              <a:spcAft>
+                <a:spcPct val="0"/>
+              </a:spcAft>
+              <a:buClrTx/>
+              <a:buSzTx/>
+              <a:buFontTx/>
+              <a:buChar char="•"/>
+              <a:tabLst/>
+            </a:pPr>
+            <a:r>
+              <a:rPr kumimoji="0" lang="ja-JP" altLang="ja-JP" sz="2800" b="0" i="0" u="none" strike="noStrike" cap="none" normalizeH="0" baseline="0" dirty="0">
+                <a:ln>
+                  <a:noFill/>
+                </a:ln>
+                <a:solidFill>
+                  <a:schemeClr val="tx1"/>
+                </a:solidFill>
+                <a:effectLst/>
+                <a:latin typeface="Arial" panose="020B0604020202020204" pitchFamily="34" charset="0"/>
+              </a:rPr>
+              <a:t>同じ日に複数回記録不可（1日1回）</a:t>
+            </a:r>
+          </a:p>
+          <a:p>
+            <a:pPr marL="0" marR="0" lvl="0" indent="0" algn="l" defTabSz="914400" rtl="0" eaLnBrk="0" fontAlgn="base" latinLnBrk="0" hangingPunct="0">
+              <a:lnSpc>
+                <a:spcPct val="100000"/>
+              </a:lnSpc>
+              <a:spcBef>
+                <a:spcPct val="0"/>
+              </a:spcBef>
+              <a:spcAft>
+                <a:spcPct val="0"/>
+              </a:spcAft>
+              <a:buClrTx/>
+              <a:buSzTx/>
+              <a:buNone/>
+              <a:tabLst/>
+            </a:pPr>
+            <a:r>
+              <a:rPr kumimoji="0" lang="ja-JP" altLang="ja-JP" sz="2800" b="1" i="0" u="none" strike="noStrike" cap="none" normalizeH="0" baseline="0" dirty="0">
+                <a:ln>
+                  <a:noFill/>
+                </a:ln>
+                <a:solidFill>
+                  <a:schemeClr val="tx1"/>
+                </a:solidFill>
+                <a:effectLst/>
+                <a:latin typeface="Arial" panose="020B0604020202020204" pitchFamily="34" charset="0"/>
+              </a:rPr>
+              <a:t>履歴表示画面</a:t>
+            </a:r>
+            <a:endParaRPr kumimoji="0" lang="ja-JP" altLang="ja-JP" sz="2800" b="0" i="0" u="none" strike="noStrike" cap="none" normalizeH="0" baseline="0" dirty="0">
+              <a:ln>
+                <a:noFill/>
+              </a:ln>
+              <a:solidFill>
+                <a:schemeClr val="tx1"/>
+              </a:solidFill>
+              <a:effectLst/>
+              <a:latin typeface="Arial" panose="020B0604020202020204" pitchFamily="34" charset="0"/>
+            </a:endParaRPr>
+          </a:p>
+          <a:p>
+            <a:pPr marL="0" marR="0" lvl="0" indent="0" algn="l" defTabSz="914400" rtl="0" eaLnBrk="0" fontAlgn="base" latinLnBrk="0" hangingPunct="0">
+              <a:lnSpc>
+                <a:spcPct val="100000"/>
+              </a:lnSpc>
+              <a:spcBef>
+                <a:spcPct val="0"/>
+              </a:spcBef>
+              <a:spcAft>
+                <a:spcPct val="0"/>
+              </a:spcAft>
+              <a:buClrTx/>
+              <a:buSzTx/>
+              <a:buFontTx/>
+              <a:buChar char="•"/>
+              <a:tabLst/>
+            </a:pPr>
+            <a:r>
+              <a:rPr kumimoji="0" lang="ja-JP" altLang="ja-JP" sz="2800" b="0" i="0" u="none" strike="noStrike" cap="none" normalizeH="0" baseline="0" dirty="0">
+                <a:ln>
+                  <a:noFill/>
+                </a:ln>
+                <a:solidFill>
+                  <a:schemeClr val="tx1"/>
+                </a:solidFill>
+                <a:effectLst/>
+                <a:latin typeface="Arial" panose="020B0604020202020204" pitchFamily="34" charset="0"/>
+              </a:rPr>
+              <a:t>日付ごとの気分を一覧（例：カレンダー or リスト）</a:t>
+            </a:r>
+          </a:p>
+          <a:p>
+            <a:pPr marL="0" marR="0" lvl="0" indent="0" algn="l" defTabSz="914400" rtl="0" eaLnBrk="0" fontAlgn="base" latinLnBrk="0" hangingPunct="0">
+              <a:lnSpc>
+                <a:spcPct val="100000"/>
+              </a:lnSpc>
+              <a:spcBef>
+                <a:spcPct val="0"/>
+              </a:spcBef>
+              <a:spcAft>
+                <a:spcPct val="0"/>
+              </a:spcAft>
+              <a:buClrTx/>
+              <a:buSzTx/>
+              <a:buNone/>
+              <a:tabLst/>
+            </a:pPr>
+            <a:r>
+              <a:rPr kumimoji="0" lang="ja-JP" altLang="ja-JP" sz="2800" b="1" i="0" u="none" strike="noStrike" cap="none" normalizeH="0" baseline="0" dirty="0">
+                <a:ln>
+                  <a:noFill/>
+                </a:ln>
+                <a:solidFill>
+                  <a:schemeClr val="tx1"/>
+                </a:solidFill>
+                <a:effectLst/>
+                <a:latin typeface="Arial" panose="020B0604020202020204" pitchFamily="34" charset="0"/>
+              </a:rPr>
+              <a:t>グラフ表示画面</a:t>
+            </a:r>
+            <a:endParaRPr kumimoji="0" lang="ja-JP" altLang="ja-JP" sz="2800" b="0" i="0" u="none" strike="noStrike" cap="none" normalizeH="0" baseline="0" dirty="0">
+              <a:ln>
+                <a:noFill/>
+              </a:ln>
+              <a:solidFill>
+                <a:schemeClr val="tx1"/>
+              </a:solidFill>
+              <a:effectLst/>
+              <a:latin typeface="Arial" panose="020B0604020202020204" pitchFamily="34" charset="0"/>
+            </a:endParaRPr>
+          </a:p>
+          <a:p>
+            <a:pPr marL="0" marR="0" lvl="0" indent="0" algn="l" defTabSz="914400" rtl="0" eaLnBrk="0" fontAlgn="base" latinLnBrk="0" hangingPunct="0">
+              <a:lnSpc>
+                <a:spcPct val="100000"/>
+              </a:lnSpc>
+              <a:spcBef>
+                <a:spcPct val="0"/>
+              </a:spcBef>
+              <a:spcAft>
+                <a:spcPct val="0"/>
+              </a:spcAft>
+              <a:buClrTx/>
+              <a:buSzTx/>
+              <a:buFontTx/>
+              <a:buChar char="•"/>
+              <a:tabLst/>
+            </a:pPr>
+            <a:r>
+              <a:rPr kumimoji="0" lang="ja-JP" altLang="ja-JP" sz="2800" b="0" i="0" u="none" strike="noStrike" cap="none" normalizeH="0" baseline="0" dirty="0">
+                <a:ln>
+                  <a:noFill/>
+                </a:ln>
+                <a:solidFill>
+                  <a:schemeClr val="tx1"/>
+                </a:solidFill>
+                <a:effectLst/>
+                <a:latin typeface="Arial" panose="020B0604020202020204" pitchFamily="34" charset="0"/>
+              </a:rPr>
+              <a:t>直近1週間の気分を棒グラフ or 円グラフで可視化</a:t>
+            </a:r>
+          </a:p>
+          <a:p>
+            <a:pPr marL="0" marR="0" lvl="0" indent="0" algn="l" defTabSz="914400" rtl="0" eaLnBrk="0" fontAlgn="base" latinLnBrk="0" hangingPunct="0">
+              <a:lnSpc>
+                <a:spcPct val="100000"/>
+              </a:lnSpc>
+              <a:spcBef>
+                <a:spcPct val="0"/>
+              </a:spcBef>
+              <a:spcAft>
+                <a:spcPct val="0"/>
+              </a:spcAft>
+              <a:buClrTx/>
+              <a:buSzTx/>
+              <a:buNone/>
+              <a:tabLst/>
+            </a:pPr>
+            <a:r>
+              <a:rPr kumimoji="0" lang="ja-JP" altLang="ja-JP" sz="2800" b="1" i="0" u="none" strike="noStrike" cap="none" normalizeH="0" baseline="0" dirty="0">
+                <a:ln>
+                  <a:noFill/>
+                </a:ln>
+                <a:solidFill>
+                  <a:schemeClr val="tx1"/>
+                </a:solidFill>
+                <a:effectLst/>
+                <a:latin typeface="Arial" panose="020B0604020202020204" pitchFamily="34" charset="0"/>
+              </a:rPr>
+              <a:t>ローカル保存</a:t>
+            </a:r>
+            <a:endParaRPr kumimoji="0" lang="ja-JP" altLang="ja-JP" sz="2800" b="0" i="0" u="none" strike="noStrike" cap="none" normalizeH="0" baseline="0" dirty="0">
+              <a:ln>
+                <a:noFill/>
+              </a:ln>
+              <a:solidFill>
+                <a:schemeClr val="tx1"/>
+              </a:solidFill>
+              <a:effectLst/>
+              <a:latin typeface="Arial" panose="020B0604020202020204" pitchFamily="34" charset="0"/>
+            </a:endParaRPr>
+          </a:p>
+          <a:p>
+            <a:pPr marL="0" marR="0" lvl="0" indent="0" algn="l" defTabSz="914400" rtl="0" eaLnBrk="0" fontAlgn="base" latinLnBrk="0" hangingPunct="0">
+              <a:lnSpc>
+                <a:spcPct val="100000"/>
+              </a:lnSpc>
+              <a:spcBef>
+                <a:spcPct val="0"/>
+              </a:spcBef>
+              <a:spcAft>
+                <a:spcPct val="0"/>
+              </a:spcAft>
+              <a:buClrTx/>
+              <a:buSzTx/>
+              <a:buFontTx/>
+              <a:buChar char="•"/>
+              <a:tabLst/>
+            </a:pPr>
+            <a:r>
+              <a:rPr kumimoji="0" lang="ja-JP" altLang="ja-JP" sz="2800" b="0" i="0" u="none" strike="noStrike" cap="none" normalizeH="0" baseline="0" dirty="0">
+                <a:ln>
+                  <a:noFill/>
+                </a:ln>
+                <a:solidFill>
+                  <a:schemeClr val="tx1"/>
+                </a:solidFill>
+                <a:effectLst/>
+                <a:latin typeface="Arial" panose="020B0604020202020204" pitchFamily="34" charset="0"/>
+              </a:rPr>
+              <a:t>SQLite / JSON / SharedPreferences などで保存</a:t>
+            </a:r>
+          </a:p>
+          <a:p>
+            <a:pPr marL="0" marR="0" lvl="0" indent="0" algn="l" defTabSz="914400" rtl="0" eaLnBrk="0" fontAlgn="base" latinLnBrk="0" hangingPunct="0">
+              <a:lnSpc>
+                <a:spcPct val="100000"/>
+              </a:lnSpc>
+              <a:spcBef>
+                <a:spcPct val="0"/>
+              </a:spcBef>
+              <a:spcAft>
+                <a:spcPct val="0"/>
+              </a:spcAft>
+              <a:buClrTx/>
+              <a:buSzTx/>
+              <a:buFontTx/>
+              <a:buNone/>
+              <a:tabLst/>
+            </a:pPr>
+            <a:endParaRPr kumimoji="0" lang="ja-JP" altLang="ja-JP" sz="2800" b="0" i="0" u="none" strike="noStrike" cap="none" normalizeH="0" baseline="0" dirty="0">
+              <a:ln>
+                <a:noFill/>
+              </a:ln>
+              <a:solidFill>
+                <a:schemeClr val="tx1"/>
+              </a:solidFill>
+              <a:effectLst/>
+              <a:latin typeface="Arial" panose="020B0604020202020204" pitchFamily="34" charset="0"/>
+            </a:endParaRPr>
           </a:p>
         </p:txBody>
       </p:sp>
@@ -4601,21 +5078,21 @@
           <a:lstStyle/>
           <a:p>
             <a:r>
-              <a:rPr lang="en-US" altLang="ja-JP" dirty="0"/>
+              <a:rPr lang="en-US" altLang="ja-JP" sz="3200" dirty="0"/>
               <a:t>5/7 </a:t>
             </a:r>
             <a:r>
-              <a:rPr lang="ja-JP" altLang="en-US" dirty="0"/>
+              <a:rPr lang="ja-JP" altLang="en-US" sz="3200" dirty="0"/>
               <a:t>不具合：なし </a:t>
             </a:r>
-            <a:endParaRPr lang="en-US" altLang="ja-JP" dirty="0"/>
+            <a:endParaRPr lang="en-US" altLang="ja-JP" sz="3200" dirty="0"/>
           </a:p>
           <a:p>
             <a:pPr marL="0" indent="0">
               <a:buNone/>
             </a:pPr>
             <a:r>
-              <a:rPr lang="ja-JP" altLang="en-US" dirty="0"/>
+              <a:rPr lang="ja-JP" altLang="en-US" sz="3200" dirty="0"/>
               <a:t>調査内容：</a:t>
             </a:r>
           </a:p>
@@ -4624,37 +5101,37 @@
               <a:buNone/>
             </a:pPr>
             <a:r>
-              <a:rPr lang="ja-JP" altLang="en-US" dirty="0"/>
+              <a:rPr lang="ja-JP" altLang="en-US" sz="3200" dirty="0"/>
               <a:t>・</a:t>
             </a:r>
             <a:r>
-              <a:rPr lang="en-US" altLang="ja-JP" dirty="0"/>
+              <a:rPr lang="en-US" altLang="ja-JP" sz="3200" dirty="0"/>
               <a:t>Flutter</a:t>
             </a:r>
             <a:r>
-              <a:rPr lang="ja-JP" altLang="en-US" dirty="0"/>
+              <a:rPr lang="ja-JP" altLang="en-US" sz="3200" dirty="0"/>
               <a:t>のバージョン確認・アップデート</a:t>
             </a:r>
             <a:r>
-              <a:rPr lang="en-US" altLang="ja-JP" dirty="0"/>
+              <a:rPr lang="en-US" altLang="ja-JP" sz="3200" dirty="0"/>
               <a:t>(3.24.4</a:t>
             </a:r>
             <a:r>
-              <a:rPr lang="ja-JP" altLang="en-US" dirty="0"/>
+              <a:rPr lang="ja-JP" altLang="en-US" sz="3200" dirty="0"/>
               <a:t>→</a:t>
             </a:r>
             <a:r>
-              <a:rPr lang="en-US" altLang="ja-JP" dirty="0"/>
+              <a:rPr lang="en-US" altLang="ja-JP" sz="3200" dirty="0"/>
               <a:t>3.29.3)</a:t>
             </a:r>
-            <a:endParaRPr lang="ja-JP" altLang="en-US" dirty="0"/>
+            <a:endParaRPr lang="ja-JP" altLang="en-US" sz="3200" dirty="0"/>
           </a:p>
           <a:p>
             <a:pPr marL="0" indent="0">
               <a:buNone/>
             </a:pPr>
             <a:r>
-              <a:rPr lang="ja-JP" altLang="en-US" dirty="0"/>
+              <a:rPr lang="ja-JP" altLang="en-US" sz="3200" dirty="0"/>
               <a:t>・デバッグ実行</a:t>
             </a:r>
           </a:p>
@@ -4756,15 +5233,7 @@
           <a:p>
             <a:r>
               <a:rPr lang="ja-JP" altLang="en-US" dirty="0"/>
-              <a:t>参考</a:t>
-            </a:r>
-            <a:r>
-              <a:rPr lang="en-US" altLang="ja-JP" dirty="0"/>
-              <a:t>URL</a:t>
-            </a:r>
-            <a:r>
-              <a:rPr lang="ja-JP" altLang="en-US" dirty="0"/>
-              <a:t>一覧</a:t>
+              <a:t>改善案</a:t>
             </a:r>
           </a:p>
         </p:txBody>

--- a/Flutter.pptx
+++ b/Flutter.pptx
@@ -9,8 +9,10 @@
     <p:sldId id="257" r:id="rId3"/>
     <p:sldId id="258" r:id="rId4"/>
     <p:sldId id="259" r:id="rId5"/>
-    <p:sldId id="260" r:id="rId6"/>
-    <p:sldId id="261" r:id="rId7"/>
+    <p:sldId id="262" r:id="rId6"/>
+    <p:sldId id="263" r:id="rId7"/>
+    <p:sldId id="260" r:id="rId8"/>
+    <p:sldId id="261" r:id="rId9"/>
   </p:sldIdLst>
   <p:sldSz cx="12192000" cy="6858000"/>
   <p:notesSz cx="6858000" cy="9144000"/>
@@ -398,7 +400,7 @@
           <a:p>
             <a:fld id="{E80C50CD-E178-4744-9B35-B2F624D6C5E9}" type="datetimeFigureOut">
               <a:rPr lang="en-US" smtClean="0"/>
-              <a:t>5/14/2025</a:t>
+              <a:t>6/9/2025</a:t>
             </a:fld>
             <a:endParaRPr lang="en-US"/>
           </a:p>
@@ -596,7 +598,7 @@
           <a:p>
             <a:fld id="{E80C50CD-E178-4744-9B35-B2F624D6C5E9}" type="datetimeFigureOut">
               <a:rPr lang="en-US" smtClean="0"/>
-              <a:t>5/14/2025</a:t>
+              <a:t>6/9/2025</a:t>
             </a:fld>
             <a:endParaRPr lang="en-US"/>
           </a:p>
@@ -804,7 +806,7 @@
           <a:p>
             <a:fld id="{E80C50CD-E178-4744-9B35-B2F624D6C5E9}" type="datetimeFigureOut">
               <a:rPr lang="en-US" smtClean="0"/>
-              <a:t>5/14/2025</a:t>
+              <a:t>6/9/2025</a:t>
             </a:fld>
             <a:endParaRPr lang="en-US"/>
           </a:p>
@@ -1054,7 +1056,7 @@
           <a:p>
             <a:fld id="{E80C50CD-E178-4744-9B35-B2F624D6C5E9}" type="datetimeFigureOut">
               <a:rPr lang="en-US" smtClean="0"/>
-              <a:t>5/14/2025</a:t>
+              <a:t>6/9/2025</a:t>
             </a:fld>
             <a:endParaRPr lang="en-US"/>
           </a:p>
@@ -1333,7 +1335,7 @@
           <a:p>
             <a:fld id="{E80C50CD-E178-4744-9B35-B2F624D6C5E9}" type="datetimeFigureOut">
               <a:rPr lang="en-US" smtClean="0"/>
-              <a:t>5/14/2025</a:t>
+              <a:t>6/9/2025</a:t>
             </a:fld>
             <a:endParaRPr lang="en-US"/>
           </a:p>
@@ -1650,7 +1652,7 @@
           <a:p>
             <a:fld id="{E80C50CD-E178-4744-9B35-B2F624D6C5E9}" type="datetimeFigureOut">
               <a:rPr lang="en-US" smtClean="0"/>
-              <a:t>5/14/2025</a:t>
+              <a:t>6/9/2025</a:t>
             </a:fld>
             <a:endParaRPr lang="en-US"/>
           </a:p>
@@ -2066,7 +2068,7 @@
           <a:p>
             <a:fld id="{E80C50CD-E178-4744-9B35-B2F624D6C5E9}" type="datetimeFigureOut">
               <a:rPr lang="en-US" smtClean="0"/>
-              <a:t>5/14/2025</a:t>
+              <a:t>6/9/2025</a:t>
             </a:fld>
             <a:endParaRPr lang="en-US"/>
           </a:p>
@@ -2207,7 +2209,7 @@
           <a:p>
             <a:fld id="{E80C50CD-E178-4744-9B35-B2F624D6C5E9}" type="datetimeFigureOut">
               <a:rPr lang="en-US" smtClean="0"/>
-              <a:t>5/14/2025</a:t>
+              <a:t>6/9/2025</a:t>
             </a:fld>
             <a:endParaRPr lang="en-US"/>
           </a:p>
@@ -2320,7 +2322,7 @@
           <a:p>
             <a:fld id="{E80C50CD-E178-4744-9B35-B2F624D6C5E9}" type="datetimeFigureOut">
               <a:rPr lang="en-US" smtClean="0"/>
-              <a:t>5/14/2025</a:t>
+              <a:t>6/9/2025</a:t>
             </a:fld>
             <a:endParaRPr lang="en-US"/>
           </a:p>
@@ -2637,7 +2639,7 @@
           <a:p>
             <a:fld id="{E80C50CD-E178-4744-9B35-B2F624D6C5E9}" type="datetimeFigureOut">
               <a:rPr lang="en-US" smtClean="0"/>
-              <a:t>5/14/2025</a:t>
+              <a:t>6/9/2025</a:t>
             </a:fld>
             <a:endParaRPr lang="en-US"/>
           </a:p>
@@ -2929,7 +2931,7 @@
           <a:p>
             <a:fld id="{E80C50CD-E178-4744-9B35-B2F624D6C5E9}" type="datetimeFigureOut">
               <a:rPr lang="en-US" smtClean="0"/>
-              <a:t>5/14/2025</a:t>
+              <a:t>6/9/2025</a:t>
             </a:fld>
             <a:endParaRPr lang="en-US"/>
           </a:p>
@@ -3165,7 +3167,7 @@
             <a:fld id="{E80C50CD-E178-4744-9B35-B2F624D6C5E9}" type="datetimeFigureOut">
               <a:rPr lang="en-US" smtClean="0"/>
               <a:pPr/>
-              <a:t>5/14/2025</a:t>
+              <a:t>6/9/2025</a:t>
             </a:fld>
             <a:endParaRPr lang="en-US"/>
           </a:p>
@@ -4201,7 +4203,12 @@
             <p:ph type="title"/>
           </p:nvPr>
         </p:nvSpPr>
-        <p:spPr/>
+        <p:spPr>
+          <a:xfrm>
+            <a:off x="516646" y="497720"/>
+            <a:ext cx="11155680" cy="1463040"/>
+          </a:xfrm>
+        </p:spPr>
         <p:txBody>
           <a:bodyPr/>
           <a:lstStyle/>
@@ -4229,91 +4236,43 @@
             <p:ph idx="1"/>
           </p:nvPr>
         </p:nvSpPr>
-        <p:spPr/>
+        <p:spPr>
+          <a:xfrm>
+            <a:off x="516646" y="1960760"/>
+            <a:ext cx="11155680" cy="4002895"/>
+          </a:xfrm>
+        </p:spPr>
         <p:txBody>
           <a:bodyPr/>
           <a:lstStyle/>
           <a:p>
-            <a:pPr>
+            <a:pPr marL="0" indent="0">
               <a:buNone/>
             </a:pPr>
             <a:r>
-              <a:rPr lang="en-US" altLang="ja-JP" b="1" dirty="0"/>
-              <a:t>2. </a:t>
-            </a:r>
-            <a:r>
-              <a:rPr lang="ja-JP" altLang="en-US" b="1" dirty="0"/>
-              <a:t>気分記録アプリ</a:t>
-            </a:r>
-          </a:p>
-          <a:p>
-            <a:pPr>
-              <a:buFont typeface="Arial" panose="020B0604020202020204" pitchFamily="34" charset="0"/>
-              <a:buChar char="•"/>
+              <a:rPr lang="ja-JP" altLang="en-US" sz="4000" dirty="0"/>
+              <a:t>・きぶん日記は、毎日の気分を簡単に記録・可視化できる日記アプリ。  </a:t>
+            </a:r>
+            <a:endParaRPr lang="en-US" altLang="ja-JP" sz="4000" dirty="0"/>
+          </a:p>
+          <a:p>
+            <a:pPr marL="0" indent="0">
+              <a:buNone/>
             </a:pPr>
             <a:r>
-              <a:rPr lang="ja-JP" altLang="en-US" dirty="0"/>
-              <a:t>「今日の気分は？」→ 😊 😐 😞 を選ぶ。</a:t>
-            </a:r>
-          </a:p>
-          <a:p>
-            <a:pPr>
-              <a:buFont typeface="Arial" panose="020B0604020202020204" pitchFamily="34" charset="0"/>
-              <a:buChar char="•"/>
+              <a:rPr lang="ja-JP" altLang="en-US" sz="4000" dirty="0"/>
+              <a:t>・気分の推移をグラフで振り返り、モチベーション維持やセルフケアに役立てることが可能。 </a:t>
+            </a:r>
+            <a:endParaRPr lang="en-US" altLang="ja-JP" sz="4000" dirty="0"/>
+          </a:p>
+          <a:p>
+            <a:pPr marL="0" indent="0">
+              <a:buNone/>
             </a:pPr>
             <a:r>
-              <a:rPr lang="en-US" altLang="ja-JP" dirty="0"/>
-              <a:t>1</a:t>
-            </a:r>
-            <a:r>
-              <a:rPr lang="ja-JP" altLang="en-US" dirty="0"/>
-              <a:t>日</a:t>
-            </a:r>
-            <a:r>
-              <a:rPr lang="en-US" altLang="ja-JP" dirty="0"/>
-              <a:t>1</a:t>
-            </a:r>
-            <a:r>
-              <a:rPr lang="ja-JP" altLang="en-US" dirty="0"/>
-              <a:t>回、気分の絵文字と簡単な日記を記録 → グラフ表示。</a:t>
-            </a:r>
-          </a:p>
-          <a:p>
-            <a:pPr>
-              <a:buFont typeface="Arial" panose="020B0604020202020204" pitchFamily="34" charset="0"/>
-              <a:buChar char="•"/>
-            </a:pPr>
-            <a:r>
-              <a:rPr lang="ja-JP" altLang="en-US" dirty="0"/>
-              <a:t>技術要素：簡単なデータ保存（ローカル</a:t>
-            </a:r>
-            <a:r>
-              <a:rPr lang="en-US" altLang="ja-JP" dirty="0"/>
-              <a:t>DB</a:t>
-            </a:r>
-            <a:r>
-              <a:rPr lang="ja-JP" altLang="en-US" dirty="0"/>
-              <a:t>や</a:t>
-            </a:r>
-            <a:r>
-              <a:rPr lang="en-US" altLang="ja-JP" dirty="0"/>
-              <a:t>JSON</a:t>
-            </a:r>
-            <a:r>
-              <a:rPr lang="ja-JP" altLang="en-US" dirty="0"/>
-              <a:t>）、</a:t>
-            </a:r>
-            <a:r>
-              <a:rPr lang="en-US" altLang="ja-JP" dirty="0"/>
-              <a:t>UI</a:t>
-            </a:r>
-            <a:r>
-              <a:rPr lang="ja-JP" altLang="en-US" dirty="0"/>
-              <a:t>選択。</a:t>
-            </a:r>
-          </a:p>
-          <a:p>
-            <a:endParaRPr lang="ja-JP" altLang="en-US" dirty="0"/>
+              <a:rPr lang="ja-JP" altLang="en-US" sz="4000" dirty="0"/>
+              <a:t>・週間目標やバッジ機能で継続もサポート。</a:t>
+            </a:r>
           </a:p>
         </p:txBody>
       </p:sp>
@@ -4406,7 +4365,12 @@
             <p:ph type="title"/>
           </p:nvPr>
         </p:nvSpPr>
-        <p:spPr/>
+        <p:spPr>
+          <a:xfrm>
+            <a:off x="521208" y="521208"/>
+            <a:ext cx="11155680" cy="1463040"/>
+          </a:xfrm>
+        </p:spPr>
         <p:txBody>
           <a:bodyPr/>
           <a:lstStyle/>
@@ -4434,12 +4398,103 @@
             <p:ph idx="1"/>
           </p:nvPr>
         </p:nvSpPr>
-        <p:spPr/>
+        <p:spPr>
+          <a:xfrm>
+            <a:off x="521208" y="1984248"/>
+            <a:ext cx="11155680" cy="3767328"/>
+          </a:xfrm>
+        </p:spPr>
         <p:txBody>
           <a:bodyPr/>
           <a:lstStyle/>
           <a:p>
-            <a:endParaRPr lang="ja-JP" altLang="en-US"/>
+            <a:r>
+              <a:rPr lang="ja-JP" altLang="en-US" sz="3200" dirty="0"/>
+              <a:t>言語</a:t>
+            </a:r>
+            <a:r>
+              <a:rPr lang="en-US" altLang="ja-JP" sz="3200" dirty="0"/>
+              <a:t>: Dart- </a:t>
+            </a:r>
+          </a:p>
+          <a:p>
+            <a:r>
+              <a:rPr lang="ja-JP" altLang="en-US" sz="3200" dirty="0"/>
+              <a:t>フレームワーク</a:t>
+            </a:r>
+            <a:r>
+              <a:rPr lang="en-US" altLang="ja-JP" sz="3200" dirty="0"/>
+              <a:t>: Flutter- </a:t>
+            </a:r>
+          </a:p>
+          <a:p>
+            <a:r>
+              <a:rPr lang="ja-JP" altLang="en-US" sz="3200" dirty="0"/>
+              <a:t>ローカルストレージ</a:t>
+            </a:r>
+            <a:r>
+              <a:rPr lang="en-US" altLang="ja-JP" sz="3200" dirty="0"/>
+              <a:t>: </a:t>
+            </a:r>
+            <a:r>
+              <a:rPr lang="en-US" altLang="ja-JP" sz="3200" dirty="0" err="1"/>
+              <a:t>shared_preferences</a:t>
+            </a:r>
+            <a:r>
+              <a:rPr lang="en-US" altLang="ja-JP" sz="3200" dirty="0"/>
+              <a:t>- </a:t>
+            </a:r>
+          </a:p>
+          <a:p>
+            <a:r>
+              <a:rPr lang="ja-JP" altLang="en-US" sz="3200" dirty="0"/>
+              <a:t>グラフ描画</a:t>
+            </a:r>
+            <a:r>
+              <a:rPr lang="en-US" altLang="ja-JP" sz="3200" dirty="0"/>
+              <a:t>: </a:t>
+            </a:r>
+            <a:r>
+              <a:rPr lang="en-US" altLang="ja-JP" sz="3200" dirty="0" err="1"/>
+              <a:t>fl_chart</a:t>
+            </a:r>
+            <a:r>
+              <a:rPr lang="en-US" altLang="ja-JP" sz="3200" dirty="0"/>
+              <a:t>- </a:t>
+            </a:r>
+          </a:p>
+          <a:p>
+            <a:r>
+              <a:rPr lang="ja-JP" altLang="en-US" sz="3200" dirty="0"/>
+              <a:t>日付処理</a:t>
+            </a:r>
+            <a:r>
+              <a:rPr lang="en-US" altLang="ja-JP" sz="3200" dirty="0"/>
+              <a:t>: </a:t>
+            </a:r>
+            <a:r>
+              <a:rPr lang="en-US" altLang="ja-JP" sz="3200" dirty="0" err="1"/>
+              <a:t>intl</a:t>
+            </a:r>
+            <a:r>
+              <a:rPr lang="en-US" altLang="ja-JP" sz="3200" dirty="0"/>
+              <a:t>- </a:t>
+            </a:r>
+          </a:p>
+          <a:p>
+            <a:r>
+              <a:rPr lang="en-US" altLang="ja-JP" sz="3200" dirty="0"/>
+              <a:t>UI/</a:t>
+            </a:r>
+            <a:r>
+              <a:rPr lang="ja-JP" altLang="en-US" sz="3200" dirty="0"/>
+              <a:t>アイコン</a:t>
+            </a:r>
+            <a:r>
+              <a:rPr lang="en-US" altLang="ja-JP" sz="3200" dirty="0"/>
+              <a:t>: Flutter Material Design</a:t>
+            </a:r>
+            <a:endParaRPr lang="ja-JP" altLang="en-US" sz="3200" dirty="0"/>
           </a:p>
         </p:txBody>
       </p:sp>
@@ -4508,7 +4563,7 @@
         </p:blipFill>
         <p:spPr>
           <a:xfrm>
-            <a:off x="20" y="10"/>
+            <a:off x="0" y="0"/>
             <a:ext cx="12188932" cy="6857990"/>
           </a:xfrm>
           <a:prstGeom prst="rect">
@@ -4532,14 +4587,19 @@
             <p:ph type="title"/>
           </p:nvPr>
         </p:nvSpPr>
-        <p:spPr/>
+        <p:spPr>
+          <a:xfrm>
+            <a:off x="516626" y="510321"/>
+            <a:ext cx="11155680" cy="1463040"/>
+          </a:xfrm>
+        </p:spPr>
         <p:txBody>
           <a:bodyPr/>
           <a:lstStyle/>
           <a:p>
             <a:r>
               <a:rPr lang="ja-JP" altLang="en-US" dirty="0"/>
-              <a:t>実装機能一覧</a:t>
+              <a:t>実装機能一覧①</a:t>
             </a:r>
           </a:p>
         </p:txBody>
@@ -4562,8 +4622,8 @@
         </p:nvSpPr>
         <p:spPr bwMode="auto">
           <a:xfrm>
-            <a:off x="521208" y="2261670"/>
-            <a:ext cx="8995411" cy="4401205"/>
+            <a:off x="516626" y="1494983"/>
+            <a:ext cx="9994403" cy="5078313"/>
           </a:xfrm>
           <a:prstGeom prst="rect">
             <a:avLst/>
@@ -4611,7 +4671,7 @@
           </a:bodyPr>
           <a:lstStyle/>
           <a:p>
-            <a:pPr marL="0" marR="0" lvl="0" indent="0" algn="l" defTabSz="914400" rtl="0" eaLnBrk="0" fontAlgn="base" latinLnBrk="0" hangingPunct="0">
+            <a:pPr marL="742950" lvl="0" indent="-742950" eaLnBrk="0" fontAlgn="base" hangingPunct="0">
               <a:lnSpc>
                 <a:spcPct val="100000"/>
               </a:lnSpc>
@@ -4621,37 +4681,20 @@
               <a:spcAft>
                 <a:spcPct val="0"/>
               </a:spcAft>
-              <a:buClrTx/>
-              <a:buSzTx/>
-              <a:buNone/>
-              <a:tabLst/>
+              <a:buAutoNum type="arabicPeriod"/>
             </a:pPr>
             <a:r>
-              <a:rPr kumimoji="0" lang="ja-JP" altLang="ja-JP" sz="2800" b="1" i="0" u="none" strike="noStrike" cap="none" normalizeH="0" baseline="0" dirty="0">
-                <a:ln>
-                  <a:noFill/>
-                </a:ln>
-                <a:solidFill>
-                  <a:schemeClr val="tx1"/>
-                </a:solidFill>
-                <a:effectLst/>
+              <a:rPr lang="ja-JP" altLang="en-US" sz="3600" b="1" dirty="0">
                 <a:latin typeface="Arial" panose="020B0604020202020204" pitchFamily="34" charset="0"/>
               </a:rPr>
-              <a:t>気分選択画面</a:t>
-            </a:r>
-            <a:endParaRPr kumimoji="0" lang="ja-JP" altLang="ja-JP" sz="2800" b="0" i="0" u="none" strike="noStrike" cap="none" normalizeH="0" baseline="0" dirty="0">
-              <a:ln>
-                <a:noFill/>
-              </a:ln>
-              <a:solidFill>
-                <a:schemeClr val="tx1"/>
-              </a:solidFill>
-              <a:effectLst/>
+              <a:t>毎日の気分記録</a:t>
+            </a:r>
+            <a:endParaRPr lang="en-US" altLang="ja-JP" sz="3600" b="1" dirty="0">
               <a:latin typeface="Arial" panose="020B0604020202020204" pitchFamily="34" charset="0"/>
             </a:endParaRPr>
           </a:p>
           <a:p>
-            <a:pPr marL="0" marR="0" lvl="0" indent="0" algn="l" defTabSz="914400" rtl="0" eaLnBrk="0" fontAlgn="base" latinLnBrk="0" hangingPunct="0">
+            <a:pPr marL="0" lvl="0" indent="0" eaLnBrk="0" fontAlgn="base" hangingPunct="0">
               <a:lnSpc>
                 <a:spcPct val="100000"/>
               </a:lnSpc>
@@ -4661,28 +4704,42 @@
               <a:spcAft>
                 <a:spcPct val="0"/>
               </a:spcAft>
-              <a:buClrTx/>
-              <a:buSzTx/>
-              <a:buFontTx/>
-              <a:buChar char="•"/>
-              <a:tabLst/>
+              <a:buNone/>
             </a:pPr>
             <a:r>
-              <a:rPr kumimoji="0" lang="ja-JP" altLang="ja-JP" sz="2800" b="0" i="0" u="none" strike="noStrike" cap="none" normalizeH="0" baseline="0" dirty="0">
-                <a:ln>
-                  <a:noFill/>
-                </a:ln>
-                <a:solidFill>
-                  <a:schemeClr val="tx1"/>
-                </a:solidFill>
-                <a:effectLst/>
+              <a:rPr lang="ja-JP" altLang="en-US" sz="3600" b="1" dirty="0">
                 <a:latin typeface="Arial" panose="020B0604020202020204" pitchFamily="34" charset="0"/>
               </a:rPr>
-              <a:t>「今日の気分は？」→ 😊 😐 😞 をタップで記録</a:t>
-            </a:r>
-          </a:p>
-          <a:p>
-            <a:pPr marL="0" marR="0" lvl="0" indent="0" algn="l" defTabSz="914400" rtl="0" eaLnBrk="0" fontAlgn="base" latinLnBrk="0" hangingPunct="0">
+              <a:t>・</a:t>
+            </a:r>
+            <a:r>
+              <a:rPr lang="en-US" altLang="ja-JP" sz="3600" b="1" dirty="0">
+                <a:latin typeface="Arial" panose="020B0604020202020204" pitchFamily="34" charset="0"/>
+              </a:rPr>
+              <a:t>6</a:t>
+            </a:r>
+            <a:r>
+              <a:rPr lang="ja-JP" altLang="en-US" sz="3600" b="1" dirty="0">
+                <a:latin typeface="Arial" panose="020B0604020202020204" pitchFamily="34" charset="0"/>
+              </a:rPr>
+              <a:t>種類の気分（</a:t>
+            </a:r>
+            <a:r>
+              <a:rPr lang="ja-JP" altLang="en-US" sz="3600" dirty="0"/>
+              <a:t>🤩😄😐😢😡😴</a:t>
+            </a:r>
+            <a:r>
+              <a:rPr lang="ja-JP" altLang="en-US" sz="3600" b="1" dirty="0">
+                <a:latin typeface="Arial" panose="020B0604020202020204" pitchFamily="34" charset="0"/>
+              </a:rPr>
+              <a:t>）から選択</a:t>
+            </a:r>
+            <a:endParaRPr lang="en-US" altLang="ja-JP" sz="3600" b="1" dirty="0">
+              <a:latin typeface="Arial" panose="020B0604020202020204" pitchFamily="34" charset="0"/>
+            </a:endParaRPr>
+          </a:p>
+          <a:p>
+            <a:pPr marL="0" lvl="0" indent="0" eaLnBrk="0" fontAlgn="base" hangingPunct="0">
               <a:lnSpc>
                 <a:spcPct val="100000"/>
               </a:lnSpc>
@@ -4692,28 +4749,20 @@
               <a:spcAft>
                 <a:spcPct val="0"/>
               </a:spcAft>
-              <a:buClrTx/>
-              <a:buSzTx/>
-              <a:buFontTx/>
-              <a:buChar char="•"/>
-              <a:tabLst/>
+              <a:buNone/>
             </a:pPr>
             <a:r>
-              <a:rPr kumimoji="0" lang="ja-JP" altLang="ja-JP" sz="2800" b="0" i="0" u="none" strike="noStrike" cap="none" normalizeH="0" baseline="0" dirty="0">
-                <a:ln>
-                  <a:noFill/>
-                </a:ln>
-                <a:solidFill>
-                  <a:schemeClr val="tx1"/>
-                </a:solidFill>
-                <a:effectLst/>
+              <a:rPr lang="ja-JP" altLang="en-US" sz="3600" b="1" dirty="0">
                 <a:latin typeface="Arial" panose="020B0604020202020204" pitchFamily="34" charset="0"/>
               </a:rPr>
-              <a:t>同じ日に複数回記録不可（1日1回）</a:t>
-            </a:r>
-          </a:p>
-          <a:p>
-            <a:pPr marL="0" marR="0" lvl="0" indent="0" algn="l" defTabSz="914400" rtl="0" eaLnBrk="0" fontAlgn="base" latinLnBrk="0" hangingPunct="0">
+              <a:t>・任意のメモ入力</a:t>
+            </a:r>
+            <a:endParaRPr lang="en-US" altLang="ja-JP" sz="3600" b="1" dirty="0">
+              <a:latin typeface="Arial" panose="020B0604020202020204" pitchFamily="34" charset="0"/>
+            </a:endParaRPr>
+          </a:p>
+          <a:p>
+            <a:pPr marL="0" lvl="0" indent="0" eaLnBrk="0" fontAlgn="base" hangingPunct="0">
               <a:lnSpc>
                 <a:spcPct val="100000"/>
               </a:lnSpc>
@@ -4723,37 +4772,44 @@
               <a:spcAft>
                 <a:spcPct val="0"/>
               </a:spcAft>
-              <a:buClrTx/>
-              <a:buSzTx/>
-              <a:buNone/>
-              <a:tabLst/>
+              <a:buNone/>
             </a:pPr>
             <a:r>
-              <a:rPr kumimoji="0" lang="ja-JP" altLang="ja-JP" sz="2800" b="1" i="0" u="none" strike="noStrike" cap="none" normalizeH="0" baseline="0" dirty="0">
-                <a:ln>
-                  <a:noFill/>
-                </a:ln>
-                <a:solidFill>
-                  <a:schemeClr val="tx1"/>
-                </a:solidFill>
-                <a:effectLst/>
+              <a:rPr lang="ja-JP" altLang="en-US" sz="3600" b="1" dirty="0">
                 <a:latin typeface="Arial" panose="020B0604020202020204" pitchFamily="34" charset="0"/>
               </a:rPr>
-              <a:t>履歴表示画面</a:t>
-            </a:r>
-            <a:endParaRPr kumimoji="0" lang="ja-JP" altLang="ja-JP" sz="2800" b="0" i="0" u="none" strike="noStrike" cap="none" normalizeH="0" baseline="0" dirty="0">
-              <a:ln>
-                <a:noFill/>
-              </a:ln>
-              <a:solidFill>
-                <a:schemeClr val="tx1"/>
-              </a:solidFill>
-              <a:effectLst/>
+              <a:t>・</a:t>
+            </a:r>
+            <a:r>
+              <a:rPr lang="en-US" altLang="ja-JP" sz="3600" b="1" dirty="0">
+                <a:latin typeface="Arial" panose="020B0604020202020204" pitchFamily="34" charset="0"/>
+              </a:rPr>
+              <a:t>1</a:t>
+            </a:r>
+            <a:r>
+              <a:rPr lang="ja-JP" altLang="en-US" sz="3600" b="1" dirty="0">
+                <a:latin typeface="Arial" panose="020B0604020202020204" pitchFamily="34" charset="0"/>
+              </a:rPr>
+              <a:t>日</a:t>
+            </a:r>
+            <a:r>
+              <a:rPr lang="en-US" altLang="ja-JP" sz="3600" b="1" dirty="0">
+                <a:latin typeface="Arial" panose="020B0604020202020204" pitchFamily="34" charset="0"/>
+              </a:rPr>
+              <a:t>1</a:t>
+            </a:r>
+            <a:r>
+              <a:rPr lang="ja-JP" altLang="en-US" sz="3600" b="1" dirty="0">
+                <a:latin typeface="Arial" panose="020B0604020202020204" pitchFamily="34" charset="0"/>
+              </a:rPr>
+              <a:t>回のみ記録（重複防止）</a:t>
+            </a:r>
+            <a:endParaRPr lang="en-US" altLang="ja-JP" sz="3600" b="1" dirty="0">
               <a:latin typeface="Arial" panose="020B0604020202020204" pitchFamily="34" charset="0"/>
             </a:endParaRPr>
           </a:p>
           <a:p>
-            <a:pPr marL="0" marR="0" lvl="0" indent="0" algn="l" defTabSz="914400" rtl="0" eaLnBrk="0" fontAlgn="base" latinLnBrk="0" hangingPunct="0">
+            <a:pPr marL="0" lvl="0" indent="0" eaLnBrk="0" fontAlgn="base" hangingPunct="0">
               <a:lnSpc>
                 <a:spcPct val="100000"/>
               </a:lnSpc>
@@ -4763,28 +4819,26 @@
               <a:spcAft>
                 <a:spcPct val="0"/>
               </a:spcAft>
-              <a:buClrTx/>
-              <a:buSzTx/>
-              <a:buFontTx/>
-              <a:buChar char="•"/>
-              <a:tabLst/>
+              <a:buNone/>
             </a:pPr>
             <a:r>
-              <a:rPr kumimoji="0" lang="ja-JP" altLang="ja-JP" sz="2800" b="0" i="0" u="none" strike="noStrike" cap="none" normalizeH="0" baseline="0" dirty="0">
-                <a:ln>
-                  <a:noFill/>
-                </a:ln>
-                <a:solidFill>
-                  <a:schemeClr val="tx1"/>
-                </a:solidFill>
-                <a:effectLst/>
+              <a:rPr lang="en-US" altLang="ja-JP" sz="3600" b="1" dirty="0">
                 <a:latin typeface="Arial" panose="020B0604020202020204" pitchFamily="34" charset="0"/>
               </a:rPr>
-              <a:t>日付ごとの気分を一覧（例：カレンダー or リスト）</a:t>
-            </a:r>
-          </a:p>
-          <a:p>
-            <a:pPr marL="0" marR="0" lvl="0" indent="0" algn="l" defTabSz="914400" rtl="0" eaLnBrk="0" fontAlgn="base" latinLnBrk="0" hangingPunct="0">
+              <a:t>2. </a:t>
+            </a:r>
+            <a:r>
+              <a:rPr lang="ja-JP" altLang="en-US" sz="3600" b="1" dirty="0">
+                <a:latin typeface="Arial" panose="020B0604020202020204" pitchFamily="34" charset="0"/>
+              </a:rPr>
+              <a:t>記録の編集・削除</a:t>
+            </a:r>
+            <a:endParaRPr lang="en-US" altLang="ja-JP" sz="3600" b="1" dirty="0">
+              <a:latin typeface="Arial" panose="020B0604020202020204" pitchFamily="34" charset="0"/>
+            </a:endParaRPr>
+          </a:p>
+          <a:p>
+            <a:pPr marL="0" lvl="0" indent="0" eaLnBrk="0" fontAlgn="base" hangingPunct="0">
               <a:lnSpc>
                 <a:spcPct val="100000"/>
               </a:lnSpc>
@@ -4794,37 +4848,20 @@
               <a:spcAft>
                 <a:spcPct val="0"/>
               </a:spcAft>
-              <a:buClrTx/>
-              <a:buSzTx/>
-              <a:buNone/>
-              <a:tabLst/>
+              <a:buNone/>
             </a:pPr>
             <a:r>
-              <a:rPr kumimoji="0" lang="ja-JP" altLang="ja-JP" sz="2800" b="1" i="0" u="none" strike="noStrike" cap="none" normalizeH="0" baseline="0" dirty="0">
-                <a:ln>
-                  <a:noFill/>
-                </a:ln>
-                <a:solidFill>
-                  <a:schemeClr val="tx1"/>
-                </a:solidFill>
-                <a:effectLst/>
+              <a:rPr lang="ja-JP" altLang="en-US" sz="3600" b="1" dirty="0">
                 <a:latin typeface="Arial" panose="020B0604020202020204" pitchFamily="34" charset="0"/>
               </a:rPr>
-              <a:t>グラフ表示画面</a:t>
-            </a:r>
-            <a:endParaRPr kumimoji="0" lang="ja-JP" altLang="ja-JP" sz="2800" b="0" i="0" u="none" strike="noStrike" cap="none" normalizeH="0" baseline="0" dirty="0">
-              <a:ln>
-                <a:noFill/>
-              </a:ln>
-              <a:solidFill>
-                <a:schemeClr val="tx1"/>
-              </a:solidFill>
-              <a:effectLst/>
+              <a:t>・メモ一覧から日付ごとに編集・削除可能</a:t>
+            </a:r>
+            <a:endParaRPr lang="en-US" altLang="ja-JP" sz="3600" b="1" dirty="0">
               <a:latin typeface="Arial" panose="020B0604020202020204" pitchFamily="34" charset="0"/>
             </a:endParaRPr>
           </a:p>
           <a:p>
-            <a:pPr marL="0" marR="0" lvl="0" indent="0" algn="l" defTabSz="914400" rtl="0" eaLnBrk="0" fontAlgn="base" latinLnBrk="0" hangingPunct="0">
+            <a:pPr marL="0" lvl="0" indent="0" eaLnBrk="0" fontAlgn="base" hangingPunct="0">
               <a:lnSpc>
                 <a:spcPct val="100000"/>
               </a:lnSpc>
@@ -4834,28 +4871,26 @@
               <a:spcAft>
                 <a:spcPct val="0"/>
               </a:spcAft>
-              <a:buClrTx/>
-              <a:buSzTx/>
-              <a:buFontTx/>
-              <a:buChar char="•"/>
-              <a:tabLst/>
+              <a:buNone/>
             </a:pPr>
             <a:r>
-              <a:rPr kumimoji="0" lang="ja-JP" altLang="ja-JP" sz="2800" b="0" i="0" u="none" strike="noStrike" cap="none" normalizeH="0" baseline="0" dirty="0">
-                <a:ln>
-                  <a:noFill/>
-                </a:ln>
-                <a:solidFill>
-                  <a:schemeClr val="tx1"/>
-                </a:solidFill>
-                <a:effectLst/>
+              <a:rPr lang="en-US" altLang="ja-JP" sz="3600" b="1" dirty="0">
                 <a:latin typeface="Arial" panose="020B0604020202020204" pitchFamily="34" charset="0"/>
               </a:rPr>
-              <a:t>直近1週間の気分を棒グラフ or 円グラフで可視化</a:t>
-            </a:r>
-          </a:p>
-          <a:p>
-            <a:pPr marL="0" marR="0" lvl="0" indent="0" algn="l" defTabSz="914400" rtl="0" eaLnBrk="0" fontAlgn="base" latinLnBrk="0" hangingPunct="0">
+              <a:t>3. </a:t>
+            </a:r>
+            <a:r>
+              <a:rPr lang="ja-JP" altLang="en-US" sz="3600" b="1" dirty="0">
+                <a:latin typeface="Arial" panose="020B0604020202020204" pitchFamily="34" charset="0"/>
+              </a:rPr>
+              <a:t>フィルター・カレンダー</a:t>
+            </a:r>
+            <a:endParaRPr lang="en-US" altLang="ja-JP" sz="3600" b="1" dirty="0">
+              <a:latin typeface="Arial" panose="020B0604020202020204" pitchFamily="34" charset="0"/>
+            </a:endParaRPr>
+          </a:p>
+          <a:p>
+            <a:pPr marL="0" lvl="0" indent="0" eaLnBrk="0" fontAlgn="base" hangingPunct="0">
               <a:lnSpc>
                 <a:spcPct val="100000"/>
               </a:lnSpc>
@@ -4865,37 +4900,44 @@
               <a:spcAft>
                 <a:spcPct val="0"/>
               </a:spcAft>
-              <a:buClrTx/>
-              <a:buSzTx/>
-              <a:buNone/>
-              <a:tabLst/>
+              <a:buNone/>
             </a:pPr>
             <a:r>
-              <a:rPr kumimoji="0" lang="ja-JP" altLang="ja-JP" sz="2800" b="1" i="0" u="none" strike="noStrike" cap="none" normalizeH="0" baseline="0" dirty="0">
-                <a:ln>
-                  <a:noFill/>
-                </a:ln>
-                <a:solidFill>
-                  <a:schemeClr val="tx1"/>
-                </a:solidFill>
-                <a:effectLst/>
+              <a:rPr lang="ja-JP" altLang="en-US" sz="3600" b="1" dirty="0">
                 <a:latin typeface="Arial" panose="020B0604020202020204" pitchFamily="34" charset="0"/>
               </a:rPr>
-              <a:t>ローカル保存</a:t>
-            </a:r>
-            <a:endParaRPr kumimoji="0" lang="ja-JP" altLang="ja-JP" sz="2800" b="0" i="0" u="none" strike="noStrike" cap="none" normalizeH="0" baseline="0" dirty="0">
-              <a:ln>
-                <a:noFill/>
-              </a:ln>
-              <a:solidFill>
-                <a:schemeClr val="tx1"/>
-              </a:solidFill>
-              <a:effectLst/>
+              <a:t>・年</a:t>
+            </a:r>
+            <a:r>
+              <a:rPr lang="en-US" altLang="ja-JP" sz="3600" b="1" dirty="0">
+                <a:latin typeface="Arial" panose="020B0604020202020204" pitchFamily="34" charset="0"/>
+              </a:rPr>
+              <a:t>/</a:t>
+            </a:r>
+            <a:r>
+              <a:rPr lang="ja-JP" altLang="en-US" sz="3600" b="1" dirty="0">
+                <a:latin typeface="Arial" panose="020B0604020202020204" pitchFamily="34" charset="0"/>
+              </a:rPr>
+              <a:t>月</a:t>
+            </a:r>
+            <a:r>
+              <a:rPr lang="en-US" altLang="ja-JP" sz="3600" b="1" dirty="0">
+                <a:latin typeface="Arial" panose="020B0604020202020204" pitchFamily="34" charset="0"/>
+              </a:rPr>
+              <a:t>/</a:t>
+            </a:r>
+            <a:r>
+              <a:rPr lang="ja-JP" altLang="en-US" sz="3600" b="1" dirty="0">
+                <a:latin typeface="Arial" panose="020B0604020202020204" pitchFamily="34" charset="0"/>
+              </a:rPr>
+              <a:t>週単位で絞り込み</a:t>
+            </a:r>
+            <a:endParaRPr lang="en-US" altLang="ja-JP" sz="3600" b="1" dirty="0">
               <a:latin typeface="Arial" panose="020B0604020202020204" pitchFamily="34" charset="0"/>
             </a:endParaRPr>
           </a:p>
           <a:p>
-            <a:pPr marL="0" marR="0" lvl="0" indent="0" algn="l" defTabSz="914400" rtl="0" eaLnBrk="0" fontAlgn="base" latinLnBrk="0" hangingPunct="0">
+            <a:pPr marL="0" lvl="0" indent="0" eaLnBrk="0" fontAlgn="base" hangingPunct="0">
               <a:lnSpc>
                 <a:spcPct val="100000"/>
               </a:lnSpc>
@@ -4905,44 +4947,15 @@
               <a:spcAft>
                 <a:spcPct val="0"/>
               </a:spcAft>
-              <a:buClrTx/>
-              <a:buSzTx/>
-              <a:buFontTx/>
-              <a:buChar char="•"/>
-              <a:tabLst/>
+              <a:buNone/>
             </a:pPr>
             <a:r>
-              <a:rPr kumimoji="0" lang="ja-JP" altLang="ja-JP" sz="2800" b="0" i="0" u="none" strike="noStrike" cap="none" normalizeH="0" baseline="0" dirty="0">
-                <a:ln>
-                  <a:noFill/>
-                </a:ln>
-                <a:solidFill>
-                  <a:schemeClr val="tx1"/>
-                </a:solidFill>
-                <a:effectLst/>
+              <a:rPr lang="ja-JP" altLang="en-US" sz="3600" b="1" dirty="0">
                 <a:latin typeface="Arial" panose="020B0604020202020204" pitchFamily="34" charset="0"/>
               </a:rPr>
-              <a:t>SQLite / JSON / SharedPreferences などで保存</a:t>
-            </a:r>
-          </a:p>
-          <a:p>
-            <a:pPr marL="0" marR="0" lvl="0" indent="0" algn="l" defTabSz="914400" rtl="0" eaLnBrk="0" fontAlgn="base" latinLnBrk="0" hangingPunct="0">
-              <a:lnSpc>
-                <a:spcPct val="100000"/>
-              </a:lnSpc>
-              <a:spcBef>
-                <a:spcPct val="0"/>
-              </a:spcBef>
-              <a:spcAft>
-                <a:spcPct val="0"/>
-              </a:spcAft>
-              <a:buClrTx/>
-              <a:buSzTx/>
-              <a:buFontTx/>
-              <a:buNone/>
-              <a:tabLst/>
-            </a:pPr>
-            <a:endParaRPr kumimoji="0" lang="ja-JP" altLang="ja-JP" sz="2800" b="0" i="0" u="none" strike="noStrike" cap="none" normalizeH="0" baseline="0" dirty="0">
+              <a:t>・気分ごと（絵文字）にフィルター</a:t>
+            </a:r>
+            <a:endParaRPr kumimoji="0" lang="ja-JP" altLang="ja-JP" sz="3600" b="0" i="0" u="none" strike="noStrike" cap="none" normalizeH="0" baseline="0" dirty="0">
               <a:ln>
                 <a:noFill/>
               </a:ln>
@@ -4969,6 +4982,834 @@
 </file>
 
 <file path=ppt/slides/slide5.xml><?xml version="1.0" encoding="utf-8"?>
+<p:sld xmlns:a="http://schemas.openxmlformats.org/drawingml/2006/main" xmlns:r="http://schemas.openxmlformats.org/officeDocument/2006/relationships" xmlns:p="http://schemas.openxmlformats.org/presentationml/2006/main">
+  <p:cSld>
+    <p:bg>
+      <p:bgPr>
+        <a:solidFill>
+          <a:schemeClr val="bg1"/>
+        </a:solidFill>
+        <a:effectLst/>
+      </p:bgPr>
+    </p:bg>
+    <p:spTree>
+      <p:nvGrpSpPr>
+        <p:cNvPr id="1" name="">
+          <a:extLst>
+            <a:ext uri="{FF2B5EF4-FFF2-40B4-BE49-F238E27FC236}">
+              <a16:creationId xmlns:a16="http://schemas.microsoft.com/office/drawing/2014/main" id="{63E8E516-735E-3D16-D8F7-25BE5438921C}"/>
+            </a:ext>
+          </a:extLst>
+        </p:cNvPr>
+        <p:cNvGrpSpPr/>
+        <p:nvPr/>
+      </p:nvGrpSpPr>
+      <p:grpSpPr>
+        <a:xfrm>
+          <a:off x="0" y="0"/>
+          <a:ext cx="0" cy="0"/>
+          <a:chOff x="0" y="0"/>
+          <a:chExt cx="0" cy="0"/>
+        </a:xfrm>
+      </p:grpSpPr>
+      <p:pic>
+        <p:nvPicPr>
+          <p:cNvPr id="16" name="Picture 3">
+            <a:extLst>
+              <a:ext uri="{FF2B5EF4-FFF2-40B4-BE49-F238E27FC236}">
+                <a16:creationId xmlns:a16="http://schemas.microsoft.com/office/drawing/2014/main" id="{3B310619-8931-5FF6-8D00-DB179D7139FD}"/>
+              </a:ext>
+            </a:extLst>
+          </p:cNvPr>
+          <p:cNvPicPr>
+            <a:picLocks noChangeAspect="1"/>
+          </p:cNvPicPr>
+          <p:nvPr/>
+        </p:nvPicPr>
+        <p:blipFill>
+          <a:blip r:embed="rId2"/>
+          <a:srcRect t="9452" r="-1" b="163"/>
+          <a:stretch/>
+        </p:blipFill>
+        <p:spPr>
+          <a:xfrm>
+            <a:off x="0" y="0"/>
+            <a:ext cx="12188932" cy="6857990"/>
+          </a:xfrm>
+          <a:prstGeom prst="rect">
+            <a:avLst/>
+          </a:prstGeom>
+        </p:spPr>
+      </p:pic>
+      <p:sp>
+        <p:nvSpPr>
+          <p:cNvPr id="9" name="タイトル 8">
+            <a:extLst>
+              <a:ext uri="{FF2B5EF4-FFF2-40B4-BE49-F238E27FC236}">
+                <a16:creationId xmlns:a16="http://schemas.microsoft.com/office/drawing/2014/main" id="{5F4D7F7E-FF03-8350-7A0A-0465C459E654}"/>
+              </a:ext>
+            </a:extLst>
+          </p:cNvPr>
+          <p:cNvSpPr>
+            <a:spLocks noGrp="1"/>
+          </p:cNvSpPr>
+          <p:nvPr>
+            <p:ph type="title"/>
+          </p:nvPr>
+        </p:nvSpPr>
+        <p:spPr>
+          <a:xfrm>
+            <a:off x="521208" y="498827"/>
+            <a:ext cx="11155680" cy="1463040"/>
+          </a:xfrm>
+        </p:spPr>
+        <p:txBody>
+          <a:bodyPr/>
+          <a:lstStyle/>
+          <a:p>
+            <a:r>
+              <a:rPr lang="ja-JP" altLang="en-US" dirty="0"/>
+              <a:t>実装機能一覧②</a:t>
+            </a:r>
+          </a:p>
+        </p:txBody>
+      </p:sp>
+      <p:sp>
+        <p:nvSpPr>
+          <p:cNvPr id="2" name="Rectangle 1">
+            <a:extLst>
+              <a:ext uri="{FF2B5EF4-FFF2-40B4-BE49-F238E27FC236}">
+                <a16:creationId xmlns:a16="http://schemas.microsoft.com/office/drawing/2014/main" id="{DCED8168-EEDC-2422-982F-C5F7256405FD}"/>
+              </a:ext>
+            </a:extLst>
+          </p:cNvPr>
+          <p:cNvSpPr>
+            <a:spLocks noGrp="1" noChangeArrowheads="1"/>
+          </p:cNvSpPr>
+          <p:nvPr>
+            <p:ph idx="1"/>
+          </p:nvPr>
+        </p:nvSpPr>
+        <p:spPr bwMode="auto">
+          <a:xfrm>
+            <a:off x="515112" y="1665232"/>
+            <a:ext cx="9458038" cy="4832092"/>
+          </a:xfrm>
+          <a:prstGeom prst="rect">
+            <a:avLst/>
+          </a:prstGeom>
+          <a:noFill/>
+          <a:ln>
+            <a:noFill/>
+          </a:ln>
+          <a:effectLst/>
+          <a:extLst>
+            <a:ext uri="{909E8E84-426E-40DD-AFC4-6F175D3DCCD1}">
+              <a14:hiddenFill xmlns:a14="http://schemas.microsoft.com/office/drawing/2010/main">
+                <a:solidFill>
+                  <a:schemeClr val="accent1"/>
+                </a:solidFill>
+              </a14:hiddenFill>
+            </a:ext>
+            <a:ext uri="{91240B29-F687-4F45-9708-019B960494DF}">
+              <a14:hiddenLine xmlns:a14="http://schemas.microsoft.com/office/drawing/2010/main" w="9525">
+                <a:solidFill>
+                  <a:schemeClr val="tx1"/>
+                </a:solidFill>
+                <a:miter lim="800000"/>
+                <a:headEnd/>
+                <a:tailEnd/>
+              </a14:hiddenLine>
+            </a:ext>
+            <a:ext uri="{AF507438-7753-43E0-B8FC-AC1667EBCBE1}">
+              <a14:hiddenEffects xmlns:a14="http://schemas.microsoft.com/office/drawing/2010/main">
+                <a:effectLst>
+                  <a:outerShdw dist="35921" dir="2700000" algn="ctr" rotWithShape="0">
+                    <a:schemeClr val="bg2"/>
+                  </a:outerShdw>
+                </a:effectLst>
+              </a14:hiddenEffects>
+            </a:ext>
+          </a:extLst>
+        </p:spPr>
+        <p:txBody>
+          <a:bodyPr vert="horz" wrap="none" lIns="91440" tIns="45720" rIns="91440" bIns="45720" numCol="1" anchor="ctr" anchorCtr="0" compatLnSpc="1">
+            <a:prstTxWarp prst="textNoShape">
+              <a:avLst/>
+            </a:prstTxWarp>
+            <a:spAutoFit/>
+          </a:bodyPr>
+          <a:lstStyle/>
+          <a:p>
+            <a:pPr marL="0" lvl="0" indent="0" eaLnBrk="0" fontAlgn="base" hangingPunct="0">
+              <a:lnSpc>
+                <a:spcPct val="100000"/>
+              </a:lnSpc>
+              <a:spcBef>
+                <a:spcPct val="0"/>
+              </a:spcBef>
+              <a:spcAft>
+                <a:spcPct val="0"/>
+              </a:spcAft>
+              <a:buNone/>
+            </a:pPr>
+            <a:r>
+              <a:rPr lang="en-US" altLang="ja-JP" sz="2800" b="1" dirty="0">
+                <a:latin typeface="Arial" panose="020B0604020202020204" pitchFamily="34" charset="0"/>
+              </a:rPr>
+              <a:t>4. </a:t>
+            </a:r>
+            <a:r>
+              <a:rPr lang="ja-JP" altLang="en-US" sz="2800" b="1" dirty="0">
+                <a:latin typeface="Arial" panose="020B0604020202020204" pitchFamily="34" charset="0"/>
+              </a:rPr>
+              <a:t>棒グラフによる可視化</a:t>
+            </a:r>
+            <a:endParaRPr lang="en-US" altLang="ja-JP" sz="2800" b="1" dirty="0">
+              <a:latin typeface="Arial" panose="020B0604020202020204" pitchFamily="34" charset="0"/>
+            </a:endParaRPr>
+          </a:p>
+          <a:p>
+            <a:pPr marL="0" lvl="0" indent="0" eaLnBrk="0" fontAlgn="base" hangingPunct="0">
+              <a:lnSpc>
+                <a:spcPct val="100000"/>
+              </a:lnSpc>
+              <a:spcBef>
+                <a:spcPct val="0"/>
+              </a:spcBef>
+              <a:spcAft>
+                <a:spcPct val="0"/>
+              </a:spcAft>
+              <a:buNone/>
+            </a:pPr>
+            <a:r>
+              <a:rPr lang="ja-JP" altLang="en-US" sz="2800" b="1" dirty="0">
+                <a:latin typeface="Arial" panose="020B0604020202020204" pitchFamily="34" charset="0"/>
+              </a:rPr>
+              <a:t>・月ごとに気分の出現頻度をグラフ化</a:t>
+            </a:r>
+            <a:endParaRPr lang="en-US" altLang="ja-JP" sz="2800" b="1" dirty="0">
+              <a:latin typeface="Arial" panose="020B0604020202020204" pitchFamily="34" charset="0"/>
+            </a:endParaRPr>
+          </a:p>
+          <a:p>
+            <a:pPr marL="0" lvl="0" indent="0" eaLnBrk="0" fontAlgn="base" hangingPunct="0">
+              <a:lnSpc>
+                <a:spcPct val="100000"/>
+              </a:lnSpc>
+              <a:spcBef>
+                <a:spcPct val="0"/>
+              </a:spcBef>
+              <a:spcAft>
+                <a:spcPct val="0"/>
+              </a:spcAft>
+              <a:buNone/>
+            </a:pPr>
+            <a:r>
+              <a:rPr lang="ja-JP" altLang="en-US" sz="2800" b="1" dirty="0">
+                <a:latin typeface="Arial" panose="020B0604020202020204" pitchFamily="34" charset="0"/>
+              </a:rPr>
+              <a:t>・棒の幅や余白も自動調整し、中央にバランス良く配置</a:t>
+            </a:r>
+            <a:endParaRPr lang="en-US" altLang="ja-JP" sz="2800" b="1" dirty="0">
+              <a:latin typeface="Arial" panose="020B0604020202020204" pitchFamily="34" charset="0"/>
+            </a:endParaRPr>
+          </a:p>
+          <a:p>
+            <a:pPr marL="0" lvl="0" indent="0" eaLnBrk="0" fontAlgn="base" hangingPunct="0">
+              <a:lnSpc>
+                <a:spcPct val="100000"/>
+              </a:lnSpc>
+              <a:spcBef>
+                <a:spcPct val="0"/>
+              </a:spcBef>
+              <a:spcAft>
+                <a:spcPct val="0"/>
+              </a:spcAft>
+              <a:buNone/>
+            </a:pPr>
+            <a:r>
+              <a:rPr lang="en-US" altLang="ja-JP" sz="2800" b="1" dirty="0">
+                <a:latin typeface="Arial" panose="020B0604020202020204" pitchFamily="34" charset="0"/>
+              </a:rPr>
+              <a:t>5. </a:t>
+            </a:r>
+            <a:r>
+              <a:rPr lang="ja-JP" altLang="en-US" sz="2800" b="1" dirty="0">
+                <a:latin typeface="Arial" panose="020B0604020202020204" pitchFamily="34" charset="0"/>
+              </a:rPr>
+              <a:t>週間目標・バッジ機能</a:t>
+            </a:r>
+            <a:endParaRPr lang="en-US" altLang="ja-JP" sz="2800" b="1" dirty="0">
+              <a:latin typeface="Arial" panose="020B0604020202020204" pitchFamily="34" charset="0"/>
+            </a:endParaRPr>
+          </a:p>
+          <a:p>
+            <a:pPr marL="0" lvl="0" indent="0" eaLnBrk="0" fontAlgn="base" hangingPunct="0">
+              <a:lnSpc>
+                <a:spcPct val="100000"/>
+              </a:lnSpc>
+              <a:spcBef>
+                <a:spcPct val="0"/>
+              </a:spcBef>
+              <a:spcAft>
+                <a:spcPct val="0"/>
+              </a:spcAft>
+              <a:buNone/>
+            </a:pPr>
+            <a:r>
+              <a:rPr lang="ja-JP" altLang="en-US" sz="2800" b="1" dirty="0">
+                <a:latin typeface="Arial" panose="020B0604020202020204" pitchFamily="34" charset="0"/>
+              </a:rPr>
+              <a:t>・週間目標を選択し、達成するとバッジを獲得</a:t>
+            </a:r>
+            <a:endParaRPr lang="en-US" altLang="ja-JP" sz="2800" b="1" dirty="0">
+              <a:latin typeface="Arial" panose="020B0604020202020204" pitchFamily="34" charset="0"/>
+            </a:endParaRPr>
+          </a:p>
+          <a:p>
+            <a:pPr marL="0" lvl="0" indent="0" eaLnBrk="0" fontAlgn="base" hangingPunct="0">
+              <a:lnSpc>
+                <a:spcPct val="100000"/>
+              </a:lnSpc>
+              <a:spcBef>
+                <a:spcPct val="0"/>
+              </a:spcBef>
+              <a:spcAft>
+                <a:spcPct val="0"/>
+              </a:spcAft>
+              <a:buNone/>
+            </a:pPr>
+            <a:r>
+              <a:rPr lang="ja-JP" altLang="en-US" sz="2800" b="1" dirty="0">
+                <a:latin typeface="Arial" panose="020B0604020202020204" pitchFamily="34" charset="0"/>
+              </a:rPr>
+              <a:t>・バッジ一覧で達成状況を可視化</a:t>
+            </a:r>
+            <a:endParaRPr lang="en-US" altLang="ja-JP" sz="2800" b="1" dirty="0">
+              <a:latin typeface="Arial" panose="020B0604020202020204" pitchFamily="34" charset="0"/>
+            </a:endParaRPr>
+          </a:p>
+          <a:p>
+            <a:pPr marL="0" lvl="0" indent="0" eaLnBrk="0" fontAlgn="base" hangingPunct="0">
+              <a:lnSpc>
+                <a:spcPct val="100000"/>
+              </a:lnSpc>
+              <a:spcBef>
+                <a:spcPct val="0"/>
+              </a:spcBef>
+              <a:spcAft>
+                <a:spcPct val="0"/>
+              </a:spcAft>
+              <a:buNone/>
+            </a:pPr>
+            <a:r>
+              <a:rPr lang="en-US" altLang="ja-JP" sz="2800" b="1" dirty="0">
+                <a:latin typeface="Arial" panose="020B0604020202020204" pitchFamily="34" charset="0"/>
+              </a:rPr>
+              <a:t>6. </a:t>
+            </a:r>
+            <a:r>
+              <a:rPr lang="ja-JP" altLang="en-US" sz="2800" b="1" dirty="0">
+                <a:latin typeface="Arial" panose="020B0604020202020204" pitchFamily="34" charset="0"/>
+              </a:rPr>
+              <a:t>テーマ切り替え</a:t>
+            </a:r>
+            <a:endParaRPr lang="en-US" altLang="ja-JP" sz="2800" b="1" dirty="0">
+              <a:latin typeface="Arial" panose="020B0604020202020204" pitchFamily="34" charset="0"/>
+            </a:endParaRPr>
+          </a:p>
+          <a:p>
+            <a:pPr marL="0" lvl="0" indent="0" eaLnBrk="0" fontAlgn="base" hangingPunct="0">
+              <a:lnSpc>
+                <a:spcPct val="100000"/>
+              </a:lnSpc>
+              <a:spcBef>
+                <a:spcPct val="0"/>
+              </a:spcBef>
+              <a:spcAft>
+                <a:spcPct val="0"/>
+              </a:spcAft>
+              <a:buNone/>
+            </a:pPr>
+            <a:r>
+              <a:rPr lang="ja-JP" altLang="en-US" sz="2800" b="1" dirty="0">
+                <a:latin typeface="Arial" panose="020B0604020202020204" pitchFamily="34" charset="0"/>
+              </a:rPr>
+              <a:t>・春夏秋冬</a:t>
+            </a:r>
+            <a:r>
+              <a:rPr lang="en-US" altLang="ja-JP" sz="2800" b="1" dirty="0">
+                <a:latin typeface="Arial" panose="020B0604020202020204" pitchFamily="34" charset="0"/>
+              </a:rPr>
+              <a:t>×</a:t>
+            </a:r>
+            <a:r>
+              <a:rPr lang="ja-JP" altLang="en-US" sz="2800" b="1" dirty="0">
+                <a:latin typeface="Arial" panose="020B0604020202020204" pitchFamily="34" charset="0"/>
+              </a:rPr>
+              <a:t>朝夜の</a:t>
+            </a:r>
+            <a:r>
+              <a:rPr lang="en-US" altLang="ja-JP" sz="2800" b="1" dirty="0">
+                <a:latin typeface="Arial" panose="020B0604020202020204" pitchFamily="34" charset="0"/>
+              </a:rPr>
+              <a:t>8</a:t>
+            </a:r>
+            <a:r>
+              <a:rPr lang="ja-JP" altLang="en-US" sz="2800" b="1" dirty="0">
+                <a:latin typeface="Arial" panose="020B0604020202020204" pitchFamily="34" charset="0"/>
+              </a:rPr>
+              <a:t>テーマ</a:t>
+            </a:r>
+            <a:endParaRPr lang="en-US" altLang="ja-JP" sz="2800" b="1" dirty="0">
+              <a:latin typeface="Arial" panose="020B0604020202020204" pitchFamily="34" charset="0"/>
+            </a:endParaRPr>
+          </a:p>
+          <a:p>
+            <a:pPr marL="0" lvl="0" indent="0" eaLnBrk="0" fontAlgn="base" hangingPunct="0">
+              <a:lnSpc>
+                <a:spcPct val="100000"/>
+              </a:lnSpc>
+              <a:spcBef>
+                <a:spcPct val="0"/>
+              </a:spcBef>
+              <a:spcAft>
+                <a:spcPct val="0"/>
+              </a:spcAft>
+              <a:buNone/>
+            </a:pPr>
+            <a:r>
+              <a:rPr lang="ja-JP" altLang="en-US" sz="2800" b="1" dirty="0">
+                <a:latin typeface="Arial" panose="020B0604020202020204" pitchFamily="34" charset="0"/>
+              </a:rPr>
+              <a:t>・色・雰囲気を自動</a:t>
+            </a:r>
+            <a:r>
+              <a:rPr lang="en-US" altLang="ja-JP" sz="2800" b="1" dirty="0">
+                <a:latin typeface="Arial" panose="020B0604020202020204" pitchFamily="34" charset="0"/>
+              </a:rPr>
+              <a:t>/</a:t>
+            </a:r>
+            <a:r>
+              <a:rPr lang="ja-JP" altLang="en-US" sz="2800" b="1" dirty="0">
+                <a:latin typeface="Arial" panose="020B0604020202020204" pitchFamily="34" charset="0"/>
+              </a:rPr>
+              <a:t>手動で切り替え</a:t>
+            </a:r>
+            <a:endParaRPr lang="en-US" altLang="ja-JP" sz="2800" b="1" dirty="0">
+              <a:latin typeface="Arial" panose="020B0604020202020204" pitchFamily="34" charset="0"/>
+            </a:endParaRPr>
+          </a:p>
+          <a:p>
+            <a:pPr marL="0" lvl="0" indent="0" eaLnBrk="0" fontAlgn="base" hangingPunct="0">
+              <a:lnSpc>
+                <a:spcPct val="100000"/>
+              </a:lnSpc>
+              <a:spcBef>
+                <a:spcPct val="0"/>
+              </a:spcBef>
+              <a:spcAft>
+                <a:spcPct val="0"/>
+              </a:spcAft>
+              <a:buNone/>
+            </a:pPr>
+            <a:r>
+              <a:rPr lang="en-US" altLang="ja-JP" sz="2800" b="1" dirty="0">
+                <a:latin typeface="Arial" panose="020B0604020202020204" pitchFamily="34" charset="0"/>
+              </a:rPr>
+              <a:t>7. </a:t>
+            </a:r>
+            <a:r>
+              <a:rPr lang="ja-JP" altLang="en-US" sz="2800" b="1" dirty="0">
+                <a:latin typeface="Arial" panose="020B0604020202020204" pitchFamily="34" charset="0"/>
+              </a:rPr>
+              <a:t>応援メッセージ</a:t>
+            </a:r>
+            <a:endParaRPr lang="en-US" altLang="ja-JP" sz="2800" b="1" dirty="0">
+              <a:latin typeface="Arial" panose="020B0604020202020204" pitchFamily="34" charset="0"/>
+            </a:endParaRPr>
+          </a:p>
+          <a:p>
+            <a:pPr marL="0" lvl="0" indent="0" eaLnBrk="0" fontAlgn="base" hangingPunct="0">
+              <a:lnSpc>
+                <a:spcPct val="100000"/>
+              </a:lnSpc>
+              <a:spcBef>
+                <a:spcPct val="0"/>
+              </a:spcBef>
+              <a:spcAft>
+                <a:spcPct val="0"/>
+              </a:spcAft>
+              <a:buNone/>
+            </a:pPr>
+            <a:r>
+              <a:rPr lang="ja-JP" altLang="en-US" sz="2800" b="1" dirty="0">
+                <a:latin typeface="Arial" panose="020B0604020202020204" pitchFamily="34" charset="0"/>
+              </a:rPr>
+              <a:t>・記録時に気分に応じたメッセージをランダム表示</a:t>
+            </a:r>
+            <a:endParaRPr kumimoji="0" lang="ja-JP" altLang="ja-JP" sz="2800" b="0" i="0" u="none" strike="noStrike" cap="none" normalizeH="0" baseline="0" dirty="0">
+              <a:ln>
+                <a:noFill/>
+              </a:ln>
+              <a:solidFill>
+                <a:schemeClr val="tx1"/>
+              </a:solidFill>
+              <a:effectLst/>
+              <a:latin typeface="Arial" panose="020B0604020202020204" pitchFamily="34" charset="0"/>
+            </a:endParaRPr>
+          </a:p>
+        </p:txBody>
+      </p:sp>
+    </p:spTree>
+    <p:extLst>
+      <p:ext uri="{BB962C8B-B14F-4D97-AF65-F5344CB8AC3E}">
+        <p14:creationId xmlns:p14="http://schemas.microsoft.com/office/powerpoint/2010/main" val="3837589716"/>
+      </p:ext>
+    </p:extLst>
+  </p:cSld>
+  <p:clrMapOvr>
+    <a:overrideClrMapping bg1="dk1" tx1="lt1" bg2="dk2" tx2="lt2" accent1="accent1" accent2="accent2" accent3="accent3" accent4="accent4" accent5="accent5" accent6="accent6" hlink="hlink" folHlink="folHlink"/>
+  </p:clrMapOvr>
+</p:sld>
+</file>
+
+<file path=ppt/slides/slide6.xml><?xml version="1.0" encoding="utf-8"?>
+<p:sld xmlns:a="http://schemas.openxmlformats.org/drawingml/2006/main" xmlns:r="http://schemas.openxmlformats.org/officeDocument/2006/relationships" xmlns:p="http://schemas.openxmlformats.org/presentationml/2006/main">
+  <p:cSld>
+    <p:bg>
+      <p:bgPr>
+        <a:solidFill>
+          <a:schemeClr val="bg1"/>
+        </a:solidFill>
+        <a:effectLst/>
+      </p:bgPr>
+    </p:bg>
+    <p:spTree>
+      <p:nvGrpSpPr>
+        <p:cNvPr id="1" name="">
+          <a:extLst>
+            <a:ext uri="{FF2B5EF4-FFF2-40B4-BE49-F238E27FC236}">
+              <a16:creationId xmlns:a16="http://schemas.microsoft.com/office/drawing/2014/main" id="{1742A2AA-E7D9-7F98-B029-AFAA06C55ECF}"/>
+            </a:ext>
+          </a:extLst>
+        </p:cNvPr>
+        <p:cNvGrpSpPr/>
+        <p:nvPr/>
+      </p:nvGrpSpPr>
+      <p:grpSpPr>
+        <a:xfrm>
+          <a:off x="0" y="0"/>
+          <a:ext cx="0" cy="0"/>
+          <a:chOff x="0" y="0"/>
+          <a:chExt cx="0" cy="0"/>
+        </a:xfrm>
+      </p:grpSpPr>
+      <p:pic>
+        <p:nvPicPr>
+          <p:cNvPr id="16" name="Picture 3">
+            <a:extLst>
+              <a:ext uri="{FF2B5EF4-FFF2-40B4-BE49-F238E27FC236}">
+                <a16:creationId xmlns:a16="http://schemas.microsoft.com/office/drawing/2014/main" id="{857BEB5C-D384-E95F-9A27-9E2E76791E8C}"/>
+              </a:ext>
+            </a:extLst>
+          </p:cNvPr>
+          <p:cNvPicPr>
+            <a:picLocks noChangeAspect="1"/>
+          </p:cNvPicPr>
+          <p:nvPr/>
+        </p:nvPicPr>
+        <p:blipFill>
+          <a:blip r:embed="rId2"/>
+          <a:srcRect t="9452" r="-1" b="163"/>
+          <a:stretch/>
+        </p:blipFill>
+        <p:spPr>
+          <a:xfrm>
+            <a:off x="0" y="0"/>
+            <a:ext cx="12188932" cy="6857990"/>
+          </a:xfrm>
+          <a:prstGeom prst="rect">
+            <a:avLst/>
+          </a:prstGeom>
+        </p:spPr>
+      </p:pic>
+      <p:sp>
+        <p:nvSpPr>
+          <p:cNvPr id="9" name="タイトル 8">
+            <a:extLst>
+              <a:ext uri="{FF2B5EF4-FFF2-40B4-BE49-F238E27FC236}">
+                <a16:creationId xmlns:a16="http://schemas.microsoft.com/office/drawing/2014/main" id="{4135361A-F336-B216-983E-26FAED6B593E}"/>
+              </a:ext>
+            </a:extLst>
+          </p:cNvPr>
+          <p:cNvSpPr>
+            <a:spLocks noGrp="1"/>
+          </p:cNvSpPr>
+          <p:nvPr>
+            <p:ph type="title"/>
+          </p:nvPr>
+        </p:nvSpPr>
+        <p:spPr>
+          <a:xfrm>
+            <a:off x="521208" y="498827"/>
+            <a:ext cx="11155680" cy="1463040"/>
+          </a:xfrm>
+        </p:spPr>
+        <p:txBody>
+          <a:bodyPr/>
+          <a:lstStyle/>
+          <a:p>
+            <a:r>
+              <a:rPr lang="ja-JP" altLang="en-US" dirty="0"/>
+              <a:t>特徴・こだわりポイント</a:t>
+            </a:r>
+          </a:p>
+        </p:txBody>
+      </p:sp>
+      <p:sp>
+        <p:nvSpPr>
+          <p:cNvPr id="2" name="Rectangle 1">
+            <a:extLst>
+              <a:ext uri="{FF2B5EF4-FFF2-40B4-BE49-F238E27FC236}">
+                <a16:creationId xmlns:a16="http://schemas.microsoft.com/office/drawing/2014/main" id="{595597FE-28A4-D92B-0AE0-555C886A6BB0}"/>
+              </a:ext>
+            </a:extLst>
+          </p:cNvPr>
+          <p:cNvSpPr>
+            <a:spLocks noGrp="1" noChangeArrowheads="1"/>
+          </p:cNvSpPr>
+          <p:nvPr>
+            <p:ph idx="1"/>
+          </p:nvPr>
+        </p:nvSpPr>
+        <p:spPr bwMode="auto">
+          <a:xfrm>
+            <a:off x="515112" y="2003788"/>
+            <a:ext cx="10554812" cy="4154984"/>
+          </a:xfrm>
+          <a:prstGeom prst="rect">
+            <a:avLst/>
+          </a:prstGeom>
+          <a:noFill/>
+          <a:ln>
+            <a:noFill/>
+          </a:ln>
+          <a:effectLst/>
+          <a:extLst>
+            <a:ext uri="{909E8E84-426E-40DD-AFC4-6F175D3DCCD1}">
+              <a14:hiddenFill xmlns:a14="http://schemas.microsoft.com/office/drawing/2010/main">
+                <a:solidFill>
+                  <a:schemeClr val="accent1"/>
+                </a:solidFill>
+              </a14:hiddenFill>
+            </a:ext>
+            <a:ext uri="{91240B29-F687-4F45-9708-019B960494DF}">
+              <a14:hiddenLine xmlns:a14="http://schemas.microsoft.com/office/drawing/2010/main" w="9525">
+                <a:solidFill>
+                  <a:schemeClr val="tx1"/>
+                </a:solidFill>
+                <a:miter lim="800000"/>
+                <a:headEnd/>
+                <a:tailEnd/>
+              </a14:hiddenLine>
+            </a:ext>
+            <a:ext uri="{AF507438-7753-43E0-B8FC-AC1667EBCBE1}">
+              <a14:hiddenEffects xmlns:a14="http://schemas.microsoft.com/office/drawing/2010/main">
+                <a:effectLst>
+                  <a:outerShdw dist="35921" dir="2700000" algn="ctr" rotWithShape="0">
+                    <a:schemeClr val="bg2"/>
+                  </a:outerShdw>
+                </a:effectLst>
+              </a14:hiddenEffects>
+            </a:ext>
+          </a:extLst>
+        </p:spPr>
+        <p:txBody>
+          <a:bodyPr vert="horz" wrap="none" lIns="91440" tIns="45720" rIns="91440" bIns="45720" numCol="1" anchor="ctr" anchorCtr="0" compatLnSpc="1">
+            <a:prstTxWarp prst="textNoShape">
+              <a:avLst/>
+            </a:prstTxWarp>
+            <a:spAutoFit/>
+          </a:bodyPr>
+          <a:lstStyle/>
+          <a:p>
+            <a:pPr marL="0" lvl="0" indent="0" eaLnBrk="0" fontAlgn="base" hangingPunct="0">
+              <a:lnSpc>
+                <a:spcPct val="100000"/>
+              </a:lnSpc>
+              <a:spcBef>
+                <a:spcPct val="0"/>
+              </a:spcBef>
+              <a:spcAft>
+                <a:spcPct val="0"/>
+              </a:spcAft>
+              <a:buNone/>
+            </a:pPr>
+            <a:r>
+              <a:rPr lang="ja-JP" altLang="en-US" sz="4400" b="1" dirty="0">
+                <a:latin typeface="Arial" panose="020B0604020202020204" pitchFamily="34" charset="0"/>
+              </a:rPr>
+              <a:t>・直感的な操作性</a:t>
+            </a:r>
+            <a:endParaRPr lang="en-US" altLang="ja-JP" sz="4400" b="1" dirty="0">
+              <a:latin typeface="Arial" panose="020B0604020202020204" pitchFamily="34" charset="0"/>
+            </a:endParaRPr>
+          </a:p>
+          <a:p>
+            <a:pPr marL="0" lvl="0" indent="0" eaLnBrk="0" fontAlgn="base" hangingPunct="0">
+              <a:lnSpc>
+                <a:spcPct val="100000"/>
+              </a:lnSpc>
+              <a:spcBef>
+                <a:spcPct val="0"/>
+              </a:spcBef>
+              <a:spcAft>
+                <a:spcPct val="0"/>
+              </a:spcAft>
+              <a:buNone/>
+            </a:pPr>
+            <a:r>
+              <a:rPr lang="ja-JP" altLang="en-US" sz="4400" b="1" dirty="0">
+                <a:latin typeface="Arial" panose="020B0604020202020204" pitchFamily="34" charset="0"/>
+              </a:rPr>
+              <a:t>（ワンタップ記録、絵文字</a:t>
+            </a:r>
+            <a:r>
+              <a:rPr lang="en-US" altLang="ja-JP" sz="4400" b="1" dirty="0">
+                <a:latin typeface="Arial" panose="020B0604020202020204" pitchFamily="34" charset="0"/>
+              </a:rPr>
+              <a:t>UI</a:t>
+            </a:r>
+            <a:r>
+              <a:rPr lang="ja-JP" altLang="en-US" sz="4400" b="1" dirty="0">
+                <a:latin typeface="Arial" panose="020B0604020202020204" pitchFamily="34" charset="0"/>
+              </a:rPr>
+              <a:t>）</a:t>
+            </a:r>
+            <a:endParaRPr lang="en-US" altLang="ja-JP" sz="4400" b="1" dirty="0">
+              <a:latin typeface="Arial" panose="020B0604020202020204" pitchFamily="34" charset="0"/>
+            </a:endParaRPr>
+          </a:p>
+          <a:p>
+            <a:pPr marL="0" lvl="0" indent="0" eaLnBrk="0" fontAlgn="base" hangingPunct="0">
+              <a:lnSpc>
+                <a:spcPct val="100000"/>
+              </a:lnSpc>
+              <a:spcBef>
+                <a:spcPct val="0"/>
+              </a:spcBef>
+              <a:spcAft>
+                <a:spcPct val="0"/>
+              </a:spcAft>
+              <a:buNone/>
+            </a:pPr>
+            <a:r>
+              <a:rPr lang="ja-JP" altLang="en-US" sz="4400" b="1" dirty="0">
+                <a:latin typeface="Arial" panose="020B0604020202020204" pitchFamily="34" charset="0"/>
+              </a:rPr>
+              <a:t>・モチベーションを維持しやすい</a:t>
+            </a:r>
+            <a:endParaRPr lang="en-US" altLang="ja-JP" sz="4400" b="1" dirty="0">
+              <a:latin typeface="Arial" panose="020B0604020202020204" pitchFamily="34" charset="0"/>
+            </a:endParaRPr>
+          </a:p>
+          <a:p>
+            <a:pPr marL="0" lvl="0" indent="0" eaLnBrk="0" fontAlgn="base" hangingPunct="0">
+              <a:lnSpc>
+                <a:spcPct val="100000"/>
+              </a:lnSpc>
+              <a:spcBef>
+                <a:spcPct val="0"/>
+              </a:spcBef>
+              <a:spcAft>
+                <a:spcPct val="0"/>
+              </a:spcAft>
+              <a:buNone/>
+            </a:pPr>
+            <a:r>
+              <a:rPr lang="ja-JP" altLang="en-US" sz="4400" b="1" dirty="0">
+                <a:latin typeface="Arial" panose="020B0604020202020204" pitchFamily="34" charset="0"/>
+              </a:rPr>
+              <a:t>（バッジ・目標・応援メッセージ）</a:t>
+            </a:r>
+            <a:r>
+              <a:rPr lang="en-US" altLang="ja-JP" sz="4400" b="1" dirty="0">
+                <a:latin typeface="Arial" panose="020B0604020202020204" pitchFamily="34" charset="0"/>
+              </a:rPr>
+              <a:t> </a:t>
+            </a:r>
+          </a:p>
+          <a:p>
+            <a:pPr marL="0" lvl="0" indent="0" eaLnBrk="0" fontAlgn="base" hangingPunct="0">
+              <a:lnSpc>
+                <a:spcPct val="100000"/>
+              </a:lnSpc>
+              <a:spcBef>
+                <a:spcPct val="0"/>
+              </a:spcBef>
+              <a:spcAft>
+                <a:spcPct val="0"/>
+              </a:spcAft>
+              <a:buNone/>
+            </a:pPr>
+            <a:r>
+              <a:rPr lang="ja-JP" altLang="en-US" sz="4400" b="1" dirty="0">
+                <a:latin typeface="Arial" panose="020B0604020202020204" pitchFamily="34" charset="0"/>
+              </a:rPr>
+              <a:t>・テーマカラーの季節感と朝夜モード</a:t>
+            </a:r>
+            <a:endParaRPr lang="en-US" altLang="ja-JP" sz="4400" b="1" dirty="0">
+              <a:latin typeface="Arial" panose="020B0604020202020204" pitchFamily="34" charset="0"/>
+            </a:endParaRPr>
+          </a:p>
+          <a:p>
+            <a:pPr marL="0" lvl="0" indent="0" eaLnBrk="0" fontAlgn="base" hangingPunct="0">
+              <a:lnSpc>
+                <a:spcPct val="100000"/>
+              </a:lnSpc>
+              <a:spcBef>
+                <a:spcPct val="0"/>
+              </a:spcBef>
+              <a:spcAft>
+                <a:spcPct val="0"/>
+              </a:spcAft>
+              <a:buNone/>
+            </a:pPr>
+            <a:r>
+              <a:rPr lang="ja-JP" altLang="en-US" sz="4400" b="1" dirty="0">
+                <a:latin typeface="Arial" panose="020B0604020202020204" pitchFamily="34" charset="0"/>
+              </a:rPr>
+              <a:t>・ローカル完結型（プライバシー配慮）</a:t>
+            </a:r>
+            <a:endParaRPr kumimoji="0" lang="ja-JP" altLang="ja-JP" sz="4400" b="0" i="0" u="none" strike="noStrike" cap="none" normalizeH="0" baseline="0" dirty="0">
+              <a:ln>
+                <a:noFill/>
+              </a:ln>
+              <a:solidFill>
+                <a:schemeClr val="tx1"/>
+              </a:solidFill>
+              <a:effectLst/>
+              <a:latin typeface="Arial" panose="020B0604020202020204" pitchFamily="34" charset="0"/>
+            </a:endParaRPr>
+          </a:p>
+        </p:txBody>
+      </p:sp>
+    </p:spTree>
+    <p:extLst>
+      <p:ext uri="{BB962C8B-B14F-4D97-AF65-F5344CB8AC3E}">
+        <p14:creationId xmlns:p14="http://schemas.microsoft.com/office/powerpoint/2010/main" val="1108388329"/>
+      </p:ext>
+    </p:extLst>
+  </p:cSld>
+  <p:clrMapOvr>
+    <a:overrideClrMapping bg1="dk1" tx1="lt1" bg2="dk2" tx2="lt2" accent1="accent1" accent2="accent2" accent3="accent3" accent4="accent4" accent5="accent5" accent6="accent6" hlink="hlink" folHlink="folHlink"/>
+  </p:clrMapOvr>
+</p:sld>
+</file>
+
+<file path=ppt/slides/slide7.xml><?xml version="1.0" encoding="utf-8"?>
 <p:sld xmlns:a="http://schemas.openxmlformats.org/drawingml/2006/main" xmlns:r="http://schemas.openxmlformats.org/officeDocument/2006/relationships" xmlns:p="http://schemas.openxmlformats.org/presentationml/2006/main">
   <p:cSld>
     <p:bg>
@@ -5044,7 +5885,12 @@
             <p:ph type="title"/>
           </p:nvPr>
         </p:nvSpPr>
-        <p:spPr/>
+        <p:spPr>
+          <a:xfrm>
+            <a:off x="521208" y="512064"/>
+            <a:ext cx="11155680" cy="1463040"/>
+          </a:xfrm>
+        </p:spPr>
         <p:txBody>
           <a:bodyPr/>
           <a:lstStyle/>
@@ -5072,7 +5918,12 @@
             <p:ph idx="1"/>
           </p:nvPr>
         </p:nvSpPr>
-        <p:spPr/>
+        <p:spPr>
+          <a:xfrm>
+            <a:off x="521208" y="1975104"/>
+            <a:ext cx="11155680" cy="3767328"/>
+          </a:xfrm>
+        </p:spPr>
         <p:txBody>
           <a:bodyPr/>
           <a:lstStyle/>
@@ -5150,7 +6001,7 @@
 </p:sld>
 </file>
 
-<file path=ppt/slides/slide6.xml><?xml version="1.0" encoding="utf-8"?>
+<file path=ppt/slides/slide8.xml><?xml version="1.0" encoding="utf-8"?>
 <p:sld xmlns:a="http://schemas.openxmlformats.org/drawingml/2006/main" xmlns:r="http://schemas.openxmlformats.org/officeDocument/2006/relationships" xmlns:p="http://schemas.openxmlformats.org/presentationml/2006/main">
   <p:cSld>
     <p:bg>
@@ -5226,7 +6077,12 @@
             <p:ph type="title"/>
           </p:nvPr>
         </p:nvSpPr>
-        <p:spPr/>
+        <p:spPr>
+          <a:xfrm>
+            <a:off x="521208" y="512064"/>
+            <a:ext cx="11155680" cy="1463040"/>
+          </a:xfrm>
+        </p:spPr>
         <p:txBody>
           <a:bodyPr/>
           <a:lstStyle/>
@@ -5254,12 +6110,41 @@
             <p:ph idx="1"/>
           </p:nvPr>
         </p:nvSpPr>
-        <p:spPr/>
+        <p:spPr>
+          <a:xfrm>
+            <a:off x="521208" y="1975104"/>
+            <a:ext cx="11155680" cy="3767328"/>
+          </a:xfrm>
+        </p:spPr>
         <p:txBody>
           <a:bodyPr/>
           <a:lstStyle/>
           <a:p>
-            <a:endParaRPr lang="ja-JP" altLang="en-US"/>
+            <a:r>
+              <a:rPr lang="ja-JP" altLang="en-US" sz="4800" dirty="0"/>
+              <a:t>画像添付やカスタム気分</a:t>
+            </a:r>
+            <a:endParaRPr lang="en-US" altLang="ja-JP" sz="4800" dirty="0"/>
+          </a:p>
+          <a:p>
+            <a:r>
+              <a:rPr lang="ja-JP" altLang="en-US" sz="4800" dirty="0"/>
+              <a:t>年間推移グラフ</a:t>
+            </a:r>
+            <a:endParaRPr lang="en-US" altLang="ja-JP" sz="4800" dirty="0"/>
+          </a:p>
+          <a:p>
+            <a:r>
+              <a:rPr lang="ja-JP" altLang="en-US" sz="4800" dirty="0"/>
+              <a:t>バックアップ・リストア</a:t>
+            </a:r>
+            <a:endParaRPr lang="en-US" altLang="ja-JP" sz="4800" dirty="0"/>
+          </a:p>
+          <a:p>
+            <a:r>
+              <a:rPr lang="ja-JP" altLang="en-US" sz="4800" dirty="0"/>
+              <a:t>通知リマインダー機能</a:t>
+            </a:r>
           </a:p>
         </p:txBody>
       </p:sp>

--- a/Flutter.pptx
+++ b/Flutter.pptx
@@ -10,8 +10,8 @@
     <p:sldId id="258" r:id="rId4"/>
     <p:sldId id="259" r:id="rId5"/>
     <p:sldId id="262" r:id="rId6"/>
-    <p:sldId id="263" r:id="rId7"/>
-    <p:sldId id="260" r:id="rId8"/>
+    <p:sldId id="264" r:id="rId7"/>
+    <p:sldId id="263" r:id="rId8"/>
     <p:sldId id="261" r:id="rId9"/>
   </p:sldIdLst>
   <p:sldSz cx="12192000" cy="6858000"/>
@@ -400,7 +400,7 @@
           <a:p>
             <a:fld id="{E80C50CD-E178-4744-9B35-B2F624D6C5E9}" type="datetimeFigureOut">
               <a:rPr lang="en-US" smtClean="0"/>
-              <a:t>6/9/2025</a:t>
+              <a:t>7/2/2025</a:t>
             </a:fld>
             <a:endParaRPr lang="en-US"/>
           </a:p>
@@ -598,7 +598,7 @@
           <a:p>
             <a:fld id="{E80C50CD-E178-4744-9B35-B2F624D6C5E9}" type="datetimeFigureOut">
               <a:rPr lang="en-US" smtClean="0"/>
-              <a:t>6/9/2025</a:t>
+              <a:t>7/2/2025</a:t>
             </a:fld>
             <a:endParaRPr lang="en-US"/>
           </a:p>
@@ -806,7 +806,7 @@
           <a:p>
             <a:fld id="{E80C50CD-E178-4744-9B35-B2F624D6C5E9}" type="datetimeFigureOut">
               <a:rPr lang="en-US" smtClean="0"/>
-              <a:t>6/9/2025</a:t>
+              <a:t>7/2/2025</a:t>
             </a:fld>
             <a:endParaRPr lang="en-US"/>
           </a:p>
@@ -1056,7 +1056,7 @@
           <a:p>
             <a:fld id="{E80C50CD-E178-4744-9B35-B2F624D6C5E9}" type="datetimeFigureOut">
               <a:rPr lang="en-US" smtClean="0"/>
-              <a:t>6/9/2025</a:t>
+              <a:t>7/2/2025</a:t>
             </a:fld>
             <a:endParaRPr lang="en-US"/>
           </a:p>
@@ -1335,7 +1335,7 @@
           <a:p>
             <a:fld id="{E80C50CD-E178-4744-9B35-B2F624D6C5E9}" type="datetimeFigureOut">
               <a:rPr lang="en-US" smtClean="0"/>
-              <a:t>6/9/2025</a:t>
+              <a:t>7/2/2025</a:t>
             </a:fld>
             <a:endParaRPr lang="en-US"/>
           </a:p>
@@ -1652,7 +1652,7 @@
           <a:p>
             <a:fld id="{E80C50CD-E178-4744-9B35-B2F624D6C5E9}" type="datetimeFigureOut">
               <a:rPr lang="en-US" smtClean="0"/>
-              <a:t>6/9/2025</a:t>
+              <a:t>7/2/2025</a:t>
             </a:fld>
             <a:endParaRPr lang="en-US"/>
           </a:p>
@@ -2068,7 +2068,7 @@
           <a:p>
             <a:fld id="{E80C50CD-E178-4744-9B35-B2F624D6C5E9}" type="datetimeFigureOut">
               <a:rPr lang="en-US" smtClean="0"/>
-              <a:t>6/9/2025</a:t>
+              <a:t>7/2/2025</a:t>
             </a:fld>
             <a:endParaRPr lang="en-US"/>
           </a:p>
@@ -2209,7 +2209,7 @@
           <a:p>
             <a:fld id="{E80C50CD-E178-4744-9B35-B2F624D6C5E9}" type="datetimeFigureOut">
               <a:rPr lang="en-US" smtClean="0"/>
-              <a:t>6/9/2025</a:t>
+              <a:t>7/2/2025</a:t>
             </a:fld>
             <a:endParaRPr lang="en-US"/>
           </a:p>
@@ -2322,7 +2322,7 @@
           <a:p>
             <a:fld id="{E80C50CD-E178-4744-9B35-B2F624D6C5E9}" type="datetimeFigureOut">
               <a:rPr lang="en-US" smtClean="0"/>
-              <a:t>6/9/2025</a:t>
+              <a:t>7/2/2025</a:t>
             </a:fld>
             <a:endParaRPr lang="en-US"/>
           </a:p>
@@ -2639,7 +2639,7 @@
           <a:p>
             <a:fld id="{E80C50CD-E178-4744-9B35-B2F624D6C5E9}" type="datetimeFigureOut">
               <a:rPr lang="en-US" smtClean="0"/>
-              <a:t>6/9/2025</a:t>
+              <a:t>7/2/2025</a:t>
             </a:fld>
             <a:endParaRPr lang="en-US"/>
           </a:p>
@@ -2931,7 +2931,7 @@
           <a:p>
             <a:fld id="{E80C50CD-E178-4744-9B35-B2F624D6C5E9}" type="datetimeFigureOut">
               <a:rPr lang="en-US" smtClean="0"/>
-              <a:t>6/9/2025</a:t>
+              <a:t>7/2/2025</a:t>
             </a:fld>
             <a:endParaRPr lang="en-US"/>
           </a:p>
@@ -3167,7 +3167,7 @@
             <a:fld id="{E80C50CD-E178-4744-9B35-B2F624D6C5E9}" type="datetimeFigureOut">
               <a:rPr lang="en-US" smtClean="0"/>
               <a:pPr/>
-              <a:t>6/9/2025</a:t>
+              <a:t>7/2/2025</a:t>
             </a:fld>
             <a:endParaRPr lang="en-US"/>
           </a:p>
@@ -4251,7 +4251,17 @@
             </a:pPr>
             <a:r>
               <a:rPr lang="ja-JP" altLang="en-US" sz="4000" dirty="0"/>
-              <a:t>・きぶん日記は、毎日の気分を簡単に記録・可視化できる日記アプリ。  </a:t>
+              <a:t>・きぶん日記は、毎日の気分を簡単に記録・</a:t>
+            </a:r>
+            <a:endParaRPr lang="en-US" altLang="ja-JP" sz="4000" dirty="0"/>
+          </a:p>
+          <a:p>
+            <a:pPr marL="0" indent="0">
+              <a:buNone/>
+            </a:pPr>
+            <a:r>
+              <a:rPr lang="ja-JP" altLang="en-US" sz="4000" dirty="0"/>
+              <a:t>可視化できる日記アプリ。  </a:t>
             </a:r>
             <a:endParaRPr lang="en-US" altLang="ja-JP" sz="4000" dirty="0"/>
           </a:p>
@@ -4622,8 +4632,8 @@
         </p:nvSpPr>
         <p:spPr bwMode="auto">
           <a:xfrm>
-            <a:off x="516626" y="1494983"/>
-            <a:ext cx="9994403" cy="5078313"/>
+            <a:off x="516626" y="2141313"/>
+            <a:ext cx="11042767" cy="3785652"/>
           </a:xfrm>
           <a:prstGeom prst="rect">
             <a:avLst/>
@@ -4684,12 +4694,12 @@
               <a:buAutoNum type="arabicPeriod"/>
             </a:pPr>
             <a:r>
-              <a:rPr lang="ja-JP" altLang="en-US" sz="3600" b="1" dirty="0">
+              <a:rPr lang="ja-JP" altLang="en-US" sz="4000" dirty="0">
                 <a:latin typeface="Arial" panose="020B0604020202020204" pitchFamily="34" charset="0"/>
               </a:rPr>
               <a:t>毎日の気分記録</a:t>
             </a:r>
-            <a:endParaRPr lang="en-US" altLang="ja-JP" sz="3600" b="1" dirty="0">
+            <a:endParaRPr lang="en-US" altLang="ja-JP" sz="4000" dirty="0">
               <a:latin typeface="Arial" panose="020B0604020202020204" pitchFamily="34" charset="0"/>
             </a:endParaRPr>
           </a:p>
@@ -4707,34 +4717,34 @@
               <a:buNone/>
             </a:pPr>
             <a:r>
-              <a:rPr lang="ja-JP" altLang="en-US" sz="3600" b="1" dirty="0">
+              <a:rPr lang="ja-JP" altLang="en-US" sz="4000" dirty="0">
                 <a:latin typeface="Arial" panose="020B0604020202020204" pitchFamily="34" charset="0"/>
               </a:rPr>
               <a:t>・</a:t>
             </a:r>
             <a:r>
-              <a:rPr lang="en-US" altLang="ja-JP" sz="3600" b="1" dirty="0">
+              <a:rPr lang="en-US" altLang="ja-JP" sz="4000" dirty="0">
                 <a:latin typeface="Arial" panose="020B0604020202020204" pitchFamily="34" charset="0"/>
               </a:rPr>
               <a:t>6</a:t>
             </a:r>
             <a:r>
-              <a:rPr lang="ja-JP" altLang="en-US" sz="3600" b="1" dirty="0">
+              <a:rPr lang="ja-JP" altLang="en-US" sz="4000" dirty="0">
                 <a:latin typeface="Arial" panose="020B0604020202020204" pitchFamily="34" charset="0"/>
               </a:rPr>
               <a:t>種類の気分（</a:t>
             </a:r>
             <a:r>
-              <a:rPr lang="ja-JP" altLang="en-US" sz="3600" dirty="0"/>
+              <a:rPr lang="ja-JP" altLang="en-US" sz="4000" dirty="0"/>
               <a:t>🤩😄😐😢😡😴</a:t>
             </a:r>
             <a:r>
-              <a:rPr lang="ja-JP" altLang="en-US" sz="3600" b="1" dirty="0">
+              <a:rPr lang="ja-JP" altLang="en-US" sz="4000" dirty="0">
                 <a:latin typeface="Arial" panose="020B0604020202020204" pitchFamily="34" charset="0"/>
               </a:rPr>
               <a:t>）から選択</a:t>
             </a:r>
-            <a:endParaRPr lang="en-US" altLang="ja-JP" sz="3600" b="1" dirty="0">
+            <a:endParaRPr lang="en-US" altLang="ja-JP" sz="4000" dirty="0">
               <a:latin typeface="Arial" panose="020B0604020202020204" pitchFamily="34" charset="0"/>
             </a:endParaRPr>
           </a:p>
@@ -4752,12 +4762,12 @@
               <a:buNone/>
             </a:pPr>
             <a:r>
-              <a:rPr lang="ja-JP" altLang="en-US" sz="3600" b="1" dirty="0">
+              <a:rPr lang="ja-JP" altLang="en-US" sz="4000" dirty="0">
                 <a:latin typeface="Arial" panose="020B0604020202020204" pitchFamily="34" charset="0"/>
               </a:rPr>
               <a:t>・任意のメモ入力</a:t>
             </a:r>
-            <a:endParaRPr lang="en-US" altLang="ja-JP" sz="3600" b="1" dirty="0">
+            <a:endParaRPr lang="en-US" altLang="ja-JP" sz="4000" dirty="0">
               <a:latin typeface="Arial" panose="020B0604020202020204" pitchFamily="34" charset="0"/>
             </a:endParaRPr>
           </a:p>
@@ -4775,36 +4785,36 @@
               <a:buNone/>
             </a:pPr>
             <a:r>
-              <a:rPr lang="ja-JP" altLang="en-US" sz="3600" b="1" dirty="0">
+              <a:rPr lang="ja-JP" altLang="en-US" sz="4000" dirty="0">
                 <a:latin typeface="Arial" panose="020B0604020202020204" pitchFamily="34" charset="0"/>
               </a:rPr>
               <a:t>・</a:t>
             </a:r>
             <a:r>
-              <a:rPr lang="en-US" altLang="ja-JP" sz="3600" b="1" dirty="0">
+              <a:rPr lang="en-US" altLang="ja-JP" sz="4000" dirty="0">
                 <a:latin typeface="Arial" panose="020B0604020202020204" pitchFamily="34" charset="0"/>
               </a:rPr>
               <a:t>1</a:t>
             </a:r>
             <a:r>
-              <a:rPr lang="ja-JP" altLang="en-US" sz="3600" b="1" dirty="0">
+              <a:rPr lang="ja-JP" altLang="en-US" sz="4000" dirty="0">
                 <a:latin typeface="Arial" panose="020B0604020202020204" pitchFamily="34" charset="0"/>
               </a:rPr>
               <a:t>日</a:t>
             </a:r>
             <a:r>
-              <a:rPr lang="en-US" altLang="ja-JP" sz="3600" b="1" dirty="0">
+              <a:rPr lang="en-US" altLang="ja-JP" sz="4000" dirty="0">
                 <a:latin typeface="Arial" panose="020B0604020202020204" pitchFamily="34" charset="0"/>
               </a:rPr>
               <a:t>1</a:t>
             </a:r>
             <a:r>
-              <a:rPr lang="ja-JP" altLang="en-US" sz="3600" b="1" dirty="0">
+              <a:rPr lang="ja-JP" altLang="en-US" sz="4000" dirty="0">
                 <a:latin typeface="Arial" panose="020B0604020202020204" pitchFamily="34" charset="0"/>
               </a:rPr>
               <a:t>回のみ記録（重複防止）</a:t>
             </a:r>
-            <a:endParaRPr lang="en-US" altLang="ja-JP" sz="3600" b="1" dirty="0">
+            <a:endParaRPr lang="en-US" altLang="ja-JP" sz="4000" dirty="0">
               <a:latin typeface="Arial" panose="020B0604020202020204" pitchFamily="34" charset="0"/>
             </a:endParaRPr>
           </a:p>
@@ -4822,18 +4832,18 @@
               <a:buNone/>
             </a:pPr>
             <a:r>
-              <a:rPr lang="en-US" altLang="ja-JP" sz="3600" b="1" dirty="0">
+              <a:rPr lang="en-US" altLang="ja-JP" sz="4000" dirty="0">
                 <a:latin typeface="Arial" panose="020B0604020202020204" pitchFamily="34" charset="0"/>
               </a:rPr>
               <a:t>2. </a:t>
             </a:r>
             <a:r>
-              <a:rPr lang="ja-JP" altLang="en-US" sz="3600" b="1" dirty="0">
+              <a:rPr lang="ja-JP" altLang="en-US" sz="4000" dirty="0">
                 <a:latin typeface="Arial" panose="020B0604020202020204" pitchFamily="34" charset="0"/>
               </a:rPr>
               <a:t>記録の編集・削除</a:t>
             </a:r>
-            <a:endParaRPr lang="en-US" altLang="ja-JP" sz="3600" b="1" dirty="0">
+            <a:endParaRPr lang="en-US" altLang="ja-JP" sz="4000" dirty="0">
               <a:latin typeface="Arial" panose="020B0604020202020204" pitchFamily="34" charset="0"/>
             </a:endParaRPr>
           </a:p>
@@ -4851,118 +4861,12 @@
               <a:buNone/>
             </a:pPr>
             <a:r>
-              <a:rPr lang="ja-JP" altLang="en-US" sz="3600" b="1" dirty="0">
+              <a:rPr lang="ja-JP" altLang="en-US" sz="4000" dirty="0">
                 <a:latin typeface="Arial" panose="020B0604020202020204" pitchFamily="34" charset="0"/>
               </a:rPr>
               <a:t>・メモ一覧から日付ごとに編集・削除可能</a:t>
             </a:r>
-            <a:endParaRPr lang="en-US" altLang="ja-JP" sz="3600" b="1" dirty="0">
-              <a:latin typeface="Arial" panose="020B0604020202020204" pitchFamily="34" charset="0"/>
-            </a:endParaRPr>
-          </a:p>
-          <a:p>
-            <a:pPr marL="0" lvl="0" indent="0" eaLnBrk="0" fontAlgn="base" hangingPunct="0">
-              <a:lnSpc>
-                <a:spcPct val="100000"/>
-              </a:lnSpc>
-              <a:spcBef>
-                <a:spcPct val="0"/>
-              </a:spcBef>
-              <a:spcAft>
-                <a:spcPct val="0"/>
-              </a:spcAft>
-              <a:buNone/>
-            </a:pPr>
-            <a:r>
-              <a:rPr lang="en-US" altLang="ja-JP" sz="3600" b="1" dirty="0">
-                <a:latin typeface="Arial" panose="020B0604020202020204" pitchFamily="34" charset="0"/>
-              </a:rPr>
-              <a:t>3. </a:t>
-            </a:r>
-            <a:r>
-              <a:rPr lang="ja-JP" altLang="en-US" sz="3600" b="1" dirty="0">
-                <a:latin typeface="Arial" panose="020B0604020202020204" pitchFamily="34" charset="0"/>
-              </a:rPr>
-              <a:t>フィルター・カレンダー</a:t>
-            </a:r>
-            <a:endParaRPr lang="en-US" altLang="ja-JP" sz="3600" b="1" dirty="0">
-              <a:latin typeface="Arial" panose="020B0604020202020204" pitchFamily="34" charset="0"/>
-            </a:endParaRPr>
-          </a:p>
-          <a:p>
-            <a:pPr marL="0" lvl="0" indent="0" eaLnBrk="0" fontAlgn="base" hangingPunct="0">
-              <a:lnSpc>
-                <a:spcPct val="100000"/>
-              </a:lnSpc>
-              <a:spcBef>
-                <a:spcPct val="0"/>
-              </a:spcBef>
-              <a:spcAft>
-                <a:spcPct val="0"/>
-              </a:spcAft>
-              <a:buNone/>
-            </a:pPr>
-            <a:r>
-              <a:rPr lang="ja-JP" altLang="en-US" sz="3600" b="1" dirty="0">
-                <a:latin typeface="Arial" panose="020B0604020202020204" pitchFamily="34" charset="0"/>
-              </a:rPr>
-              <a:t>・年</a:t>
-            </a:r>
-            <a:r>
-              <a:rPr lang="en-US" altLang="ja-JP" sz="3600" b="1" dirty="0">
-                <a:latin typeface="Arial" panose="020B0604020202020204" pitchFamily="34" charset="0"/>
-              </a:rPr>
-              <a:t>/</a:t>
-            </a:r>
-            <a:r>
-              <a:rPr lang="ja-JP" altLang="en-US" sz="3600" b="1" dirty="0">
-                <a:latin typeface="Arial" panose="020B0604020202020204" pitchFamily="34" charset="0"/>
-              </a:rPr>
-              <a:t>月</a:t>
-            </a:r>
-            <a:r>
-              <a:rPr lang="en-US" altLang="ja-JP" sz="3600" b="1" dirty="0">
-                <a:latin typeface="Arial" panose="020B0604020202020204" pitchFamily="34" charset="0"/>
-              </a:rPr>
-              <a:t>/</a:t>
-            </a:r>
-            <a:r>
-              <a:rPr lang="ja-JP" altLang="en-US" sz="3600" b="1" dirty="0">
-                <a:latin typeface="Arial" panose="020B0604020202020204" pitchFamily="34" charset="0"/>
-              </a:rPr>
-              <a:t>週単位で絞り込み</a:t>
-            </a:r>
-            <a:endParaRPr lang="en-US" altLang="ja-JP" sz="3600" b="1" dirty="0">
-              <a:latin typeface="Arial" panose="020B0604020202020204" pitchFamily="34" charset="0"/>
-            </a:endParaRPr>
-          </a:p>
-          <a:p>
-            <a:pPr marL="0" lvl="0" indent="0" eaLnBrk="0" fontAlgn="base" hangingPunct="0">
-              <a:lnSpc>
-                <a:spcPct val="100000"/>
-              </a:lnSpc>
-              <a:spcBef>
-                <a:spcPct val="0"/>
-              </a:spcBef>
-              <a:spcAft>
-                <a:spcPct val="0"/>
-              </a:spcAft>
-              <a:buNone/>
-            </a:pPr>
-            <a:r>
-              <a:rPr lang="ja-JP" altLang="en-US" sz="3600" b="1" dirty="0">
-                <a:latin typeface="Arial" panose="020B0604020202020204" pitchFamily="34" charset="0"/>
-              </a:rPr>
-              <a:t>・気分ごと（絵文字）にフィルター</a:t>
-            </a:r>
-            <a:endParaRPr kumimoji="0" lang="ja-JP" altLang="ja-JP" sz="3600" b="0" i="0" u="none" strike="noStrike" cap="none" normalizeH="0" baseline="0" dirty="0">
-              <a:ln>
-                <a:noFill/>
-              </a:ln>
-              <a:solidFill>
-                <a:schemeClr val="tx1"/>
-              </a:solidFill>
-              <a:effectLst/>
+            <a:endParaRPr lang="en-US" altLang="ja-JP" sz="4000" dirty="0">
               <a:latin typeface="Arial" panose="020B0604020202020204" pitchFamily="34" charset="0"/>
             </a:endParaRPr>
           </a:p>
@@ -5092,8 +4996,8 @@
         </p:nvSpPr>
         <p:spPr bwMode="auto">
           <a:xfrm>
-            <a:off x="515112" y="1665232"/>
-            <a:ext cx="9458038" cy="4832092"/>
+            <a:off x="515112" y="1880676"/>
+            <a:ext cx="11172289" cy="4401205"/>
           </a:xfrm>
           <a:prstGeom prst="rect">
             <a:avLst/>
@@ -5154,18 +5058,18 @@
               <a:buNone/>
             </a:pPr>
             <a:r>
-              <a:rPr lang="en-US" altLang="ja-JP" sz="2800" b="1" dirty="0">
+              <a:rPr lang="en-US" altLang="ja-JP" sz="4000" dirty="0">
                 <a:latin typeface="Arial" panose="020B0604020202020204" pitchFamily="34" charset="0"/>
               </a:rPr>
-              <a:t>4. </a:t>
-            </a:r>
-            <a:r>
-              <a:rPr lang="ja-JP" altLang="en-US" sz="2800" b="1" dirty="0">
+              <a:t>3. </a:t>
+            </a:r>
+            <a:r>
+              <a:rPr lang="ja-JP" altLang="en-US" sz="4000" dirty="0">
                 <a:latin typeface="Arial" panose="020B0604020202020204" pitchFamily="34" charset="0"/>
               </a:rPr>
-              <a:t>棒グラフによる可視化</a:t>
-            </a:r>
-            <a:endParaRPr lang="en-US" altLang="ja-JP" sz="2800" b="1" dirty="0">
+              <a:t>フィルター・カレンダー</a:t>
+            </a:r>
+            <a:endParaRPr lang="en-US" altLang="ja-JP" sz="4000" dirty="0">
               <a:latin typeface="Arial" panose="020B0604020202020204" pitchFamily="34" charset="0"/>
             </a:endParaRPr>
           </a:p>
@@ -5183,12 +5087,36 @@
               <a:buNone/>
             </a:pPr>
             <a:r>
-              <a:rPr lang="ja-JP" altLang="en-US" sz="2800" b="1" dirty="0">
+              <a:rPr lang="ja-JP" altLang="en-US" sz="4000" dirty="0">
                 <a:latin typeface="Arial" panose="020B0604020202020204" pitchFamily="34" charset="0"/>
               </a:rPr>
-              <a:t>・月ごとに気分の出現頻度をグラフ化</a:t>
-            </a:r>
-            <a:endParaRPr lang="en-US" altLang="ja-JP" sz="2800" b="1" dirty="0">
+              <a:t>・年</a:t>
+            </a:r>
+            <a:r>
+              <a:rPr lang="en-US" altLang="ja-JP" sz="4000" dirty="0">
+                <a:latin typeface="Arial" panose="020B0604020202020204" pitchFamily="34" charset="0"/>
+              </a:rPr>
+              <a:t>/</a:t>
+            </a:r>
+            <a:r>
+              <a:rPr lang="ja-JP" altLang="en-US" sz="4000" dirty="0">
+                <a:latin typeface="Arial" panose="020B0604020202020204" pitchFamily="34" charset="0"/>
+              </a:rPr>
+              <a:t>月</a:t>
+            </a:r>
+            <a:r>
+              <a:rPr lang="en-US" altLang="ja-JP" sz="4000" dirty="0">
+                <a:latin typeface="Arial" panose="020B0604020202020204" pitchFamily="34" charset="0"/>
+              </a:rPr>
+              <a:t>/</a:t>
+            </a:r>
+            <a:r>
+              <a:rPr lang="ja-JP" altLang="en-US" sz="4000" dirty="0">
+                <a:latin typeface="Arial" panose="020B0604020202020204" pitchFamily="34" charset="0"/>
+              </a:rPr>
+              <a:t>週単位で絞り込み</a:t>
+            </a:r>
+            <a:endParaRPr lang="en-US" altLang="ja-JP" sz="4000" dirty="0">
               <a:latin typeface="Arial" panose="020B0604020202020204" pitchFamily="34" charset="0"/>
             </a:endParaRPr>
           </a:p>
@@ -5206,12 +5134,12 @@
               <a:buNone/>
             </a:pPr>
             <a:r>
-              <a:rPr lang="ja-JP" altLang="en-US" sz="2800" b="1" dirty="0">
+              <a:rPr lang="ja-JP" altLang="en-US" sz="4000" dirty="0">
                 <a:latin typeface="Arial" panose="020B0604020202020204" pitchFamily="34" charset="0"/>
               </a:rPr>
-              <a:t>・棒の幅や余白も自動調整し、中央にバランス良く配置</a:t>
-            </a:r>
-            <a:endParaRPr lang="en-US" altLang="ja-JP" sz="2800" b="1" dirty="0">
+              <a:t>・気分ごと（絵文字）にフィルター</a:t>
+            </a:r>
+            <a:endParaRPr lang="en-US" altLang="ja-JP" sz="4000" b="1" dirty="0">
               <a:latin typeface="Arial" panose="020B0604020202020204" pitchFamily="34" charset="0"/>
             </a:endParaRPr>
           </a:p>
@@ -5229,18 +5157,18 @@
               <a:buNone/>
             </a:pPr>
             <a:r>
-              <a:rPr lang="en-US" altLang="ja-JP" sz="2800" b="1" dirty="0">
+              <a:rPr lang="en-US" altLang="ja-JP" sz="4000" dirty="0">
                 <a:latin typeface="Arial" panose="020B0604020202020204" pitchFamily="34" charset="0"/>
               </a:rPr>
-              <a:t>5. </a:t>
-            </a:r>
-            <a:r>
-              <a:rPr lang="ja-JP" altLang="en-US" sz="2800" b="1" dirty="0">
+              <a:t>4. </a:t>
+            </a:r>
+            <a:r>
+              <a:rPr lang="ja-JP" altLang="en-US" sz="4000" dirty="0">
                 <a:latin typeface="Arial" panose="020B0604020202020204" pitchFamily="34" charset="0"/>
               </a:rPr>
-              <a:t>週間目標・バッジ機能</a:t>
-            </a:r>
-            <a:endParaRPr lang="en-US" altLang="ja-JP" sz="2800" b="1" dirty="0">
+              <a:t>棒グラフによる可視化</a:t>
+            </a:r>
+            <a:endParaRPr lang="en-US" altLang="ja-JP" sz="4000" dirty="0">
               <a:latin typeface="Arial" panose="020B0604020202020204" pitchFamily="34" charset="0"/>
             </a:endParaRPr>
           </a:p>
@@ -5258,12 +5186,12 @@
               <a:buNone/>
             </a:pPr>
             <a:r>
-              <a:rPr lang="ja-JP" altLang="en-US" sz="2800" b="1" dirty="0">
+              <a:rPr lang="ja-JP" altLang="en-US" sz="4000" dirty="0">
                 <a:latin typeface="Arial" panose="020B0604020202020204" pitchFamily="34" charset="0"/>
               </a:rPr>
-              <a:t>・週間目標を選択し、達成するとバッジを獲得</a:t>
-            </a:r>
-            <a:endParaRPr lang="en-US" altLang="ja-JP" sz="2800" b="1" dirty="0">
+              <a:t>・月ごとに気分の出現頻度をグラフ化</a:t>
+            </a:r>
+            <a:endParaRPr lang="en-US" altLang="ja-JP" sz="4000" dirty="0">
               <a:latin typeface="Arial" panose="020B0604020202020204" pitchFamily="34" charset="0"/>
             </a:endParaRPr>
           </a:p>
@@ -5281,12 +5209,12 @@
               <a:buNone/>
             </a:pPr>
             <a:r>
-              <a:rPr lang="ja-JP" altLang="en-US" sz="2800" b="1" dirty="0">
+              <a:rPr lang="ja-JP" altLang="en-US" sz="4000" dirty="0">
                 <a:latin typeface="Arial" panose="020B0604020202020204" pitchFamily="34" charset="0"/>
               </a:rPr>
-              <a:t>・バッジ一覧で達成状況を可視化</a:t>
-            </a:r>
-            <a:endParaRPr lang="en-US" altLang="ja-JP" sz="2800" b="1" dirty="0">
+              <a:t>・棒の幅や余白も自動調整し、中央にバランス</a:t>
+            </a:r>
+            <a:endParaRPr lang="en-US" altLang="ja-JP" sz="4000" dirty="0">
               <a:latin typeface="Arial" panose="020B0604020202020204" pitchFamily="34" charset="0"/>
             </a:endParaRPr>
           </a:p>
@@ -5304,159 +5232,12 @@
               <a:buNone/>
             </a:pPr>
             <a:r>
-              <a:rPr lang="en-US" altLang="ja-JP" sz="2800" b="1" dirty="0">
+              <a:rPr lang="ja-JP" altLang="en-US" sz="4000" dirty="0">
                 <a:latin typeface="Arial" panose="020B0604020202020204" pitchFamily="34" charset="0"/>
               </a:rPr>
-              <a:t>6. </a:t>
-            </a:r>
-            <a:r>
-              <a:rPr lang="ja-JP" altLang="en-US" sz="2800" b="1" dirty="0">
-                <a:latin typeface="Arial" panose="020B0604020202020204" pitchFamily="34" charset="0"/>
-              </a:rPr>
-              <a:t>テーマ切り替え</a:t>
-            </a:r>
-            <a:endParaRPr lang="en-US" altLang="ja-JP" sz="2800" b="1" dirty="0">
-              <a:latin typeface="Arial" panose="020B0604020202020204" pitchFamily="34" charset="0"/>
-            </a:endParaRPr>
-          </a:p>
-          <a:p>
-            <a:pPr marL="0" lvl="0" indent="0" eaLnBrk="0" fontAlgn="base" hangingPunct="0">
-              <a:lnSpc>
-                <a:spcPct val="100000"/>
-              </a:lnSpc>
-              <a:spcBef>
-                <a:spcPct val="0"/>
-              </a:spcBef>
-              <a:spcAft>
-                <a:spcPct val="0"/>
-              </a:spcAft>
-              <a:buNone/>
-            </a:pPr>
-            <a:r>
-              <a:rPr lang="ja-JP" altLang="en-US" sz="2800" b="1" dirty="0">
-                <a:latin typeface="Arial" panose="020B0604020202020204" pitchFamily="34" charset="0"/>
-              </a:rPr>
-              <a:t>・春夏秋冬</a:t>
-            </a:r>
-            <a:r>
-              <a:rPr lang="en-US" altLang="ja-JP" sz="2800" b="1" dirty="0">
-                <a:latin typeface="Arial" panose="020B0604020202020204" pitchFamily="34" charset="0"/>
-              </a:rPr>
-              <a:t>×</a:t>
-            </a:r>
-            <a:r>
-              <a:rPr lang="ja-JP" altLang="en-US" sz="2800" b="1" dirty="0">
-                <a:latin typeface="Arial" panose="020B0604020202020204" pitchFamily="34" charset="0"/>
-              </a:rPr>
-              <a:t>朝夜の</a:t>
-            </a:r>
-            <a:r>
-              <a:rPr lang="en-US" altLang="ja-JP" sz="2800" b="1" dirty="0">
-                <a:latin typeface="Arial" panose="020B0604020202020204" pitchFamily="34" charset="0"/>
-              </a:rPr>
-              <a:t>8</a:t>
-            </a:r>
-            <a:r>
-              <a:rPr lang="ja-JP" altLang="en-US" sz="2800" b="1" dirty="0">
-                <a:latin typeface="Arial" panose="020B0604020202020204" pitchFamily="34" charset="0"/>
-              </a:rPr>
-              <a:t>テーマ</a:t>
-            </a:r>
-            <a:endParaRPr lang="en-US" altLang="ja-JP" sz="2800" b="1" dirty="0">
-              <a:latin typeface="Arial" panose="020B0604020202020204" pitchFamily="34" charset="0"/>
-            </a:endParaRPr>
-          </a:p>
-          <a:p>
-            <a:pPr marL="0" lvl="0" indent="0" eaLnBrk="0" fontAlgn="base" hangingPunct="0">
-              <a:lnSpc>
-                <a:spcPct val="100000"/>
-              </a:lnSpc>
-              <a:spcBef>
-                <a:spcPct val="0"/>
-              </a:spcBef>
-              <a:spcAft>
-                <a:spcPct val="0"/>
-              </a:spcAft>
-              <a:buNone/>
-            </a:pPr>
-            <a:r>
-              <a:rPr lang="ja-JP" altLang="en-US" sz="2800" b="1" dirty="0">
-                <a:latin typeface="Arial" panose="020B0604020202020204" pitchFamily="34" charset="0"/>
-              </a:rPr>
-              <a:t>・色・雰囲気を自動</a:t>
-            </a:r>
-            <a:r>
-              <a:rPr lang="en-US" altLang="ja-JP" sz="2800" b="1" dirty="0">
-                <a:latin typeface="Arial" panose="020B0604020202020204" pitchFamily="34" charset="0"/>
-              </a:rPr>
-              <a:t>/</a:t>
-            </a:r>
-            <a:r>
-              <a:rPr lang="ja-JP" altLang="en-US" sz="2800" b="1" dirty="0">
-                <a:latin typeface="Arial" panose="020B0604020202020204" pitchFamily="34" charset="0"/>
-              </a:rPr>
-              <a:t>手動で切り替え</a:t>
-            </a:r>
-            <a:endParaRPr lang="en-US" altLang="ja-JP" sz="2800" b="1" dirty="0">
-              <a:latin typeface="Arial" panose="020B0604020202020204" pitchFamily="34" charset="0"/>
-            </a:endParaRPr>
-          </a:p>
-          <a:p>
-            <a:pPr marL="0" lvl="0" indent="0" eaLnBrk="0" fontAlgn="base" hangingPunct="0">
-              <a:lnSpc>
-                <a:spcPct val="100000"/>
-              </a:lnSpc>
-              <a:spcBef>
-                <a:spcPct val="0"/>
-              </a:spcBef>
-              <a:spcAft>
-                <a:spcPct val="0"/>
-              </a:spcAft>
-              <a:buNone/>
-            </a:pPr>
-            <a:r>
-              <a:rPr lang="en-US" altLang="ja-JP" sz="2800" b="1" dirty="0">
-                <a:latin typeface="Arial" panose="020B0604020202020204" pitchFamily="34" charset="0"/>
-              </a:rPr>
-              <a:t>7. </a:t>
-            </a:r>
-            <a:r>
-              <a:rPr lang="ja-JP" altLang="en-US" sz="2800" b="1" dirty="0">
-                <a:latin typeface="Arial" panose="020B0604020202020204" pitchFamily="34" charset="0"/>
-              </a:rPr>
-              <a:t>応援メッセージ</a:t>
-            </a:r>
-            <a:endParaRPr lang="en-US" altLang="ja-JP" sz="2800" b="1" dirty="0">
-              <a:latin typeface="Arial" panose="020B0604020202020204" pitchFamily="34" charset="0"/>
-            </a:endParaRPr>
-          </a:p>
-          <a:p>
-            <a:pPr marL="0" lvl="0" indent="0" eaLnBrk="0" fontAlgn="base" hangingPunct="0">
-              <a:lnSpc>
-                <a:spcPct val="100000"/>
-              </a:lnSpc>
-              <a:spcBef>
-                <a:spcPct val="0"/>
-              </a:spcBef>
-              <a:spcAft>
-                <a:spcPct val="0"/>
-              </a:spcAft>
-              <a:buNone/>
-            </a:pPr>
-            <a:r>
-              <a:rPr lang="ja-JP" altLang="en-US" sz="2800" b="1" dirty="0">
-                <a:latin typeface="Arial" panose="020B0604020202020204" pitchFamily="34" charset="0"/>
-              </a:rPr>
-              <a:t>・記録時に気分に応じたメッセージをランダム表示</a:t>
-            </a:r>
-            <a:endParaRPr kumimoji="0" lang="ja-JP" altLang="ja-JP" sz="2800" b="0" i="0" u="none" strike="noStrike" cap="none" normalizeH="0" baseline="0" dirty="0">
-              <a:ln>
-                <a:noFill/>
-              </a:ln>
-              <a:solidFill>
-                <a:schemeClr val="tx1"/>
-              </a:solidFill>
-              <a:effectLst/>
+              <a:t>良く配置</a:t>
+            </a:r>
+            <a:endParaRPr lang="en-US" altLang="ja-JP" sz="4000" dirty="0">
               <a:latin typeface="Arial" panose="020B0604020202020204" pitchFamily="34" charset="0"/>
             </a:endParaRPr>
           </a:p>
@@ -5476,6 +5257,425 @@
 </file>
 
 <file path=ppt/slides/slide6.xml><?xml version="1.0" encoding="utf-8"?>
+<p:sld xmlns:a="http://schemas.openxmlformats.org/drawingml/2006/main" xmlns:r="http://schemas.openxmlformats.org/officeDocument/2006/relationships" xmlns:p="http://schemas.openxmlformats.org/presentationml/2006/main">
+  <p:cSld>
+    <p:bg>
+      <p:bgPr>
+        <a:solidFill>
+          <a:schemeClr val="bg1"/>
+        </a:solidFill>
+        <a:effectLst/>
+      </p:bgPr>
+    </p:bg>
+    <p:spTree>
+      <p:nvGrpSpPr>
+        <p:cNvPr id="1" name="">
+          <a:extLst>
+            <a:ext uri="{FF2B5EF4-FFF2-40B4-BE49-F238E27FC236}">
+              <a16:creationId xmlns:a16="http://schemas.microsoft.com/office/drawing/2014/main" id="{FA9383C3-33F6-B8A2-A1D2-2DC223E11654}"/>
+            </a:ext>
+          </a:extLst>
+        </p:cNvPr>
+        <p:cNvGrpSpPr/>
+        <p:nvPr/>
+      </p:nvGrpSpPr>
+      <p:grpSpPr>
+        <a:xfrm>
+          <a:off x="0" y="0"/>
+          <a:ext cx="0" cy="0"/>
+          <a:chOff x="0" y="0"/>
+          <a:chExt cx="0" cy="0"/>
+        </a:xfrm>
+      </p:grpSpPr>
+      <p:pic>
+        <p:nvPicPr>
+          <p:cNvPr id="16" name="Picture 3">
+            <a:extLst>
+              <a:ext uri="{FF2B5EF4-FFF2-40B4-BE49-F238E27FC236}">
+                <a16:creationId xmlns:a16="http://schemas.microsoft.com/office/drawing/2014/main" id="{10A179C4-4043-455F-4CA0-C3B28BCA8943}"/>
+              </a:ext>
+            </a:extLst>
+          </p:cNvPr>
+          <p:cNvPicPr>
+            <a:picLocks noChangeAspect="1"/>
+          </p:cNvPicPr>
+          <p:nvPr/>
+        </p:nvPicPr>
+        <p:blipFill>
+          <a:blip r:embed="rId2"/>
+          <a:srcRect t="9452" r="-1" b="163"/>
+          <a:stretch/>
+        </p:blipFill>
+        <p:spPr>
+          <a:xfrm>
+            <a:off x="0" y="0"/>
+            <a:ext cx="12188932" cy="6857990"/>
+          </a:xfrm>
+          <a:prstGeom prst="rect">
+            <a:avLst/>
+          </a:prstGeom>
+        </p:spPr>
+      </p:pic>
+      <p:sp>
+        <p:nvSpPr>
+          <p:cNvPr id="9" name="タイトル 8">
+            <a:extLst>
+              <a:ext uri="{FF2B5EF4-FFF2-40B4-BE49-F238E27FC236}">
+                <a16:creationId xmlns:a16="http://schemas.microsoft.com/office/drawing/2014/main" id="{7293CDA0-8BB4-50A2-6989-3010A42F01D3}"/>
+              </a:ext>
+            </a:extLst>
+          </p:cNvPr>
+          <p:cNvSpPr>
+            <a:spLocks noGrp="1"/>
+          </p:cNvSpPr>
+          <p:nvPr>
+            <p:ph type="title"/>
+          </p:nvPr>
+        </p:nvSpPr>
+        <p:spPr>
+          <a:xfrm>
+            <a:off x="521208" y="498827"/>
+            <a:ext cx="11155680" cy="1463040"/>
+          </a:xfrm>
+        </p:spPr>
+        <p:txBody>
+          <a:bodyPr/>
+          <a:lstStyle/>
+          <a:p>
+            <a:r>
+              <a:rPr lang="ja-JP" altLang="en-US" dirty="0"/>
+              <a:t>実装機能一覧③</a:t>
+            </a:r>
+          </a:p>
+        </p:txBody>
+      </p:sp>
+      <p:sp>
+        <p:nvSpPr>
+          <p:cNvPr id="2" name="Rectangle 1">
+            <a:extLst>
+              <a:ext uri="{FF2B5EF4-FFF2-40B4-BE49-F238E27FC236}">
+                <a16:creationId xmlns:a16="http://schemas.microsoft.com/office/drawing/2014/main" id="{EA764C9D-4507-39EE-E5D0-8433D66D3632}"/>
+              </a:ext>
+            </a:extLst>
+          </p:cNvPr>
+          <p:cNvSpPr>
+            <a:spLocks noGrp="1" noChangeArrowheads="1"/>
+          </p:cNvSpPr>
+          <p:nvPr>
+            <p:ph idx="1"/>
+          </p:nvPr>
+        </p:nvSpPr>
+        <p:spPr bwMode="auto">
+          <a:xfrm>
+            <a:off x="515112" y="1819121"/>
+            <a:ext cx="11075789" cy="4524315"/>
+          </a:xfrm>
+          <a:prstGeom prst="rect">
+            <a:avLst/>
+          </a:prstGeom>
+          <a:noFill/>
+          <a:ln>
+            <a:noFill/>
+          </a:ln>
+          <a:effectLst/>
+          <a:extLst>
+            <a:ext uri="{909E8E84-426E-40DD-AFC4-6F175D3DCCD1}">
+              <a14:hiddenFill xmlns:a14="http://schemas.microsoft.com/office/drawing/2010/main">
+                <a:solidFill>
+                  <a:schemeClr val="accent1"/>
+                </a:solidFill>
+              </a14:hiddenFill>
+            </a:ext>
+            <a:ext uri="{91240B29-F687-4F45-9708-019B960494DF}">
+              <a14:hiddenLine xmlns:a14="http://schemas.microsoft.com/office/drawing/2010/main" w="9525">
+                <a:solidFill>
+                  <a:schemeClr val="tx1"/>
+                </a:solidFill>
+                <a:miter lim="800000"/>
+                <a:headEnd/>
+                <a:tailEnd/>
+              </a14:hiddenLine>
+            </a:ext>
+            <a:ext uri="{AF507438-7753-43E0-B8FC-AC1667EBCBE1}">
+              <a14:hiddenEffects xmlns:a14="http://schemas.microsoft.com/office/drawing/2010/main">
+                <a:effectLst>
+                  <a:outerShdw dist="35921" dir="2700000" algn="ctr" rotWithShape="0">
+                    <a:schemeClr val="bg2"/>
+                  </a:outerShdw>
+                </a:effectLst>
+              </a14:hiddenEffects>
+            </a:ext>
+          </a:extLst>
+        </p:spPr>
+        <p:txBody>
+          <a:bodyPr vert="horz" wrap="none" lIns="91440" tIns="45720" rIns="91440" bIns="45720" numCol="1" anchor="ctr" anchorCtr="0" compatLnSpc="1">
+            <a:prstTxWarp prst="textNoShape">
+              <a:avLst/>
+            </a:prstTxWarp>
+            <a:spAutoFit/>
+          </a:bodyPr>
+          <a:lstStyle/>
+          <a:p>
+            <a:pPr marL="0" lvl="0" indent="0" eaLnBrk="0" fontAlgn="base" hangingPunct="0">
+              <a:lnSpc>
+                <a:spcPct val="100000"/>
+              </a:lnSpc>
+              <a:spcBef>
+                <a:spcPct val="0"/>
+              </a:spcBef>
+              <a:spcAft>
+                <a:spcPct val="0"/>
+              </a:spcAft>
+              <a:buNone/>
+            </a:pPr>
+            <a:r>
+              <a:rPr lang="en-US" altLang="ja-JP" sz="3600" dirty="0">
+                <a:latin typeface="Arial" panose="020B0604020202020204" pitchFamily="34" charset="0"/>
+              </a:rPr>
+              <a:t>5. </a:t>
+            </a:r>
+            <a:r>
+              <a:rPr lang="ja-JP" altLang="en-US" sz="3600" dirty="0">
+                <a:latin typeface="Arial" panose="020B0604020202020204" pitchFamily="34" charset="0"/>
+              </a:rPr>
+              <a:t>週間目標・バッジ機能</a:t>
+            </a:r>
+            <a:endParaRPr lang="en-US" altLang="ja-JP" sz="3600" dirty="0">
+              <a:latin typeface="Arial" panose="020B0604020202020204" pitchFamily="34" charset="0"/>
+            </a:endParaRPr>
+          </a:p>
+          <a:p>
+            <a:pPr marL="0" lvl="0" indent="0" eaLnBrk="0" fontAlgn="base" hangingPunct="0">
+              <a:lnSpc>
+                <a:spcPct val="100000"/>
+              </a:lnSpc>
+              <a:spcBef>
+                <a:spcPct val="0"/>
+              </a:spcBef>
+              <a:spcAft>
+                <a:spcPct val="0"/>
+              </a:spcAft>
+              <a:buNone/>
+            </a:pPr>
+            <a:r>
+              <a:rPr lang="ja-JP" altLang="en-US" sz="3600" dirty="0">
+                <a:latin typeface="Arial" panose="020B0604020202020204" pitchFamily="34" charset="0"/>
+              </a:rPr>
+              <a:t>・週間目標を選択し、達成するとバッジを獲得</a:t>
+            </a:r>
+            <a:endParaRPr lang="en-US" altLang="ja-JP" sz="3600" dirty="0">
+              <a:latin typeface="Arial" panose="020B0604020202020204" pitchFamily="34" charset="0"/>
+            </a:endParaRPr>
+          </a:p>
+          <a:p>
+            <a:pPr marL="0" lvl="0" indent="0" eaLnBrk="0" fontAlgn="base" hangingPunct="0">
+              <a:lnSpc>
+                <a:spcPct val="100000"/>
+              </a:lnSpc>
+              <a:spcBef>
+                <a:spcPct val="0"/>
+              </a:spcBef>
+              <a:spcAft>
+                <a:spcPct val="0"/>
+              </a:spcAft>
+              <a:buNone/>
+            </a:pPr>
+            <a:r>
+              <a:rPr lang="ja-JP" altLang="en-US" sz="3600" dirty="0">
+                <a:latin typeface="Arial" panose="020B0604020202020204" pitchFamily="34" charset="0"/>
+              </a:rPr>
+              <a:t>・バッジ一覧で達成状況を可視化</a:t>
+            </a:r>
+            <a:endParaRPr lang="en-US" altLang="ja-JP" sz="3600" dirty="0">
+              <a:latin typeface="Arial" panose="020B0604020202020204" pitchFamily="34" charset="0"/>
+            </a:endParaRPr>
+          </a:p>
+          <a:p>
+            <a:pPr marL="0" lvl="0" indent="0" eaLnBrk="0" fontAlgn="base" hangingPunct="0">
+              <a:lnSpc>
+                <a:spcPct val="100000"/>
+              </a:lnSpc>
+              <a:spcBef>
+                <a:spcPct val="0"/>
+              </a:spcBef>
+              <a:spcAft>
+                <a:spcPct val="0"/>
+              </a:spcAft>
+              <a:buNone/>
+            </a:pPr>
+            <a:r>
+              <a:rPr lang="en-US" altLang="ja-JP" sz="3600" dirty="0">
+                <a:latin typeface="Arial" panose="020B0604020202020204" pitchFamily="34" charset="0"/>
+              </a:rPr>
+              <a:t>6. </a:t>
+            </a:r>
+            <a:r>
+              <a:rPr lang="ja-JP" altLang="en-US" sz="3600" dirty="0">
+                <a:latin typeface="Arial" panose="020B0604020202020204" pitchFamily="34" charset="0"/>
+              </a:rPr>
+              <a:t>テーマ切り替え</a:t>
+            </a:r>
+            <a:endParaRPr lang="en-US" altLang="ja-JP" sz="3600" dirty="0">
+              <a:latin typeface="Arial" panose="020B0604020202020204" pitchFamily="34" charset="0"/>
+            </a:endParaRPr>
+          </a:p>
+          <a:p>
+            <a:pPr marL="0" lvl="0" indent="0" eaLnBrk="0" fontAlgn="base" hangingPunct="0">
+              <a:lnSpc>
+                <a:spcPct val="100000"/>
+              </a:lnSpc>
+              <a:spcBef>
+                <a:spcPct val="0"/>
+              </a:spcBef>
+              <a:spcAft>
+                <a:spcPct val="0"/>
+              </a:spcAft>
+              <a:buNone/>
+            </a:pPr>
+            <a:r>
+              <a:rPr lang="ja-JP" altLang="en-US" sz="3600" dirty="0">
+                <a:latin typeface="Arial" panose="020B0604020202020204" pitchFamily="34" charset="0"/>
+              </a:rPr>
+              <a:t>・春夏秋冬</a:t>
+            </a:r>
+            <a:r>
+              <a:rPr lang="en-US" altLang="ja-JP" sz="3600" dirty="0">
+                <a:latin typeface="Arial" panose="020B0604020202020204" pitchFamily="34" charset="0"/>
+              </a:rPr>
+              <a:t>×</a:t>
+            </a:r>
+            <a:r>
+              <a:rPr lang="ja-JP" altLang="en-US" sz="3600" dirty="0">
+                <a:latin typeface="Arial" panose="020B0604020202020204" pitchFamily="34" charset="0"/>
+              </a:rPr>
+              <a:t>朝夜の</a:t>
+            </a:r>
+            <a:r>
+              <a:rPr lang="en-US" altLang="ja-JP" sz="3600" dirty="0">
+                <a:latin typeface="Arial" panose="020B0604020202020204" pitchFamily="34" charset="0"/>
+              </a:rPr>
+              <a:t>8</a:t>
+            </a:r>
+            <a:r>
+              <a:rPr lang="ja-JP" altLang="en-US" sz="3600" dirty="0">
+                <a:latin typeface="Arial" panose="020B0604020202020204" pitchFamily="34" charset="0"/>
+              </a:rPr>
+              <a:t>テーマ</a:t>
+            </a:r>
+            <a:endParaRPr lang="en-US" altLang="ja-JP" sz="3600" dirty="0">
+              <a:latin typeface="Arial" panose="020B0604020202020204" pitchFamily="34" charset="0"/>
+            </a:endParaRPr>
+          </a:p>
+          <a:p>
+            <a:pPr marL="0" lvl="0" indent="0" eaLnBrk="0" fontAlgn="base" hangingPunct="0">
+              <a:lnSpc>
+                <a:spcPct val="100000"/>
+              </a:lnSpc>
+              <a:spcBef>
+                <a:spcPct val="0"/>
+              </a:spcBef>
+              <a:spcAft>
+                <a:spcPct val="0"/>
+              </a:spcAft>
+              <a:buNone/>
+            </a:pPr>
+            <a:r>
+              <a:rPr lang="ja-JP" altLang="en-US" sz="3600" dirty="0">
+                <a:latin typeface="Arial" panose="020B0604020202020204" pitchFamily="34" charset="0"/>
+              </a:rPr>
+              <a:t>・色・雰囲気を自動</a:t>
+            </a:r>
+            <a:r>
+              <a:rPr lang="en-US" altLang="ja-JP" sz="3600" dirty="0">
+                <a:latin typeface="Arial" panose="020B0604020202020204" pitchFamily="34" charset="0"/>
+              </a:rPr>
+              <a:t>/</a:t>
+            </a:r>
+            <a:r>
+              <a:rPr lang="ja-JP" altLang="en-US" sz="3600" dirty="0">
+                <a:latin typeface="Arial" panose="020B0604020202020204" pitchFamily="34" charset="0"/>
+              </a:rPr>
+              <a:t>手動で切り替え</a:t>
+            </a:r>
+            <a:endParaRPr lang="en-US" altLang="ja-JP" sz="3600" dirty="0">
+              <a:latin typeface="Arial" panose="020B0604020202020204" pitchFamily="34" charset="0"/>
+            </a:endParaRPr>
+          </a:p>
+          <a:p>
+            <a:pPr marL="0" lvl="0" indent="0" eaLnBrk="0" fontAlgn="base" hangingPunct="0">
+              <a:lnSpc>
+                <a:spcPct val="100000"/>
+              </a:lnSpc>
+              <a:spcBef>
+                <a:spcPct val="0"/>
+              </a:spcBef>
+              <a:spcAft>
+                <a:spcPct val="0"/>
+              </a:spcAft>
+              <a:buNone/>
+            </a:pPr>
+            <a:r>
+              <a:rPr lang="en-US" altLang="ja-JP" sz="3600" dirty="0">
+                <a:latin typeface="Arial" panose="020B0604020202020204" pitchFamily="34" charset="0"/>
+              </a:rPr>
+              <a:t>7. </a:t>
+            </a:r>
+            <a:r>
+              <a:rPr lang="ja-JP" altLang="en-US" sz="3600" dirty="0">
+                <a:latin typeface="Arial" panose="020B0604020202020204" pitchFamily="34" charset="0"/>
+              </a:rPr>
+              <a:t>応援メッセージ</a:t>
+            </a:r>
+            <a:endParaRPr lang="en-US" altLang="ja-JP" sz="3600" dirty="0">
+              <a:latin typeface="Arial" panose="020B0604020202020204" pitchFamily="34" charset="0"/>
+            </a:endParaRPr>
+          </a:p>
+          <a:p>
+            <a:pPr marL="0" lvl="0" indent="0" eaLnBrk="0" fontAlgn="base" hangingPunct="0">
+              <a:lnSpc>
+                <a:spcPct val="100000"/>
+              </a:lnSpc>
+              <a:spcBef>
+                <a:spcPct val="0"/>
+              </a:spcBef>
+              <a:spcAft>
+                <a:spcPct val="0"/>
+              </a:spcAft>
+              <a:buNone/>
+            </a:pPr>
+            <a:r>
+              <a:rPr lang="ja-JP" altLang="en-US" sz="3600" dirty="0">
+                <a:latin typeface="Arial" panose="020B0604020202020204" pitchFamily="34" charset="0"/>
+              </a:rPr>
+              <a:t>・記録時に気分に応じたメッセージをランダム表示</a:t>
+            </a:r>
+            <a:endParaRPr kumimoji="0" lang="ja-JP" altLang="ja-JP" sz="3600" i="0" u="none" strike="noStrike" cap="none" normalizeH="0" baseline="0" dirty="0">
+              <a:ln>
+                <a:noFill/>
+              </a:ln>
+              <a:solidFill>
+                <a:schemeClr val="tx1"/>
+              </a:solidFill>
+              <a:effectLst/>
+              <a:latin typeface="Arial" panose="020B0604020202020204" pitchFamily="34" charset="0"/>
+            </a:endParaRPr>
+          </a:p>
+        </p:txBody>
+      </p:sp>
+    </p:spTree>
+    <p:extLst>
+      <p:ext uri="{BB962C8B-B14F-4D97-AF65-F5344CB8AC3E}">
+        <p14:creationId xmlns:p14="http://schemas.microsoft.com/office/powerpoint/2010/main" val="1537789222"/>
+      </p:ext>
+    </p:extLst>
+  </p:cSld>
+  <p:clrMapOvr>
+    <a:overrideClrMapping bg1="dk1" tx1="lt1" bg2="dk2" tx2="lt2" accent1="accent1" accent2="accent2" accent3="accent3" accent4="accent4" accent5="accent5" accent6="accent6" hlink="hlink" folHlink="folHlink"/>
+  </p:clrMapOvr>
+</p:sld>
+</file>
+
+<file path=ppt/slides/slide7.xml><?xml version="1.0" encoding="utf-8"?>
 <p:sld xmlns:a="http://schemas.openxmlformats.org/drawingml/2006/main" xmlns:r="http://schemas.openxmlformats.org/officeDocument/2006/relationships" xmlns:p="http://schemas.openxmlformats.org/presentationml/2006/main">
   <p:cSld>
     <p:bg>
@@ -5648,12 +5848,12 @@
               <a:buNone/>
             </a:pPr>
             <a:r>
-              <a:rPr lang="ja-JP" altLang="en-US" sz="4400" b="1" dirty="0">
+              <a:rPr lang="ja-JP" altLang="en-US" sz="4400" dirty="0">
                 <a:latin typeface="Arial" panose="020B0604020202020204" pitchFamily="34" charset="0"/>
               </a:rPr>
               <a:t>・直感的な操作性</a:t>
             </a:r>
-            <a:endParaRPr lang="en-US" altLang="ja-JP" sz="4400" b="1" dirty="0">
+            <a:endParaRPr lang="en-US" altLang="ja-JP" sz="4400" dirty="0">
               <a:latin typeface="Arial" panose="020B0604020202020204" pitchFamily="34" charset="0"/>
             </a:endParaRPr>
           </a:p>
@@ -5671,24 +5871,24 @@
               <a:buNone/>
             </a:pPr>
             <a:r>
-              <a:rPr lang="ja-JP" altLang="en-US" sz="4400" b="1" dirty="0">
+              <a:rPr lang="ja-JP" altLang="en-US" sz="4400" dirty="0">
                 <a:latin typeface="Arial" panose="020B0604020202020204" pitchFamily="34" charset="0"/>
               </a:rPr>
               <a:t>（ワンタップ記録、絵文字</a:t>
             </a:r>
             <a:r>
-              <a:rPr lang="en-US" altLang="ja-JP" sz="4400" b="1" dirty="0">
+              <a:rPr lang="en-US" altLang="ja-JP" sz="4400" dirty="0">
                 <a:latin typeface="Arial" panose="020B0604020202020204" pitchFamily="34" charset="0"/>
               </a:rPr>
               <a:t>UI</a:t>
             </a:r>
             <a:r>
-              <a:rPr lang="ja-JP" altLang="en-US" sz="4400" b="1" dirty="0">
+              <a:rPr lang="ja-JP" altLang="en-US" sz="4400" dirty="0">
                 <a:latin typeface="Arial" panose="020B0604020202020204" pitchFamily="34" charset="0"/>
               </a:rPr>
               <a:t>）</a:t>
             </a:r>
-            <a:endParaRPr lang="en-US" altLang="ja-JP" sz="4400" b="1" dirty="0">
+            <a:endParaRPr lang="en-US" altLang="ja-JP" sz="4400" dirty="0">
               <a:latin typeface="Arial" panose="020B0604020202020204" pitchFamily="34" charset="0"/>
             </a:endParaRPr>
           </a:p>
@@ -5706,12 +5906,12 @@
               <a:buNone/>
             </a:pPr>
             <a:r>
-              <a:rPr lang="ja-JP" altLang="en-US" sz="4400" b="1" dirty="0">
+              <a:rPr lang="ja-JP" altLang="en-US" sz="4400" dirty="0">
                 <a:latin typeface="Arial" panose="020B0604020202020204" pitchFamily="34" charset="0"/>
               </a:rPr>
               <a:t>・モチベーションを維持しやすい</a:t>
             </a:r>
-            <a:endParaRPr lang="en-US" altLang="ja-JP" sz="4400" b="1" dirty="0">
+            <a:endParaRPr lang="en-US" altLang="ja-JP" sz="4400" dirty="0">
               <a:latin typeface="Arial" panose="020B0604020202020204" pitchFamily="34" charset="0"/>
             </a:endParaRPr>
           </a:p>
@@ -5729,13 +5929,13 @@
               <a:buNone/>
             </a:pPr>
             <a:r>
-              <a:rPr lang="ja-JP" altLang="en-US" sz="4400" b="1" dirty="0">
+              <a:rPr lang="ja-JP" altLang="en-US" sz="4400" dirty="0">
                 <a:latin typeface="Arial" panose="020B0604020202020204" pitchFamily="34" charset="0"/>
               </a:rPr>
               <a:t>（バッジ・目標・応援メッセージ）</a:t>
             </a:r>
             <a:r>
-              <a:rPr lang="en-US" altLang="ja-JP" sz="4400" b="1" dirty="0">
+              <a:rPr lang="en-US" altLang="ja-JP" sz="4400" dirty="0">
                 <a:latin typeface="Arial" panose="020B0604020202020204" pitchFamily="34" charset="0"/>
               </a:rPr>
               <a:t> </a:t>
@@ -5755,12 +5955,12 @@
               <a:buNone/>
             </a:pPr>
             <a:r>
-              <a:rPr lang="ja-JP" altLang="en-US" sz="4400" b="1" dirty="0">
+              <a:rPr lang="ja-JP" altLang="en-US" sz="4400" dirty="0">
                 <a:latin typeface="Arial" panose="020B0604020202020204" pitchFamily="34" charset="0"/>
               </a:rPr>
               <a:t>・テーマカラーの季節感と朝夜モード</a:t>
             </a:r>
-            <a:endParaRPr lang="en-US" altLang="ja-JP" sz="4400" b="1" dirty="0">
+            <a:endParaRPr lang="en-US" altLang="ja-JP" sz="4400" dirty="0">
               <a:latin typeface="Arial" panose="020B0604020202020204" pitchFamily="34" charset="0"/>
             </a:endParaRPr>
           </a:p>
@@ -5778,12 +5978,12 @@
               <a:buNone/>
             </a:pPr>
             <a:r>
-              <a:rPr lang="ja-JP" altLang="en-US" sz="4400" b="1" dirty="0">
+              <a:rPr lang="ja-JP" altLang="en-US" sz="4400" dirty="0">
                 <a:latin typeface="Arial" panose="020B0604020202020204" pitchFamily="34" charset="0"/>
               </a:rPr>
               <a:t>・ローカル完結型（プライバシー配慮）</a:t>
             </a:r>
-            <a:endParaRPr kumimoji="0" lang="ja-JP" altLang="ja-JP" sz="4400" b="0" i="0" u="none" strike="noStrike" cap="none" normalizeH="0" baseline="0" dirty="0">
+            <a:endParaRPr kumimoji="0" lang="ja-JP" altLang="ja-JP" sz="4400" i="0" u="none" strike="noStrike" cap="none" normalizeH="0" baseline="0" dirty="0">
               <a:ln>
                 <a:noFill/>
               </a:ln>
@@ -5800,198 +6000,6 @@
     <p:extLst>
       <p:ext uri="{BB962C8B-B14F-4D97-AF65-F5344CB8AC3E}">
         <p14:creationId xmlns:p14="http://schemas.microsoft.com/office/powerpoint/2010/main" val="1108388329"/>
-      </p:ext>
-    </p:extLst>
-  </p:cSld>
-  <p:clrMapOvr>
-    <a:overrideClrMapping bg1="dk1" tx1="lt1" bg2="dk2" tx2="lt2" accent1="accent1" accent2="accent2" accent3="accent3" accent4="accent4" accent5="accent5" accent6="accent6" hlink="hlink" folHlink="folHlink"/>
-  </p:clrMapOvr>
-</p:sld>
-</file>
-
-<file path=ppt/slides/slide7.xml><?xml version="1.0" encoding="utf-8"?>
-<p:sld xmlns:a="http://schemas.openxmlformats.org/drawingml/2006/main" xmlns:r="http://schemas.openxmlformats.org/officeDocument/2006/relationships" xmlns:p="http://schemas.openxmlformats.org/presentationml/2006/main">
-  <p:cSld>
-    <p:bg>
-      <p:bgPr>
-        <a:solidFill>
-          <a:schemeClr val="bg1"/>
-        </a:solidFill>
-        <a:effectLst/>
-      </p:bgPr>
-    </p:bg>
-    <p:spTree>
-      <p:nvGrpSpPr>
-        <p:cNvPr id="1" name="">
-          <a:extLst>
-            <a:ext uri="{FF2B5EF4-FFF2-40B4-BE49-F238E27FC236}">
-              <a16:creationId xmlns:a16="http://schemas.microsoft.com/office/drawing/2014/main" id="{D118B8E9-75A6-52FC-DC38-B21ABB34FA63}"/>
-            </a:ext>
-          </a:extLst>
-        </p:cNvPr>
-        <p:cNvGrpSpPr/>
-        <p:nvPr/>
-      </p:nvGrpSpPr>
-      <p:grpSpPr>
-        <a:xfrm>
-          <a:off x="0" y="0"/>
-          <a:ext cx="0" cy="0"/>
-          <a:chOff x="0" y="0"/>
-          <a:chExt cx="0" cy="0"/>
-        </a:xfrm>
-      </p:grpSpPr>
-      <p:pic>
-        <p:nvPicPr>
-          <p:cNvPr id="16" name="Picture 3">
-            <a:extLst>
-              <a:ext uri="{FF2B5EF4-FFF2-40B4-BE49-F238E27FC236}">
-                <a16:creationId xmlns:a16="http://schemas.microsoft.com/office/drawing/2014/main" id="{F45347C1-B2D0-06C5-5B26-E904BD6D3298}"/>
-              </a:ext>
-            </a:extLst>
-          </p:cNvPr>
-          <p:cNvPicPr>
-            <a:picLocks noChangeAspect="1"/>
-          </p:cNvPicPr>
-          <p:nvPr/>
-        </p:nvPicPr>
-        <p:blipFill>
-          <a:blip r:embed="rId2"/>
-          <a:srcRect t="9452" r="-1" b="163"/>
-          <a:stretch/>
-        </p:blipFill>
-        <p:spPr>
-          <a:xfrm>
-            <a:off x="20" y="10"/>
-            <a:ext cx="12188932" cy="6857990"/>
-          </a:xfrm>
-          <a:prstGeom prst="rect">
-            <a:avLst/>
-          </a:prstGeom>
-        </p:spPr>
-      </p:pic>
-      <p:sp>
-        <p:nvSpPr>
-          <p:cNvPr id="9" name="タイトル 8">
-            <a:extLst>
-              <a:ext uri="{FF2B5EF4-FFF2-40B4-BE49-F238E27FC236}">
-                <a16:creationId xmlns:a16="http://schemas.microsoft.com/office/drawing/2014/main" id="{D9358906-2F35-B288-8F36-E10A64D7AC62}"/>
-              </a:ext>
-            </a:extLst>
-          </p:cNvPr>
-          <p:cNvSpPr>
-            <a:spLocks noGrp="1"/>
-          </p:cNvSpPr>
-          <p:nvPr>
-            <p:ph type="title"/>
-          </p:nvPr>
-        </p:nvSpPr>
-        <p:spPr>
-          <a:xfrm>
-            <a:off x="521208" y="512064"/>
-            <a:ext cx="11155680" cy="1463040"/>
-          </a:xfrm>
-        </p:spPr>
-        <p:txBody>
-          <a:bodyPr/>
-          <a:lstStyle/>
-          <a:p>
-            <a:r>
-              <a:rPr lang="ja-JP" altLang="en-US" dirty="0"/>
-              <a:t>修正・調査箇所</a:t>
-            </a:r>
-          </a:p>
-        </p:txBody>
-      </p:sp>
-      <p:sp>
-        <p:nvSpPr>
-          <p:cNvPr id="10" name="コンテンツ プレースホルダー 9">
-            <a:extLst>
-              <a:ext uri="{FF2B5EF4-FFF2-40B4-BE49-F238E27FC236}">
-                <a16:creationId xmlns:a16="http://schemas.microsoft.com/office/drawing/2014/main" id="{52D21260-DFF7-EC96-E78B-902A88BE625A}"/>
-              </a:ext>
-            </a:extLst>
-          </p:cNvPr>
-          <p:cNvSpPr>
-            <a:spLocks noGrp="1"/>
-          </p:cNvSpPr>
-          <p:nvPr>
-            <p:ph idx="1"/>
-          </p:nvPr>
-        </p:nvSpPr>
-        <p:spPr>
-          <a:xfrm>
-            <a:off x="521208" y="1975104"/>
-            <a:ext cx="11155680" cy="3767328"/>
-          </a:xfrm>
-        </p:spPr>
-        <p:txBody>
-          <a:bodyPr/>
-          <a:lstStyle/>
-          <a:p>
-            <a:r>
-              <a:rPr lang="en-US" altLang="ja-JP" sz="3200" dirty="0"/>
-              <a:t>5/7 </a:t>
-            </a:r>
-            <a:r>
-              <a:rPr lang="ja-JP" altLang="en-US" sz="3200" dirty="0"/>
-              <a:t>不具合：なし </a:t>
-            </a:r>
-            <a:endParaRPr lang="en-US" altLang="ja-JP" sz="3200" dirty="0"/>
-          </a:p>
-          <a:p>
-            <a:pPr marL="0" indent="0">
-              <a:buNone/>
-            </a:pPr>
-            <a:r>
-              <a:rPr lang="ja-JP" altLang="en-US" sz="3200" dirty="0"/>
-              <a:t>調査内容：</a:t>
-            </a:r>
-          </a:p>
-          <a:p>
-            <a:pPr marL="0" indent="0">
-              <a:buNone/>
-            </a:pPr>
-            <a:r>
-              <a:rPr lang="ja-JP" altLang="en-US" sz="3200" dirty="0"/>
-              <a:t>・</a:t>
-            </a:r>
-            <a:r>
-              <a:rPr lang="en-US" altLang="ja-JP" sz="3200" dirty="0"/>
-              <a:t>Flutter</a:t>
-            </a:r>
-            <a:r>
-              <a:rPr lang="ja-JP" altLang="en-US" sz="3200" dirty="0"/>
-              <a:t>のバージョン確認・アップデート</a:t>
-            </a:r>
-            <a:r>
-              <a:rPr lang="en-US" altLang="ja-JP" sz="3200" dirty="0"/>
-              <a:t>(3.24.4</a:t>
-            </a:r>
-            <a:r>
-              <a:rPr lang="ja-JP" altLang="en-US" sz="3200" dirty="0"/>
-              <a:t>→</a:t>
-            </a:r>
-            <a:r>
-              <a:rPr lang="en-US" altLang="ja-JP" sz="3200" dirty="0"/>
-              <a:t>3.29.3)</a:t>
-            </a:r>
-            <a:endParaRPr lang="ja-JP" altLang="en-US" sz="3200" dirty="0"/>
-          </a:p>
-          <a:p>
-            <a:pPr marL="0" indent="0">
-              <a:buNone/>
-            </a:pPr>
-            <a:r>
-              <a:rPr lang="ja-JP" altLang="en-US" sz="3200" dirty="0"/>
-              <a:t>・デバッグ実行</a:t>
-            </a:r>
-          </a:p>
-        </p:txBody>
-      </p:sp>
-    </p:spTree>
-    <p:extLst>
-      <p:ext uri="{BB962C8B-B14F-4D97-AF65-F5344CB8AC3E}">
-        <p14:creationId xmlns:p14="http://schemas.microsoft.com/office/powerpoint/2010/main" val="2632953498"/>
       </p:ext>
     </p:extLst>
   </p:cSld>
@@ -6121,28 +6129,28 @@
           <a:lstStyle/>
           <a:p>
             <a:r>
-              <a:rPr lang="ja-JP" altLang="en-US" sz="4800" dirty="0"/>
+              <a:rPr lang="ja-JP" altLang="en-US" sz="4400" dirty="0"/>
               <a:t>画像添付やカスタム気分</a:t>
             </a:r>
-            <a:endParaRPr lang="en-US" altLang="ja-JP" sz="4800" dirty="0"/>
-          </a:p>
-          <a:p>
-            <a:r>
-              <a:rPr lang="ja-JP" altLang="en-US" sz="4800" dirty="0"/>
+            <a:endParaRPr lang="en-US" altLang="ja-JP" sz="4400" dirty="0"/>
+          </a:p>
+          <a:p>
+            <a:r>
+              <a:rPr lang="ja-JP" altLang="en-US" sz="4400" dirty="0"/>
               <a:t>年間推移グラフ</a:t>
             </a:r>
-            <a:endParaRPr lang="en-US" altLang="ja-JP" sz="4800" dirty="0"/>
-          </a:p>
-          <a:p>
-            <a:r>
-              <a:rPr lang="ja-JP" altLang="en-US" sz="4800" dirty="0"/>
+            <a:endParaRPr lang="en-US" altLang="ja-JP" sz="4400" dirty="0"/>
+          </a:p>
+          <a:p>
+            <a:r>
+              <a:rPr lang="ja-JP" altLang="en-US" sz="4400" dirty="0"/>
               <a:t>バックアップ・リストア</a:t>
             </a:r>
-            <a:endParaRPr lang="en-US" altLang="ja-JP" sz="4800" dirty="0"/>
-          </a:p>
-          <a:p>
-            <a:r>
-              <a:rPr lang="ja-JP" altLang="en-US" sz="4800" dirty="0"/>
+            <a:endParaRPr lang="en-US" altLang="ja-JP" sz="4400" dirty="0"/>
+          </a:p>
+          <a:p>
+            <a:r>
+              <a:rPr lang="ja-JP" altLang="en-US" sz="4400" dirty="0"/>
               <a:t>通知リマインダー機能</a:t>
             </a:r>
           </a:p>

--- a/Flutter.pptx
+++ b/Flutter.pptx
@@ -400,7 +400,7 @@
           <a:p>
             <a:fld id="{E80C50CD-E178-4744-9B35-B2F624D6C5E9}" type="datetimeFigureOut">
               <a:rPr lang="en-US" smtClean="0"/>
-              <a:t>7/2/2025</a:t>
+              <a:t>7/9/2025</a:t>
             </a:fld>
             <a:endParaRPr lang="en-US"/>
           </a:p>
@@ -598,7 +598,7 @@
           <a:p>
             <a:fld id="{E80C50CD-E178-4744-9B35-B2F624D6C5E9}" type="datetimeFigureOut">
               <a:rPr lang="en-US" smtClean="0"/>
-              <a:t>7/2/2025</a:t>
+              <a:t>7/9/2025</a:t>
             </a:fld>
             <a:endParaRPr lang="en-US"/>
           </a:p>
@@ -806,7 +806,7 @@
           <a:p>
             <a:fld id="{E80C50CD-E178-4744-9B35-B2F624D6C5E9}" type="datetimeFigureOut">
               <a:rPr lang="en-US" smtClean="0"/>
-              <a:t>7/2/2025</a:t>
+              <a:t>7/9/2025</a:t>
             </a:fld>
             <a:endParaRPr lang="en-US"/>
           </a:p>
@@ -1056,7 +1056,7 @@
           <a:p>
             <a:fld id="{E80C50CD-E178-4744-9B35-B2F624D6C5E9}" type="datetimeFigureOut">
               <a:rPr lang="en-US" smtClean="0"/>
-              <a:t>7/2/2025</a:t>
+              <a:t>7/9/2025</a:t>
             </a:fld>
             <a:endParaRPr lang="en-US"/>
           </a:p>
@@ -1335,7 +1335,7 @@
           <a:p>
             <a:fld id="{E80C50CD-E178-4744-9B35-B2F624D6C5E9}" type="datetimeFigureOut">
               <a:rPr lang="en-US" smtClean="0"/>
-              <a:t>7/2/2025</a:t>
+              <a:t>7/9/2025</a:t>
             </a:fld>
             <a:endParaRPr lang="en-US"/>
           </a:p>
@@ -1652,7 +1652,7 @@
           <a:p>
             <a:fld id="{E80C50CD-E178-4744-9B35-B2F624D6C5E9}" type="datetimeFigureOut">
               <a:rPr lang="en-US" smtClean="0"/>
-              <a:t>7/2/2025</a:t>
+              <a:t>7/9/2025</a:t>
             </a:fld>
             <a:endParaRPr lang="en-US"/>
           </a:p>
@@ -2068,7 +2068,7 @@
           <a:p>
             <a:fld id="{E80C50CD-E178-4744-9B35-B2F624D6C5E9}" type="datetimeFigureOut">
               <a:rPr lang="en-US" smtClean="0"/>
-              <a:t>7/2/2025</a:t>
+              <a:t>7/9/2025</a:t>
             </a:fld>
             <a:endParaRPr lang="en-US"/>
           </a:p>
@@ -2209,7 +2209,7 @@
           <a:p>
             <a:fld id="{E80C50CD-E178-4744-9B35-B2F624D6C5E9}" type="datetimeFigureOut">
               <a:rPr lang="en-US" smtClean="0"/>
-              <a:t>7/2/2025</a:t>
+              <a:t>7/9/2025</a:t>
             </a:fld>
             <a:endParaRPr lang="en-US"/>
           </a:p>
@@ -2322,7 +2322,7 @@
           <a:p>
             <a:fld id="{E80C50CD-E178-4744-9B35-B2F624D6C5E9}" type="datetimeFigureOut">
               <a:rPr lang="en-US" smtClean="0"/>
-              <a:t>7/2/2025</a:t>
+              <a:t>7/9/2025</a:t>
             </a:fld>
             <a:endParaRPr lang="en-US"/>
           </a:p>
@@ -2639,7 +2639,7 @@
           <a:p>
             <a:fld id="{E80C50CD-E178-4744-9B35-B2F624D6C5E9}" type="datetimeFigureOut">
               <a:rPr lang="en-US" smtClean="0"/>
-              <a:t>7/2/2025</a:t>
+              <a:t>7/9/2025</a:t>
             </a:fld>
             <a:endParaRPr lang="en-US"/>
           </a:p>
@@ -2931,7 +2931,7 @@
           <a:p>
             <a:fld id="{E80C50CD-E178-4744-9B35-B2F624D6C5E9}" type="datetimeFigureOut">
               <a:rPr lang="en-US" smtClean="0"/>
-              <a:t>7/2/2025</a:t>
+              <a:t>7/9/2025</a:t>
             </a:fld>
             <a:endParaRPr lang="en-US"/>
           </a:p>
@@ -3167,7 +3167,7 @@
             <a:fld id="{E80C50CD-E178-4744-9B35-B2F624D6C5E9}" type="datetimeFigureOut">
               <a:rPr lang="en-US" smtClean="0"/>
               <a:pPr/>
-              <a:t>7/2/2025</a:t>
+              <a:t>7/9/2025</a:t>
             </a:fld>
             <a:endParaRPr lang="en-US"/>
           </a:p>
@@ -3967,14 +3967,7 @@
           <a:p>
             <a:r>
               <a:rPr kumimoji="1" lang="ja-JP" altLang="en-US" sz="6600" dirty="0"/>
-              <a:t>きぶん</a:t>
-            </a:r>
-            <a:br>
-              <a:rPr kumimoji="1" lang="en-US" altLang="ja-JP" sz="6600" dirty="0"/>
-            </a:br>
-            <a:r>
-              <a:rPr kumimoji="1" lang="ja-JP" altLang="en-US" sz="6600" dirty="0"/>
-              <a:t>日記</a:t>
+              <a:t>きぶん日記</a:t>
             </a:r>
             <a:br>
               <a:rPr kumimoji="1" lang="en-US" altLang="ja-JP" sz="6600" dirty="0"/>
@@ -4996,8 +4989,8 @@
         </p:nvSpPr>
         <p:spPr bwMode="auto">
           <a:xfrm>
-            <a:off x="515112" y="1880676"/>
-            <a:ext cx="11172289" cy="4401205"/>
+            <a:off x="515112" y="2188453"/>
+            <a:ext cx="10197663" cy="3785652"/>
           </a:xfrm>
           <a:prstGeom prst="rect">
             <a:avLst/>
@@ -5058,18 +5051,18 @@
               <a:buNone/>
             </a:pPr>
             <a:r>
-              <a:rPr lang="en-US" altLang="ja-JP" sz="4000" dirty="0">
+              <a:rPr lang="en-US" altLang="ja-JP" sz="4800" dirty="0">
                 <a:latin typeface="Arial" panose="020B0604020202020204" pitchFamily="34" charset="0"/>
               </a:rPr>
               <a:t>3. </a:t>
             </a:r>
             <a:r>
-              <a:rPr lang="ja-JP" altLang="en-US" sz="4000" dirty="0">
+              <a:rPr lang="ja-JP" altLang="en-US" sz="4800" dirty="0">
                 <a:latin typeface="Arial" panose="020B0604020202020204" pitchFamily="34" charset="0"/>
               </a:rPr>
               <a:t>フィルター・カレンダー</a:t>
             </a:r>
-            <a:endParaRPr lang="en-US" altLang="ja-JP" sz="4000" dirty="0">
+            <a:endParaRPr lang="en-US" altLang="ja-JP" sz="4800" dirty="0">
               <a:latin typeface="Arial" panose="020B0604020202020204" pitchFamily="34" charset="0"/>
             </a:endParaRPr>
           </a:p>
@@ -5087,36 +5080,36 @@
               <a:buNone/>
             </a:pPr>
             <a:r>
-              <a:rPr lang="ja-JP" altLang="en-US" sz="4000" dirty="0">
+              <a:rPr lang="ja-JP" altLang="en-US" sz="4800" dirty="0">
                 <a:latin typeface="Arial" panose="020B0604020202020204" pitchFamily="34" charset="0"/>
               </a:rPr>
               <a:t>・年</a:t>
             </a:r>
             <a:r>
-              <a:rPr lang="en-US" altLang="ja-JP" sz="4000" dirty="0">
+              <a:rPr lang="en-US" altLang="ja-JP" sz="4800" dirty="0">
                 <a:latin typeface="Arial" panose="020B0604020202020204" pitchFamily="34" charset="0"/>
               </a:rPr>
               <a:t>/</a:t>
             </a:r>
             <a:r>
-              <a:rPr lang="ja-JP" altLang="en-US" sz="4000" dirty="0">
+              <a:rPr lang="ja-JP" altLang="en-US" sz="4800" dirty="0">
                 <a:latin typeface="Arial" panose="020B0604020202020204" pitchFamily="34" charset="0"/>
               </a:rPr>
               <a:t>月</a:t>
             </a:r>
             <a:r>
-              <a:rPr lang="en-US" altLang="ja-JP" sz="4000" dirty="0">
+              <a:rPr lang="en-US" altLang="ja-JP" sz="4800" dirty="0">
                 <a:latin typeface="Arial" panose="020B0604020202020204" pitchFamily="34" charset="0"/>
               </a:rPr>
               <a:t>/</a:t>
             </a:r>
             <a:r>
-              <a:rPr lang="ja-JP" altLang="en-US" sz="4000" dirty="0">
+              <a:rPr lang="ja-JP" altLang="en-US" sz="4800" dirty="0">
                 <a:latin typeface="Arial" panose="020B0604020202020204" pitchFamily="34" charset="0"/>
               </a:rPr>
               <a:t>週単位で絞り込み</a:t>
             </a:r>
-            <a:endParaRPr lang="en-US" altLang="ja-JP" sz="4000" dirty="0">
+            <a:endParaRPr lang="en-US" altLang="ja-JP" sz="4800" dirty="0">
               <a:latin typeface="Arial" panose="020B0604020202020204" pitchFamily="34" charset="0"/>
             </a:endParaRPr>
           </a:p>
@@ -5134,12 +5127,12 @@
               <a:buNone/>
             </a:pPr>
             <a:r>
-              <a:rPr lang="ja-JP" altLang="en-US" sz="4000" dirty="0">
+              <a:rPr lang="ja-JP" altLang="en-US" sz="4800" dirty="0">
                 <a:latin typeface="Arial" panose="020B0604020202020204" pitchFamily="34" charset="0"/>
               </a:rPr>
               <a:t>・気分ごと（絵文字）にフィルター</a:t>
             </a:r>
-            <a:endParaRPr lang="en-US" altLang="ja-JP" sz="4000" b="1" dirty="0">
+            <a:endParaRPr lang="en-US" altLang="ja-JP" sz="4800" b="1" dirty="0">
               <a:latin typeface="Arial" panose="020B0604020202020204" pitchFamily="34" charset="0"/>
             </a:endParaRPr>
           </a:p>
@@ -5157,18 +5150,18 @@
               <a:buNone/>
             </a:pPr>
             <a:r>
-              <a:rPr lang="en-US" altLang="ja-JP" sz="4000" dirty="0">
+              <a:rPr lang="en-US" altLang="ja-JP" sz="4800" dirty="0">
                 <a:latin typeface="Arial" panose="020B0604020202020204" pitchFamily="34" charset="0"/>
               </a:rPr>
               <a:t>4. </a:t>
             </a:r>
             <a:r>
-              <a:rPr lang="ja-JP" altLang="en-US" sz="4000" dirty="0">
+              <a:rPr lang="ja-JP" altLang="en-US" sz="4800" dirty="0">
                 <a:latin typeface="Arial" panose="020B0604020202020204" pitchFamily="34" charset="0"/>
               </a:rPr>
               <a:t>棒グラフによる可視化</a:t>
             </a:r>
-            <a:endParaRPr lang="en-US" altLang="ja-JP" sz="4000" dirty="0">
+            <a:endParaRPr lang="en-US" altLang="ja-JP" sz="4800" dirty="0">
               <a:latin typeface="Arial" panose="020B0604020202020204" pitchFamily="34" charset="0"/>
             </a:endParaRPr>
           </a:p>
@@ -5186,58 +5179,12 @@
               <a:buNone/>
             </a:pPr>
             <a:r>
-              <a:rPr lang="ja-JP" altLang="en-US" sz="4000" dirty="0">
+              <a:rPr lang="ja-JP" altLang="en-US" sz="4800" dirty="0">
                 <a:latin typeface="Arial" panose="020B0604020202020204" pitchFamily="34" charset="0"/>
               </a:rPr>
-              <a:t>・月ごとに気分の出現頻度をグラフ化</a:t>
-            </a:r>
-            <a:endParaRPr lang="en-US" altLang="ja-JP" sz="4000" dirty="0">
-              <a:latin typeface="Arial" panose="020B0604020202020204" pitchFamily="34" charset="0"/>
-            </a:endParaRPr>
-          </a:p>
-          <a:p>
-            <a:pPr marL="0" lvl="0" indent="0" eaLnBrk="0" fontAlgn="base" hangingPunct="0">
-              <a:lnSpc>
-                <a:spcPct val="100000"/>
-              </a:lnSpc>
-              <a:spcBef>
-                <a:spcPct val="0"/>
-              </a:spcBef>
-              <a:spcAft>
-                <a:spcPct val="0"/>
-              </a:spcAft>
-              <a:buNone/>
-            </a:pPr>
-            <a:r>
-              <a:rPr lang="ja-JP" altLang="en-US" sz="4000" dirty="0">
-                <a:latin typeface="Arial" panose="020B0604020202020204" pitchFamily="34" charset="0"/>
-              </a:rPr>
-              <a:t>・棒の幅や余白も自動調整し、中央にバランス</a:t>
-            </a:r>
-            <a:endParaRPr lang="en-US" altLang="ja-JP" sz="4000" dirty="0">
-              <a:latin typeface="Arial" panose="020B0604020202020204" pitchFamily="34" charset="0"/>
-            </a:endParaRPr>
-          </a:p>
-          <a:p>
-            <a:pPr marL="0" lvl="0" indent="0" eaLnBrk="0" fontAlgn="base" hangingPunct="0">
-              <a:lnSpc>
-                <a:spcPct val="100000"/>
-              </a:lnSpc>
-              <a:spcBef>
-                <a:spcPct val="0"/>
-              </a:spcBef>
-              <a:spcAft>
-                <a:spcPct val="0"/>
-              </a:spcAft>
-              <a:buNone/>
-            </a:pPr>
-            <a:r>
-              <a:rPr lang="ja-JP" altLang="en-US" sz="4000" dirty="0">
-                <a:latin typeface="Arial" panose="020B0604020202020204" pitchFamily="34" charset="0"/>
-              </a:rPr>
-              <a:t>良く配置</a:t>
-            </a:r>
-            <a:endParaRPr lang="en-US" altLang="ja-JP" sz="4000" dirty="0">
+              <a:t>・月ごとに選択した気分をグラフ化</a:t>
+            </a:r>
+            <a:endParaRPr lang="en-US" altLang="ja-JP" sz="4800" dirty="0">
               <a:latin typeface="Arial" panose="020B0604020202020204" pitchFamily="34" charset="0"/>
             </a:endParaRPr>
           </a:p>
@@ -5786,8 +5733,8 @@
         </p:nvSpPr>
         <p:spPr bwMode="auto">
           <a:xfrm>
-            <a:off x="515112" y="2003788"/>
-            <a:ext cx="10554812" cy="4154984"/>
+            <a:off x="515112" y="2188454"/>
+            <a:ext cx="10823476" cy="3785652"/>
           </a:xfrm>
           <a:prstGeom prst="rect">
             <a:avLst/>
@@ -5848,12 +5795,12 @@
               <a:buNone/>
             </a:pPr>
             <a:r>
-              <a:rPr lang="ja-JP" altLang="en-US" sz="4400" dirty="0">
+              <a:rPr lang="ja-JP" altLang="en-US" sz="4800" dirty="0">
                 <a:latin typeface="Arial" panose="020B0604020202020204" pitchFamily="34" charset="0"/>
               </a:rPr>
               <a:t>・直感的な操作性</a:t>
             </a:r>
-            <a:endParaRPr lang="en-US" altLang="ja-JP" sz="4400" dirty="0">
+            <a:endParaRPr lang="en-US" altLang="ja-JP" sz="4800" dirty="0">
               <a:latin typeface="Arial" panose="020B0604020202020204" pitchFamily="34" charset="0"/>
             </a:endParaRPr>
           </a:p>
@@ -5871,24 +5818,24 @@
               <a:buNone/>
             </a:pPr>
             <a:r>
-              <a:rPr lang="ja-JP" altLang="en-US" sz="4400" dirty="0">
+              <a:rPr lang="ja-JP" altLang="en-US" sz="4800" dirty="0">
                 <a:latin typeface="Arial" panose="020B0604020202020204" pitchFamily="34" charset="0"/>
               </a:rPr>
               <a:t>（ワンタップ記録、絵文字</a:t>
             </a:r>
             <a:r>
-              <a:rPr lang="en-US" altLang="ja-JP" sz="4400" dirty="0">
+              <a:rPr lang="en-US" altLang="ja-JP" sz="4800" dirty="0">
                 <a:latin typeface="Arial" panose="020B0604020202020204" pitchFamily="34" charset="0"/>
               </a:rPr>
               <a:t>UI</a:t>
             </a:r>
             <a:r>
-              <a:rPr lang="ja-JP" altLang="en-US" sz="4400" dirty="0">
+              <a:rPr lang="ja-JP" altLang="en-US" sz="4800" dirty="0">
                 <a:latin typeface="Arial" panose="020B0604020202020204" pitchFamily="34" charset="0"/>
               </a:rPr>
               <a:t>）</a:t>
             </a:r>
-            <a:endParaRPr lang="en-US" altLang="ja-JP" sz="4400" dirty="0">
+            <a:endParaRPr lang="en-US" altLang="ja-JP" sz="4800" dirty="0">
               <a:latin typeface="Arial" panose="020B0604020202020204" pitchFamily="34" charset="0"/>
             </a:endParaRPr>
           </a:p>
@@ -5906,12 +5853,12 @@
               <a:buNone/>
             </a:pPr>
             <a:r>
-              <a:rPr lang="ja-JP" altLang="en-US" sz="4400" dirty="0">
+              <a:rPr lang="ja-JP" altLang="en-US" sz="4800" dirty="0">
                 <a:latin typeface="Arial" panose="020B0604020202020204" pitchFamily="34" charset="0"/>
               </a:rPr>
               <a:t>・モチベーションを維持しやすい</a:t>
             </a:r>
-            <a:endParaRPr lang="en-US" altLang="ja-JP" sz="4400" dirty="0">
+            <a:endParaRPr lang="en-US" altLang="ja-JP" sz="4800" dirty="0">
               <a:latin typeface="Arial" panose="020B0604020202020204" pitchFamily="34" charset="0"/>
             </a:endParaRPr>
           </a:p>
@@ -5929,13 +5876,13 @@
               <a:buNone/>
             </a:pPr>
             <a:r>
-              <a:rPr lang="ja-JP" altLang="en-US" sz="4400" dirty="0">
+              <a:rPr lang="ja-JP" altLang="en-US" sz="4800" dirty="0">
                 <a:latin typeface="Arial" panose="020B0604020202020204" pitchFamily="34" charset="0"/>
               </a:rPr>
               <a:t>（バッジ・目標・応援メッセージ）</a:t>
             </a:r>
             <a:r>
-              <a:rPr lang="en-US" altLang="ja-JP" sz="4400" dirty="0">
+              <a:rPr lang="en-US" altLang="ja-JP" sz="4800" dirty="0">
                 <a:latin typeface="Arial" panose="020B0604020202020204" pitchFamily="34" charset="0"/>
               </a:rPr>
               <a:t> </a:t>
@@ -5955,42 +5902,12 @@
               <a:buNone/>
             </a:pPr>
             <a:r>
-              <a:rPr lang="ja-JP" altLang="en-US" sz="4400" dirty="0">
+              <a:rPr lang="ja-JP" altLang="en-US" sz="4800" dirty="0">
                 <a:latin typeface="Arial" panose="020B0604020202020204" pitchFamily="34" charset="0"/>
               </a:rPr>
               <a:t>・テーマカラーの季節感と朝夜モード</a:t>
             </a:r>
-            <a:endParaRPr lang="en-US" altLang="ja-JP" sz="4400" dirty="0">
-              <a:latin typeface="Arial" panose="020B0604020202020204" pitchFamily="34" charset="0"/>
-            </a:endParaRPr>
-          </a:p>
-          <a:p>
-            <a:pPr marL="0" lvl="0" indent="0" eaLnBrk="0" fontAlgn="base" hangingPunct="0">
-              <a:lnSpc>
-                <a:spcPct val="100000"/>
-              </a:lnSpc>
-              <a:spcBef>
-                <a:spcPct val="0"/>
-              </a:spcBef>
-              <a:spcAft>
-                <a:spcPct val="0"/>
-              </a:spcAft>
-              <a:buNone/>
-            </a:pPr>
-            <a:r>
-              <a:rPr lang="ja-JP" altLang="en-US" sz="4400" dirty="0">
-                <a:latin typeface="Arial" panose="020B0604020202020204" pitchFamily="34" charset="0"/>
-              </a:rPr>
-              <a:t>・ローカル完結型（プライバシー配慮）</a:t>
-            </a:r>
-            <a:endParaRPr kumimoji="0" lang="ja-JP" altLang="ja-JP" sz="4400" i="0" u="none" strike="noStrike" cap="none" normalizeH="0" baseline="0" dirty="0">
-              <a:ln>
-                <a:noFill/>
-              </a:ln>
-              <a:solidFill>
-                <a:schemeClr val="tx1"/>
-              </a:solidFill>
-              <a:effectLst/>
+            <a:endParaRPr lang="en-US" altLang="ja-JP" sz="4800" dirty="0">
               <a:latin typeface="Arial" panose="020B0604020202020204" pitchFamily="34" charset="0"/>
             </a:endParaRPr>
           </a:p>

--- a/Flutter.pptx
+++ b/Flutter.pptx
@@ -5,14 +5,15 @@
     <p:sldMasterId id="2147483746" r:id="rId1"/>
   </p:sldMasterIdLst>
   <p:sldIdLst>
-    <p:sldId id="256" r:id="rId2"/>
+    <p:sldId id="266" r:id="rId2"/>
     <p:sldId id="257" r:id="rId3"/>
     <p:sldId id="258" r:id="rId4"/>
     <p:sldId id="259" r:id="rId5"/>
     <p:sldId id="262" r:id="rId6"/>
     <p:sldId id="264" r:id="rId7"/>
-    <p:sldId id="263" r:id="rId8"/>
-    <p:sldId id="261" r:id="rId9"/>
+    <p:sldId id="265" r:id="rId8"/>
+    <p:sldId id="263" r:id="rId9"/>
+    <p:sldId id="261" r:id="rId10"/>
   </p:sldIdLst>
   <p:sldSz cx="12192000" cy="6858000"/>
   <p:notesSz cx="6858000" cy="9144000"/>
@@ -400,7 +401,7 @@
           <a:p>
             <a:fld id="{E80C50CD-E178-4744-9B35-B2F624D6C5E9}" type="datetimeFigureOut">
               <a:rPr lang="en-US" smtClean="0"/>
-              <a:t>7/9/2025</a:t>
+              <a:t>7/14/2025</a:t>
             </a:fld>
             <a:endParaRPr lang="en-US"/>
           </a:p>
@@ -598,7 +599,7 @@
           <a:p>
             <a:fld id="{E80C50CD-E178-4744-9B35-B2F624D6C5E9}" type="datetimeFigureOut">
               <a:rPr lang="en-US" smtClean="0"/>
-              <a:t>7/9/2025</a:t>
+              <a:t>7/14/2025</a:t>
             </a:fld>
             <a:endParaRPr lang="en-US"/>
           </a:p>
@@ -806,7 +807,7 @@
           <a:p>
             <a:fld id="{E80C50CD-E178-4744-9B35-B2F624D6C5E9}" type="datetimeFigureOut">
               <a:rPr lang="en-US" smtClean="0"/>
-              <a:t>7/9/2025</a:t>
+              <a:t>7/14/2025</a:t>
             </a:fld>
             <a:endParaRPr lang="en-US"/>
           </a:p>
@@ -1056,7 +1057,7 @@
           <a:p>
             <a:fld id="{E80C50CD-E178-4744-9B35-B2F624D6C5E9}" type="datetimeFigureOut">
               <a:rPr lang="en-US" smtClean="0"/>
-              <a:t>7/9/2025</a:t>
+              <a:t>7/14/2025</a:t>
             </a:fld>
             <a:endParaRPr lang="en-US"/>
           </a:p>
@@ -1335,7 +1336,7 @@
           <a:p>
             <a:fld id="{E80C50CD-E178-4744-9B35-B2F624D6C5E9}" type="datetimeFigureOut">
               <a:rPr lang="en-US" smtClean="0"/>
-              <a:t>7/9/2025</a:t>
+              <a:t>7/14/2025</a:t>
             </a:fld>
             <a:endParaRPr lang="en-US"/>
           </a:p>
@@ -1652,7 +1653,7 @@
           <a:p>
             <a:fld id="{E80C50CD-E178-4744-9B35-B2F624D6C5E9}" type="datetimeFigureOut">
               <a:rPr lang="en-US" smtClean="0"/>
-              <a:t>7/9/2025</a:t>
+              <a:t>7/14/2025</a:t>
             </a:fld>
             <a:endParaRPr lang="en-US"/>
           </a:p>
@@ -2068,7 +2069,7 @@
           <a:p>
             <a:fld id="{E80C50CD-E178-4744-9B35-B2F624D6C5E9}" type="datetimeFigureOut">
               <a:rPr lang="en-US" smtClean="0"/>
-              <a:t>7/9/2025</a:t>
+              <a:t>7/14/2025</a:t>
             </a:fld>
             <a:endParaRPr lang="en-US"/>
           </a:p>
@@ -2209,7 +2210,7 @@
           <a:p>
             <a:fld id="{E80C50CD-E178-4744-9B35-B2F624D6C5E9}" type="datetimeFigureOut">
               <a:rPr lang="en-US" smtClean="0"/>
-              <a:t>7/9/2025</a:t>
+              <a:t>7/14/2025</a:t>
             </a:fld>
             <a:endParaRPr lang="en-US"/>
           </a:p>
@@ -2322,7 +2323,7 @@
           <a:p>
             <a:fld id="{E80C50CD-E178-4744-9B35-B2F624D6C5E9}" type="datetimeFigureOut">
               <a:rPr lang="en-US" smtClean="0"/>
-              <a:t>7/9/2025</a:t>
+              <a:t>7/14/2025</a:t>
             </a:fld>
             <a:endParaRPr lang="en-US"/>
           </a:p>
@@ -2639,7 +2640,7 @@
           <a:p>
             <a:fld id="{E80C50CD-E178-4744-9B35-B2F624D6C5E9}" type="datetimeFigureOut">
               <a:rPr lang="en-US" smtClean="0"/>
-              <a:t>7/9/2025</a:t>
+              <a:t>7/14/2025</a:t>
             </a:fld>
             <a:endParaRPr lang="en-US"/>
           </a:p>
@@ -2931,7 +2932,7 @@
           <a:p>
             <a:fld id="{E80C50CD-E178-4744-9B35-B2F624D6C5E9}" type="datetimeFigureOut">
               <a:rPr lang="en-US" smtClean="0"/>
-              <a:t>7/9/2025</a:t>
+              <a:t>7/14/2025</a:t>
             </a:fld>
             <a:endParaRPr lang="en-US"/>
           </a:p>
@@ -3167,7 +3168,7 @@
             <a:fld id="{E80C50CD-E178-4744-9B35-B2F624D6C5E9}" type="datetimeFigureOut">
               <a:rPr lang="en-US" smtClean="0"/>
               <a:pPr/>
-              <a:t>7/9/2025</a:t>
+              <a:t>7/14/2025</a:t>
             </a:fld>
             <a:endParaRPr lang="en-US"/>
           </a:p>
@@ -3677,7 +3678,13 @@
     </p:bg>
     <p:spTree>
       <p:nvGrpSpPr>
-        <p:cNvPr id="1" name=""/>
+        <p:cNvPr id="1" name="">
+          <a:extLst>
+            <a:ext uri="{FF2B5EF4-FFF2-40B4-BE49-F238E27FC236}">
+              <a16:creationId xmlns:a16="http://schemas.microsoft.com/office/drawing/2014/main" id="{5F222F03-38FC-D979-C179-2B098B060B85}"/>
+            </a:ext>
+          </a:extLst>
+        </p:cNvPr>
         <p:cNvGrpSpPr/>
         <p:nvPr/>
       </p:nvGrpSpPr>
@@ -3689,117 +3696,12 @@
           <a:chExt cx="0" cy="0"/>
         </a:xfrm>
       </p:grpSpPr>
-      <p:sp useBgFill="1">
-        <p:nvSpPr>
-          <p:cNvPr id="23" name="Rectangle 22">
-            <a:extLst>
-              <a:ext uri="{FF2B5EF4-FFF2-40B4-BE49-F238E27FC236}">
-                <a16:creationId xmlns:a16="http://schemas.microsoft.com/office/drawing/2014/main" id="{33E93247-6229-44AB-A550-739E971E690B}"/>
-              </a:ext>
-              <a:ext uri="{C183D7F6-B498-43B3-948B-1728B52AA6E4}">
-                <adec:decorative xmlns:adec="http://schemas.microsoft.com/office/drawing/2017/decorative" val="1"/>
-              </a:ext>
-            </a:extLst>
-          </p:cNvPr>
-          <p:cNvSpPr>
-            <a:spLocks noGrp="1" noRot="1" noChangeAspect="1" noMove="1" noResize="1" noEditPoints="1" noAdjustHandles="1" noChangeArrowheads="1" noChangeShapeType="1" noTextEdit="1"/>
-          </p:cNvSpPr>
-          <p:nvPr>
-            <p:extLst>
-              <p:ext uri="{386F3935-93C4-4BCD-93E2-E3B085C9AB24}">
-                <p16:designElem xmlns:p16="http://schemas.microsoft.com/office/powerpoint/2015/main" val="1"/>
-              </p:ext>
-            </p:extLst>
-          </p:nvPr>
-        </p:nvSpPr>
-        <p:spPr>
-          <a:xfrm>
-            <a:off x="0" y="0"/>
-            <a:ext cx="12192000" cy="6858000"/>
-          </a:xfrm>
-          <a:prstGeom prst="rect">
-            <a:avLst/>
-          </a:prstGeom>
-          <a:ln w="12700" cap="flat" cmpd="sng" algn="ctr">
-            <a:noFill/>
-            <a:prstDash val="solid"/>
-            <a:miter lim="800000"/>
-          </a:ln>
-          <a:effectLst/>
-          <a:extLst>
-            <a:ext uri="{91240B29-F687-4F45-9708-019B960494DF}">
-              <a14:hiddenLine xmlns:a14="http://schemas.microsoft.com/office/drawing/2010/main" w="12700" cap="flat" cmpd="sng" algn="ctr">
-                <a:solidFill>
-                  <a:schemeClr val="accent1">
-                    <a:shade val="50000"/>
-                  </a:schemeClr>
-                </a:solidFill>
-                <a:prstDash val="solid"/>
-                <a:miter lim="800000"/>
-              </a14:hiddenLine>
-            </a:ext>
-          </a:extLst>
-        </p:spPr>
-        <p:style>
-          <a:lnRef idx="2">
-            <a:schemeClr val="accent1">
-              <a:shade val="50000"/>
-            </a:schemeClr>
-          </a:lnRef>
-          <a:fillRef idx="1">
-            <a:schemeClr val="accent1"/>
-          </a:fillRef>
-          <a:effectRef idx="0">
-            <a:schemeClr val="accent1"/>
-          </a:effectRef>
-          <a:fontRef idx="minor">
-            <a:schemeClr val="lt1"/>
-          </a:fontRef>
-        </p:style>
-        <p:txBody>
-          <a:bodyPr rtlCol="0" anchor="ctr"/>
-          <a:lstStyle/>
-          <a:p>
-            <a:pPr marL="0" marR="0" lvl="0" indent="0" algn="ctr" defTabSz="914400" rtl="0" eaLnBrk="1" fontAlgn="auto" latinLnBrk="0" hangingPunct="1">
-              <a:lnSpc>
-                <a:spcPct val="100000"/>
-              </a:lnSpc>
-              <a:spcBef>
-                <a:spcPts val="0"/>
-              </a:spcBef>
-              <a:spcAft>
-                <a:spcPts val="0"/>
-              </a:spcAft>
-              <a:buClrTx/>
-              <a:buSzTx/>
-              <a:buFontTx/>
-              <a:buNone/>
-              <a:tabLst/>
-              <a:defRPr/>
-            </a:pPr>
-            <a:endParaRPr kumimoji="0" lang="en-US" sz="1800" b="0" i="0" u="none" strike="noStrike" kern="1200" cap="none" spc="0" normalizeH="0" baseline="0" noProof="0">
-              <a:ln>
-                <a:noFill/>
-              </a:ln>
-              <a:solidFill>
-                <a:prstClr val="white"/>
-              </a:solidFill>
-              <a:effectLst/>
-              <a:uLnTx/>
-              <a:uFillTx/>
-              <a:latin typeface="Bierstadt"/>
-              <a:ea typeface="+mn-ea"/>
-              <a:cs typeface="+mn-cs"/>
-            </a:endParaRPr>
-          </a:p>
-        </p:txBody>
-      </p:sp>
       <p:pic>
         <p:nvPicPr>
           <p:cNvPr id="16" name="Picture 3">
             <a:extLst>
               <a:ext uri="{FF2B5EF4-FFF2-40B4-BE49-F238E27FC236}">
-                <a16:creationId xmlns:a16="http://schemas.microsoft.com/office/drawing/2014/main" id="{386996B5-4500-5269-E65F-5594942073E6}"/>
+                <a16:creationId xmlns:a16="http://schemas.microsoft.com/office/drawing/2014/main" id="{7431475A-D166-8EC1-4937-C46F4330AA5E}"/>
               </a:ext>
             </a:extLst>
           </p:cNvPr>
@@ -3810,13 +3712,13 @@
         </p:nvPicPr>
         <p:blipFill>
           <a:blip r:embed="rId2"/>
-          <a:srcRect t="16181" r="8502" b="1140"/>
+          <a:srcRect t="9452" r="-1" b="163"/>
           <a:stretch/>
         </p:blipFill>
         <p:spPr>
           <a:xfrm>
-            <a:off x="20" y="10"/>
-            <a:ext cx="12191979" cy="6857990"/>
+            <a:off x="3068" y="10"/>
+            <a:ext cx="12188932" cy="6857990"/>
           </a:xfrm>
           <a:prstGeom prst="rect">
             <a:avLst/>
@@ -3825,292 +3727,80 @@
       </p:pic>
       <p:sp>
         <p:nvSpPr>
-          <p:cNvPr id="25" name="Rectangle 24">
-            <a:extLst>
-              <a:ext uri="{FF2B5EF4-FFF2-40B4-BE49-F238E27FC236}">
-                <a16:creationId xmlns:a16="http://schemas.microsoft.com/office/drawing/2014/main" id="{912025B4-7337-735E-4DC9-E634D2011984}"/>
-              </a:ext>
-              <a:ext uri="{C183D7F6-B498-43B3-948B-1728B52AA6E4}">
-                <adec:decorative xmlns:adec="http://schemas.microsoft.com/office/drawing/2017/decorative" val="1"/>
-              </a:ext>
-            </a:extLst>
-          </p:cNvPr>
-          <p:cNvSpPr>
-            <a:spLocks noGrp="1" noRot="1" noChangeAspect="1" noMove="1" noResize="1" noEditPoints="1" noAdjustHandles="1" noChangeArrowheads="1" noChangeShapeType="1" noTextEdit="1"/>
-          </p:cNvSpPr>
-          <p:nvPr>
-            <p:extLst>
-              <p:ext uri="{386F3935-93C4-4BCD-93E2-E3B085C9AB24}">
-                <p16:designElem xmlns:p16="http://schemas.microsoft.com/office/powerpoint/2015/main" val="1"/>
-              </p:ext>
-            </p:extLst>
+          <p:cNvPr id="9" name="タイトル 8">
+            <a:extLst>
+              <a:ext uri="{FF2B5EF4-FFF2-40B4-BE49-F238E27FC236}">
+                <a16:creationId xmlns:a16="http://schemas.microsoft.com/office/drawing/2014/main" id="{0363BF1F-9943-063D-0A3D-5985BD6348D2}"/>
+              </a:ext>
+            </a:extLst>
+          </p:cNvPr>
+          <p:cNvSpPr>
+            <a:spLocks noGrp="1"/>
+          </p:cNvSpPr>
+          <p:nvPr>
+            <p:ph type="title"/>
           </p:nvPr>
         </p:nvSpPr>
         <p:spPr>
-          <a:xfrm rot="5400000">
-            <a:off x="-173183" y="173181"/>
-            <a:ext cx="6858002" cy="6511640"/>
+          <a:xfrm>
+            <a:off x="3766129" y="2490651"/>
+            <a:ext cx="4659739" cy="1463040"/>
+          </a:xfrm>
+        </p:spPr>
+        <p:txBody>
+          <a:bodyPr/>
+          <a:lstStyle/>
+          <a:p>
+            <a:r>
+              <a:rPr lang="ja-JP" altLang="en-US" sz="6600" dirty="0">
+                <a:latin typeface="+mj-ea"/>
+              </a:rPr>
+              <a:t>きぶん日記</a:t>
+            </a:r>
+          </a:p>
+        </p:txBody>
+      </p:sp>
+      <p:sp>
+        <p:nvSpPr>
+          <p:cNvPr id="7" name="テキスト ボックス 6">
+            <a:extLst>
+              <a:ext uri="{FF2B5EF4-FFF2-40B4-BE49-F238E27FC236}">
+                <a16:creationId xmlns:a16="http://schemas.microsoft.com/office/drawing/2014/main" id="{1D6251EC-ECFE-658A-13AA-358B427FEB69}"/>
+              </a:ext>
+            </a:extLst>
+          </p:cNvPr>
+          <p:cNvSpPr txBox="1"/>
+          <p:nvPr/>
+        </p:nvSpPr>
+        <p:spPr>
+          <a:xfrm>
+            <a:off x="5176156" y="4975163"/>
+            <a:ext cx="1839686" cy="584775"/>
           </a:xfrm>
           <a:prstGeom prst="rect">
             <a:avLst/>
           </a:prstGeom>
-          <a:gradFill>
-            <a:gsLst>
-              <a:gs pos="0">
-                <a:schemeClr val="bg1">
-                  <a:alpha val="0"/>
-                </a:schemeClr>
-              </a:gs>
-              <a:gs pos="46000">
-                <a:schemeClr val="bg1">
-                  <a:alpha val="20000"/>
-                </a:schemeClr>
-              </a:gs>
-              <a:gs pos="26000">
-                <a:schemeClr val="bg1">
-                  <a:alpha val="7000"/>
-                </a:schemeClr>
-              </a:gs>
-              <a:gs pos="100000">
-                <a:schemeClr val="bg1">
-                  <a:alpha val="35000"/>
-                </a:schemeClr>
-              </a:gs>
-            </a:gsLst>
-            <a:lin ang="5400000" scaled="1"/>
-          </a:gradFill>
-          <a:ln>
-            <a:noFill/>
-          </a:ln>
+          <a:noFill/>
         </p:spPr>
-        <p:style>
-          <a:lnRef idx="2">
-            <a:schemeClr val="accent1">
-              <a:shade val="50000"/>
-            </a:schemeClr>
-          </a:lnRef>
-          <a:fillRef idx="1">
-            <a:schemeClr val="accent1"/>
-          </a:fillRef>
-          <a:effectRef idx="0">
-            <a:schemeClr val="accent1"/>
-          </a:effectRef>
-          <a:fontRef idx="minor">
-            <a:schemeClr val="lt1"/>
-          </a:fontRef>
-        </p:style>
-        <p:txBody>
-          <a:bodyPr rtlCol="0" anchor="ctr"/>
-          <a:lstStyle/>
-          <a:p>
-            <a:pPr marL="0" marR="0" lvl="0" indent="0" algn="ctr" defTabSz="914400" rtl="0" eaLnBrk="1" fontAlgn="auto" latinLnBrk="0" hangingPunct="1">
-              <a:lnSpc>
-                <a:spcPct val="100000"/>
-              </a:lnSpc>
-              <a:spcBef>
-                <a:spcPts val="0"/>
-              </a:spcBef>
-              <a:spcAft>
-                <a:spcPts val="0"/>
-              </a:spcAft>
-              <a:buClrTx/>
-              <a:buSzTx/>
-              <a:buFontTx/>
-              <a:buNone/>
-              <a:tabLst/>
-              <a:defRPr/>
-            </a:pPr>
-            <a:endParaRPr kumimoji="0" lang="en-US" sz="1800" b="0" i="0" u="none" strike="noStrike" kern="1200" cap="none" spc="0" normalizeH="0" baseline="0" noProof="0">
-              <a:ln>
-                <a:noFill/>
-              </a:ln>
-              <a:solidFill>
-                <a:prstClr val="white"/>
-              </a:solidFill>
-              <a:effectLst/>
-              <a:uLnTx/>
-              <a:uFillTx/>
-              <a:latin typeface="Neue Haas Grotesk Text Pro"/>
-              <a:ea typeface="+mn-ea"/>
-              <a:cs typeface="+mn-cs"/>
-            </a:endParaRPr>
-          </a:p>
-        </p:txBody>
-      </p:sp>
-      <p:sp>
-        <p:nvSpPr>
-          <p:cNvPr id="2" name="タイトル 1">
-            <a:extLst>
-              <a:ext uri="{FF2B5EF4-FFF2-40B4-BE49-F238E27FC236}">
-                <a16:creationId xmlns:a16="http://schemas.microsoft.com/office/drawing/2014/main" id="{3FC66FD7-45A2-B3D7-36BC-0414403BF090}"/>
-              </a:ext>
-            </a:extLst>
-          </p:cNvPr>
-          <p:cNvSpPr>
-            <a:spLocks noGrp="1"/>
-          </p:cNvSpPr>
-          <p:nvPr>
-            <p:ph type="ctrTitle"/>
-          </p:nvPr>
-        </p:nvSpPr>
-        <p:spPr>
-          <a:xfrm>
-            <a:off x="438910" y="978408"/>
-            <a:ext cx="4795819" cy="3969960"/>
-          </a:xfrm>
-        </p:spPr>
-        <p:txBody>
-          <a:bodyPr anchor="t">
-            <a:normAutofit/>
+        <p:txBody>
+          <a:bodyPr wrap="square">
+            <a:spAutoFit/>
           </a:bodyPr>
           <a:lstStyle/>
           <a:p>
             <a:r>
-              <a:rPr kumimoji="1" lang="ja-JP" altLang="en-US" sz="6600" dirty="0"/>
-              <a:t>きぶん日記</a:t>
-            </a:r>
-            <a:br>
-              <a:rPr kumimoji="1" lang="en-US" altLang="ja-JP" sz="6600" dirty="0"/>
-            </a:br>
-            <a:r>
-              <a:rPr kumimoji="1" lang="en-US" altLang="ja-JP" sz="6600" dirty="0"/>
-              <a:t> </a:t>
-            </a:r>
-            <a:endParaRPr kumimoji="1" lang="ja-JP" altLang="en-US" sz="6600" dirty="0"/>
-          </a:p>
-        </p:txBody>
-      </p:sp>
-      <p:sp>
-        <p:nvSpPr>
-          <p:cNvPr id="3" name="字幕 2">
-            <a:extLst>
-              <a:ext uri="{FF2B5EF4-FFF2-40B4-BE49-F238E27FC236}">
-                <a16:creationId xmlns:a16="http://schemas.microsoft.com/office/drawing/2014/main" id="{FE866FE2-1423-3265-E969-6B953BE03EDD}"/>
-              </a:ext>
-            </a:extLst>
-          </p:cNvPr>
-          <p:cNvSpPr>
-            <a:spLocks noGrp="1"/>
-          </p:cNvSpPr>
-          <p:nvPr>
-            <p:ph type="subTitle" idx="1"/>
-          </p:nvPr>
-        </p:nvSpPr>
-        <p:spPr>
-          <a:xfrm>
-            <a:off x="438910" y="4948369"/>
-            <a:ext cx="4381634" cy="1157436"/>
-          </a:xfrm>
-        </p:spPr>
-        <p:txBody>
-          <a:bodyPr anchor="b">
-            <a:normAutofit/>
-          </a:bodyPr>
-          <a:lstStyle/>
-          <a:p>
-            <a:r>
-              <a:rPr kumimoji="1" lang="ja-JP" altLang="en-US" sz="2400" dirty="0"/>
+              <a:rPr kumimoji="1" lang="ja-JP" altLang="en-US" sz="3200" dirty="0">
+                <a:latin typeface="+mn-ea"/>
+              </a:rPr>
               <a:t>鈴木陽翔</a:t>
             </a:r>
-          </a:p>
-        </p:txBody>
-      </p:sp>
-      <p:sp>
-        <p:nvSpPr>
-          <p:cNvPr id="27" name="Rectangle 26">
-            <a:extLst>
-              <a:ext uri="{FF2B5EF4-FFF2-40B4-BE49-F238E27FC236}">
-                <a16:creationId xmlns:a16="http://schemas.microsoft.com/office/drawing/2014/main" id="{150CDACD-D191-E642-F686-FCB54B7E5F67}"/>
-              </a:ext>
-              <a:ext uri="{C183D7F6-B498-43B3-948B-1728B52AA6E4}">
-                <adec:decorative xmlns:adec="http://schemas.microsoft.com/office/drawing/2017/decorative" val="1"/>
-              </a:ext>
-            </a:extLst>
-          </p:cNvPr>
-          <p:cNvSpPr>
-            <a:spLocks noGrp="1" noRot="1" noChangeAspect="1" noMove="1" noResize="1" noEditPoints="1" noAdjustHandles="1" noChangeArrowheads="1" noChangeShapeType="1" noTextEdit="1"/>
-          </p:cNvSpPr>
-          <p:nvPr>
-            <p:extLst>
-              <p:ext uri="{386F3935-93C4-4BCD-93E2-E3B085C9AB24}">
-                <p16:designElem xmlns:p16="http://schemas.microsoft.com/office/powerpoint/2015/main" val="1"/>
-              </p:ext>
-            </p:extLst>
-          </p:nvPr>
-        </p:nvSpPr>
-        <p:spPr>
-          <a:xfrm>
-            <a:off x="517868" y="508090"/>
-            <a:ext cx="4695702" cy="149279"/>
-          </a:xfrm>
-          <a:prstGeom prst="rect">
-            <a:avLst/>
-          </a:prstGeom>
-          <a:solidFill>
-            <a:schemeClr val="tx1"/>
-          </a:solidFill>
-          <a:ln>
-            <a:noFill/>
-          </a:ln>
-        </p:spPr>
-        <p:style>
-          <a:lnRef idx="2">
-            <a:schemeClr val="accent1">
-              <a:shade val="50000"/>
-            </a:schemeClr>
-          </a:lnRef>
-          <a:fillRef idx="1">
-            <a:schemeClr val="accent1"/>
-          </a:fillRef>
-          <a:effectRef idx="0">
-            <a:schemeClr val="accent1"/>
-          </a:effectRef>
-          <a:fontRef idx="minor">
-            <a:schemeClr val="lt1"/>
-          </a:fontRef>
-        </p:style>
-        <p:txBody>
-          <a:bodyPr rtlCol="0" anchor="ctr"/>
-          <a:lstStyle/>
-          <a:p>
-            <a:pPr marL="0" marR="0" lvl="0" indent="0" algn="ctr" defTabSz="914400" rtl="0" eaLnBrk="1" fontAlgn="auto" latinLnBrk="0" hangingPunct="1">
-              <a:lnSpc>
-                <a:spcPct val="100000"/>
-              </a:lnSpc>
-              <a:spcBef>
-                <a:spcPts val="0"/>
-              </a:spcBef>
-              <a:spcAft>
-                <a:spcPts val="0"/>
-              </a:spcAft>
-              <a:buClrTx/>
-              <a:buSzTx/>
-              <a:buFontTx/>
-              <a:buNone/>
-              <a:tabLst/>
-              <a:defRPr/>
-            </a:pPr>
-            <a:endParaRPr kumimoji="0" lang="en-US" sz="1800" b="0" i="0" u="none" strike="noStrike" kern="1200" cap="none" spc="0" normalizeH="0" baseline="0" noProof="0">
-              <a:ln>
-                <a:noFill/>
-              </a:ln>
-              <a:solidFill>
-                <a:prstClr val="white"/>
-              </a:solidFill>
-              <a:effectLst/>
-              <a:uLnTx/>
-              <a:uFillTx/>
-              <a:latin typeface="Bierstadt"/>
-              <a:ea typeface="+mn-ea"/>
-              <a:cs typeface="+mn-cs"/>
-            </a:endParaRPr>
           </a:p>
         </p:txBody>
       </p:sp>
     </p:spTree>
     <p:extLst>
       <p:ext uri="{BB962C8B-B14F-4D97-AF65-F5344CB8AC3E}">
-        <p14:creationId xmlns:p14="http://schemas.microsoft.com/office/powerpoint/2010/main" val="3673237690"/>
+        <p14:creationId xmlns:p14="http://schemas.microsoft.com/office/powerpoint/2010/main" val="1206813672"/>
       </p:ext>
     </p:extLst>
   </p:cSld>
@@ -4207,7 +3897,10 @@
           <a:lstStyle/>
           <a:p>
             <a:r>
-              <a:rPr lang="ja-JP" altLang="en-US" dirty="0"/>
+              <a:rPr lang="ja-JP" altLang="en-US" dirty="0">
+                <a:latin typeface="+mn-ea"/>
+                <a:ea typeface="+mn-ea"/>
+              </a:rPr>
               <a:t>アプリ概要</a:t>
             </a:r>
           </a:p>
@@ -4231,8 +3924,8 @@
         </p:nvSpPr>
         <p:spPr>
           <a:xfrm>
-            <a:off x="516646" y="1960760"/>
-            <a:ext cx="11155680" cy="4002895"/>
+            <a:off x="919417" y="2575100"/>
+            <a:ext cx="11155680" cy="2202398"/>
           </a:xfrm>
         </p:spPr>
         <p:txBody>
@@ -4243,39 +3936,36 @@
               <a:buNone/>
             </a:pPr>
             <a:r>
-              <a:rPr lang="ja-JP" altLang="en-US" sz="4000" dirty="0"/>
-              <a:t>・きぶん日記は、毎日の気分を簡単に記録・</a:t>
-            </a:r>
-            <a:endParaRPr lang="en-US" altLang="ja-JP" sz="4000" dirty="0"/>
+              <a:rPr lang="ja-JP" altLang="en-US" sz="4800" b="1" dirty="0">
+                <a:latin typeface="+mn-ea"/>
+              </a:rPr>
+              <a:t>きぶん日記は、毎日の気分を簡単に</a:t>
+            </a:r>
+            <a:endParaRPr lang="en-US" altLang="ja-JP" sz="4800" b="1" dirty="0">
+              <a:latin typeface="+mn-ea"/>
+            </a:endParaRPr>
           </a:p>
           <a:p>
             <a:pPr marL="0" indent="0">
               <a:buNone/>
             </a:pPr>
             <a:r>
-              <a:rPr lang="ja-JP" altLang="en-US" sz="4000" dirty="0"/>
-              <a:t>可視化できる日記アプリ。  </a:t>
-            </a:r>
-            <a:endParaRPr lang="en-US" altLang="ja-JP" sz="4000" dirty="0"/>
+              <a:rPr lang="ja-JP" altLang="en-US" sz="4800" b="1" dirty="0">
+                <a:latin typeface="+mn-ea"/>
+              </a:rPr>
+              <a:t>記録・可視化できる日記アプリ  </a:t>
+            </a:r>
+            <a:endParaRPr lang="en-US" altLang="ja-JP" sz="4800" b="1" dirty="0">
+              <a:latin typeface="+mn-ea"/>
+            </a:endParaRPr>
           </a:p>
           <a:p>
             <a:pPr marL="0" indent="0">
               <a:buNone/>
             </a:pPr>
-            <a:r>
-              <a:rPr lang="ja-JP" altLang="en-US" sz="4000" dirty="0"/>
-              <a:t>・気分の推移をグラフで振り返り、モチベーション維持やセルフケアに役立てることが可能。 </a:t>
-            </a:r>
-            <a:endParaRPr lang="en-US" altLang="ja-JP" sz="4000" dirty="0"/>
-          </a:p>
-          <a:p>
-            <a:pPr marL="0" indent="0">
-              <a:buNone/>
-            </a:pPr>
-            <a:r>
-              <a:rPr lang="ja-JP" altLang="en-US" sz="4000" dirty="0"/>
-              <a:t>・週間目標やバッジ機能で継続もサポート。</a:t>
-            </a:r>
+            <a:endParaRPr lang="en-US" altLang="ja-JP" sz="4800" b="1" dirty="0">
+              <a:latin typeface="+mn-ea"/>
+            </a:endParaRPr>
           </a:p>
         </p:txBody>
       </p:sp>
@@ -4412,92 +4102,92 @@
           <a:lstStyle/>
           <a:p>
             <a:r>
-              <a:rPr lang="ja-JP" altLang="en-US" sz="3200" dirty="0"/>
+              <a:rPr lang="ja-JP" altLang="en-US" sz="3200" b="1" dirty="0"/>
               <a:t>言語</a:t>
             </a:r>
             <a:r>
-              <a:rPr lang="en-US" altLang="ja-JP" sz="3200" dirty="0"/>
+              <a:rPr lang="en-US" altLang="ja-JP" sz="3200" b="1" dirty="0"/>
               <a:t>: Dart- </a:t>
             </a:r>
           </a:p>
           <a:p>
             <a:r>
-              <a:rPr lang="ja-JP" altLang="en-US" sz="3200" dirty="0"/>
+              <a:rPr lang="ja-JP" altLang="en-US" sz="3200" b="1" dirty="0"/>
               <a:t>フレームワーク</a:t>
             </a:r>
             <a:r>
-              <a:rPr lang="en-US" altLang="ja-JP" sz="3200" dirty="0"/>
+              <a:rPr lang="en-US" altLang="ja-JP" sz="3200" b="1" dirty="0"/>
               <a:t>: Flutter- </a:t>
             </a:r>
           </a:p>
           <a:p>
             <a:r>
-              <a:rPr lang="ja-JP" altLang="en-US" sz="3200" dirty="0"/>
+              <a:rPr lang="ja-JP" altLang="en-US" sz="3200" b="1" dirty="0"/>
               <a:t>ローカルストレージ</a:t>
             </a:r>
             <a:r>
-              <a:rPr lang="en-US" altLang="ja-JP" sz="3200" dirty="0"/>
+              <a:rPr lang="en-US" altLang="ja-JP" sz="3200" b="1" dirty="0"/>
               <a:t>: </a:t>
             </a:r>
             <a:r>
-              <a:rPr lang="en-US" altLang="ja-JP" sz="3200" dirty="0" err="1"/>
+              <a:rPr lang="en-US" altLang="ja-JP" sz="3200" b="1" dirty="0" err="1"/>
               <a:t>shared_preferences</a:t>
             </a:r>
             <a:r>
-              <a:rPr lang="en-US" altLang="ja-JP" sz="3200" dirty="0"/>
+              <a:rPr lang="en-US" altLang="ja-JP" sz="3200" b="1" dirty="0"/>
               <a:t>- </a:t>
             </a:r>
           </a:p>
           <a:p>
             <a:r>
-              <a:rPr lang="ja-JP" altLang="en-US" sz="3200" dirty="0"/>
+              <a:rPr lang="ja-JP" altLang="en-US" sz="3200" b="1" dirty="0"/>
               <a:t>グラフ描画</a:t>
             </a:r>
             <a:r>
-              <a:rPr lang="en-US" altLang="ja-JP" sz="3200" dirty="0"/>
+              <a:rPr lang="en-US" altLang="ja-JP" sz="3200" b="1" dirty="0"/>
               <a:t>: </a:t>
             </a:r>
             <a:r>
-              <a:rPr lang="en-US" altLang="ja-JP" sz="3200" dirty="0" err="1"/>
+              <a:rPr lang="en-US" altLang="ja-JP" sz="3200" b="1" dirty="0" err="1"/>
               <a:t>fl_chart</a:t>
             </a:r>
             <a:r>
-              <a:rPr lang="en-US" altLang="ja-JP" sz="3200" dirty="0"/>
+              <a:rPr lang="en-US" altLang="ja-JP" sz="3200" b="1" dirty="0"/>
               <a:t>- </a:t>
             </a:r>
           </a:p>
           <a:p>
             <a:r>
-              <a:rPr lang="ja-JP" altLang="en-US" sz="3200" dirty="0"/>
+              <a:rPr lang="ja-JP" altLang="en-US" sz="3200" b="1" dirty="0"/>
               <a:t>日付処理</a:t>
             </a:r>
             <a:r>
-              <a:rPr lang="en-US" altLang="ja-JP" sz="3200" dirty="0"/>
+              <a:rPr lang="en-US" altLang="ja-JP" sz="3200" b="1" dirty="0"/>
               <a:t>: </a:t>
             </a:r>
             <a:r>
-              <a:rPr lang="en-US" altLang="ja-JP" sz="3200" dirty="0" err="1"/>
+              <a:rPr lang="en-US" altLang="ja-JP" sz="3200" b="1" dirty="0" err="1"/>
               <a:t>intl</a:t>
             </a:r>
             <a:r>
-              <a:rPr lang="en-US" altLang="ja-JP" sz="3200" dirty="0"/>
+              <a:rPr lang="en-US" altLang="ja-JP" sz="3200" b="1" dirty="0"/>
               <a:t>- </a:t>
             </a:r>
           </a:p>
           <a:p>
             <a:r>
-              <a:rPr lang="en-US" altLang="ja-JP" sz="3200" dirty="0"/>
+              <a:rPr lang="en-US" altLang="ja-JP" sz="3200" b="1" dirty="0"/>
               <a:t>UI/</a:t>
             </a:r>
             <a:r>
-              <a:rPr lang="ja-JP" altLang="en-US" sz="3200" dirty="0"/>
+              <a:rPr lang="ja-JP" altLang="en-US" sz="3200" b="1" dirty="0"/>
               <a:t>アイコン</a:t>
             </a:r>
             <a:r>
-              <a:rPr lang="en-US" altLang="ja-JP" sz="3200" dirty="0"/>
+              <a:rPr lang="en-US" altLang="ja-JP" sz="3200" b="1" dirty="0"/>
               <a:t>: Flutter Material Design</a:t>
             </a:r>
-            <a:endParaRPr lang="ja-JP" altLang="en-US" sz="3200" dirty="0"/>
+            <a:endParaRPr lang="ja-JP" altLang="en-US" sz="3200" b="1" dirty="0"/>
           </a:p>
         </p:txBody>
       </p:sp>
@@ -4687,12 +4377,12 @@
               <a:buAutoNum type="arabicPeriod"/>
             </a:pPr>
             <a:r>
-              <a:rPr lang="ja-JP" altLang="en-US" sz="4000" dirty="0">
+              <a:rPr lang="ja-JP" altLang="en-US" sz="4000" b="1" dirty="0">
                 <a:latin typeface="Arial" panose="020B0604020202020204" pitchFamily="34" charset="0"/>
               </a:rPr>
               <a:t>毎日の気分記録</a:t>
             </a:r>
-            <a:endParaRPr lang="en-US" altLang="ja-JP" sz="4000" dirty="0">
+            <a:endParaRPr lang="en-US" altLang="ja-JP" sz="4000" b="1" dirty="0">
               <a:latin typeface="Arial" panose="020B0604020202020204" pitchFamily="34" charset="0"/>
             </a:endParaRPr>
           </a:p>
@@ -4710,34 +4400,34 @@
               <a:buNone/>
             </a:pPr>
             <a:r>
-              <a:rPr lang="ja-JP" altLang="en-US" sz="4000" dirty="0">
+              <a:rPr lang="ja-JP" altLang="en-US" sz="4000" b="1" dirty="0">
                 <a:latin typeface="Arial" panose="020B0604020202020204" pitchFamily="34" charset="0"/>
               </a:rPr>
               <a:t>・</a:t>
             </a:r>
             <a:r>
-              <a:rPr lang="en-US" altLang="ja-JP" sz="4000" dirty="0">
+              <a:rPr lang="en-US" altLang="ja-JP" sz="4000" b="1" dirty="0">
                 <a:latin typeface="Arial" panose="020B0604020202020204" pitchFamily="34" charset="0"/>
               </a:rPr>
               <a:t>6</a:t>
             </a:r>
             <a:r>
-              <a:rPr lang="ja-JP" altLang="en-US" sz="4000" dirty="0">
+              <a:rPr lang="ja-JP" altLang="en-US" sz="4000" b="1" dirty="0">
                 <a:latin typeface="Arial" panose="020B0604020202020204" pitchFamily="34" charset="0"/>
               </a:rPr>
               <a:t>種類の気分（</a:t>
             </a:r>
             <a:r>
-              <a:rPr lang="ja-JP" altLang="en-US" sz="4000" dirty="0"/>
+              <a:rPr lang="ja-JP" altLang="en-US" sz="4000" b="1" dirty="0"/>
               <a:t>🤩😄😐😢😡😴</a:t>
             </a:r>
             <a:r>
-              <a:rPr lang="ja-JP" altLang="en-US" sz="4000" dirty="0">
+              <a:rPr lang="ja-JP" altLang="en-US" sz="4000" b="1" dirty="0">
                 <a:latin typeface="Arial" panose="020B0604020202020204" pitchFamily="34" charset="0"/>
               </a:rPr>
               <a:t>）から選択</a:t>
             </a:r>
-            <a:endParaRPr lang="en-US" altLang="ja-JP" sz="4000" dirty="0">
+            <a:endParaRPr lang="en-US" altLang="ja-JP" sz="4000" b="1" dirty="0">
               <a:latin typeface="Arial" panose="020B0604020202020204" pitchFamily="34" charset="0"/>
             </a:endParaRPr>
           </a:p>
@@ -4755,14 +4445,29 @@
               <a:buNone/>
             </a:pPr>
             <a:r>
-              <a:rPr lang="ja-JP" altLang="en-US" sz="4000" dirty="0">
+              <a:rPr lang="ja-JP" altLang="en-US" sz="4000" b="1" dirty="0">
                 <a:latin typeface="Arial" panose="020B0604020202020204" pitchFamily="34" charset="0"/>
               </a:rPr>
-              <a:t>・任意のメモ入力</a:t>
-            </a:r>
-            <a:endParaRPr lang="en-US" altLang="ja-JP" sz="4000" dirty="0">
-              <a:latin typeface="Arial" panose="020B0604020202020204" pitchFamily="34" charset="0"/>
-            </a:endParaRPr>
+              <a:t>・メモ入力</a:t>
+            </a:r>
+            <a:r>
+              <a:rPr lang="en-US" altLang="ja-JP" sz="4000" b="1" dirty="0">
+                <a:latin typeface="Arial" panose="020B0604020202020204" pitchFamily="34" charset="0"/>
+              </a:rPr>
+              <a:t>(</a:t>
+            </a:r>
+            <a:r>
+              <a:rPr lang="ja-JP" altLang="en-US" sz="4000" b="1" dirty="0">
+                <a:latin typeface="Arial" panose="020B0604020202020204" pitchFamily="34" charset="0"/>
+              </a:rPr>
+              <a:t>任意</a:t>
+            </a:r>
+            <a:r>
+              <a:rPr lang="en-US" altLang="ja-JP" sz="4000" b="1" dirty="0">
+                <a:latin typeface="Arial" panose="020B0604020202020204" pitchFamily="34" charset="0"/>
+              </a:rPr>
+              <a:t>)</a:t>
+            </a:r>
           </a:p>
           <a:p>
             <a:pPr marL="0" lvl="0" indent="0" eaLnBrk="0" fontAlgn="base" hangingPunct="0">
@@ -4778,36 +4483,36 @@
               <a:buNone/>
             </a:pPr>
             <a:r>
-              <a:rPr lang="ja-JP" altLang="en-US" sz="4000" dirty="0">
+              <a:rPr lang="ja-JP" altLang="en-US" sz="4000" b="1" dirty="0">
                 <a:latin typeface="Arial" panose="020B0604020202020204" pitchFamily="34" charset="0"/>
               </a:rPr>
               <a:t>・</a:t>
             </a:r>
             <a:r>
-              <a:rPr lang="en-US" altLang="ja-JP" sz="4000" dirty="0">
+              <a:rPr lang="en-US" altLang="ja-JP" sz="4000" b="1" dirty="0">
                 <a:latin typeface="Arial" panose="020B0604020202020204" pitchFamily="34" charset="0"/>
               </a:rPr>
               <a:t>1</a:t>
             </a:r>
             <a:r>
-              <a:rPr lang="ja-JP" altLang="en-US" sz="4000" dirty="0">
+              <a:rPr lang="ja-JP" altLang="en-US" sz="4000" b="1" dirty="0">
                 <a:latin typeface="Arial" panose="020B0604020202020204" pitchFamily="34" charset="0"/>
               </a:rPr>
               <a:t>日</a:t>
             </a:r>
             <a:r>
-              <a:rPr lang="en-US" altLang="ja-JP" sz="4000" dirty="0">
+              <a:rPr lang="en-US" altLang="ja-JP" sz="4000" b="1" dirty="0">
                 <a:latin typeface="Arial" panose="020B0604020202020204" pitchFamily="34" charset="0"/>
               </a:rPr>
               <a:t>1</a:t>
             </a:r>
             <a:r>
-              <a:rPr lang="ja-JP" altLang="en-US" sz="4000" dirty="0">
+              <a:rPr lang="ja-JP" altLang="en-US" sz="4000" b="1" dirty="0">
                 <a:latin typeface="Arial" panose="020B0604020202020204" pitchFamily="34" charset="0"/>
               </a:rPr>
               <a:t>回のみ記録（重複防止）</a:t>
             </a:r>
-            <a:endParaRPr lang="en-US" altLang="ja-JP" sz="4000" dirty="0">
+            <a:endParaRPr lang="en-US" altLang="ja-JP" sz="4000" b="1" dirty="0">
               <a:latin typeface="Arial" panose="020B0604020202020204" pitchFamily="34" charset="0"/>
             </a:endParaRPr>
           </a:p>
@@ -4825,18 +4530,18 @@
               <a:buNone/>
             </a:pPr>
             <a:r>
-              <a:rPr lang="en-US" altLang="ja-JP" sz="4000" dirty="0">
+              <a:rPr lang="en-US" altLang="ja-JP" sz="4000" b="1" dirty="0">
                 <a:latin typeface="Arial" panose="020B0604020202020204" pitchFamily="34" charset="0"/>
               </a:rPr>
               <a:t>2. </a:t>
             </a:r>
             <a:r>
-              <a:rPr lang="ja-JP" altLang="en-US" sz="4000" dirty="0">
+              <a:rPr lang="ja-JP" altLang="en-US" sz="4000" b="1" dirty="0">
                 <a:latin typeface="Arial" panose="020B0604020202020204" pitchFamily="34" charset="0"/>
               </a:rPr>
               <a:t>記録の編集・削除</a:t>
             </a:r>
-            <a:endParaRPr lang="en-US" altLang="ja-JP" sz="4000" dirty="0">
+            <a:endParaRPr lang="en-US" altLang="ja-JP" sz="4000" b="1" dirty="0">
               <a:latin typeface="Arial" panose="020B0604020202020204" pitchFamily="34" charset="0"/>
             </a:endParaRPr>
           </a:p>
@@ -4854,12 +4559,12 @@
               <a:buNone/>
             </a:pPr>
             <a:r>
-              <a:rPr lang="ja-JP" altLang="en-US" sz="4000" dirty="0">
+              <a:rPr lang="ja-JP" altLang="en-US" sz="4000" b="1" dirty="0">
                 <a:latin typeface="Arial" panose="020B0604020202020204" pitchFamily="34" charset="0"/>
               </a:rPr>
               <a:t>・メモ一覧から日付ごとに編集・削除可能</a:t>
             </a:r>
-            <a:endParaRPr lang="en-US" altLang="ja-JP" sz="4000" dirty="0">
+            <a:endParaRPr lang="en-US" altLang="ja-JP" sz="4000" b="1" dirty="0">
               <a:latin typeface="Arial" panose="020B0604020202020204" pitchFamily="34" charset="0"/>
             </a:endParaRPr>
           </a:p>
@@ -5051,18 +4756,18 @@
               <a:buNone/>
             </a:pPr>
             <a:r>
-              <a:rPr lang="en-US" altLang="ja-JP" sz="4800" dirty="0">
+              <a:rPr lang="en-US" altLang="ja-JP" sz="4800" b="1" dirty="0">
                 <a:latin typeface="Arial" panose="020B0604020202020204" pitchFamily="34" charset="0"/>
               </a:rPr>
               <a:t>3. </a:t>
             </a:r>
             <a:r>
-              <a:rPr lang="ja-JP" altLang="en-US" sz="4800" dirty="0">
+              <a:rPr lang="ja-JP" altLang="en-US" sz="4800" b="1" dirty="0">
                 <a:latin typeface="Arial" panose="020B0604020202020204" pitchFamily="34" charset="0"/>
               </a:rPr>
               <a:t>フィルター・カレンダー</a:t>
             </a:r>
-            <a:endParaRPr lang="en-US" altLang="ja-JP" sz="4800" dirty="0">
+            <a:endParaRPr lang="en-US" altLang="ja-JP" sz="4800" b="1" dirty="0">
               <a:latin typeface="Arial" panose="020B0604020202020204" pitchFamily="34" charset="0"/>
             </a:endParaRPr>
           </a:p>
@@ -5080,36 +4785,36 @@
               <a:buNone/>
             </a:pPr>
             <a:r>
-              <a:rPr lang="ja-JP" altLang="en-US" sz="4800" dirty="0">
+              <a:rPr lang="ja-JP" altLang="en-US" sz="4800" b="1" dirty="0">
                 <a:latin typeface="Arial" panose="020B0604020202020204" pitchFamily="34" charset="0"/>
               </a:rPr>
               <a:t>・年</a:t>
             </a:r>
             <a:r>
-              <a:rPr lang="en-US" altLang="ja-JP" sz="4800" dirty="0">
+              <a:rPr lang="en-US" altLang="ja-JP" sz="4800" b="1" dirty="0">
                 <a:latin typeface="Arial" panose="020B0604020202020204" pitchFamily="34" charset="0"/>
               </a:rPr>
               <a:t>/</a:t>
             </a:r>
             <a:r>
-              <a:rPr lang="ja-JP" altLang="en-US" sz="4800" dirty="0">
+              <a:rPr lang="ja-JP" altLang="en-US" sz="4800" b="1" dirty="0">
                 <a:latin typeface="Arial" panose="020B0604020202020204" pitchFamily="34" charset="0"/>
               </a:rPr>
               <a:t>月</a:t>
             </a:r>
             <a:r>
-              <a:rPr lang="en-US" altLang="ja-JP" sz="4800" dirty="0">
+              <a:rPr lang="en-US" altLang="ja-JP" sz="4800" b="1" dirty="0">
                 <a:latin typeface="Arial" panose="020B0604020202020204" pitchFamily="34" charset="0"/>
               </a:rPr>
               <a:t>/</a:t>
             </a:r>
             <a:r>
-              <a:rPr lang="ja-JP" altLang="en-US" sz="4800" dirty="0">
+              <a:rPr lang="ja-JP" altLang="en-US" sz="4800" b="1" dirty="0">
                 <a:latin typeface="Arial" panose="020B0604020202020204" pitchFamily="34" charset="0"/>
               </a:rPr>
               <a:t>週単位で絞り込み</a:t>
             </a:r>
-            <a:endParaRPr lang="en-US" altLang="ja-JP" sz="4800" dirty="0">
+            <a:endParaRPr lang="en-US" altLang="ja-JP" sz="4800" b="1" dirty="0">
               <a:latin typeface="Arial" panose="020B0604020202020204" pitchFamily="34" charset="0"/>
             </a:endParaRPr>
           </a:p>
@@ -5127,7 +4832,7 @@
               <a:buNone/>
             </a:pPr>
             <a:r>
-              <a:rPr lang="ja-JP" altLang="en-US" sz="4800" dirty="0">
+              <a:rPr lang="ja-JP" altLang="en-US" sz="4800" b="1" dirty="0">
                 <a:latin typeface="Arial" panose="020B0604020202020204" pitchFamily="34" charset="0"/>
               </a:rPr>
               <a:t>・気分ごと（絵文字）にフィルター</a:t>
@@ -5150,18 +4855,18 @@
               <a:buNone/>
             </a:pPr>
             <a:r>
-              <a:rPr lang="en-US" altLang="ja-JP" sz="4800" dirty="0">
+              <a:rPr lang="en-US" altLang="ja-JP" sz="4800" b="1" dirty="0">
                 <a:latin typeface="Arial" panose="020B0604020202020204" pitchFamily="34" charset="0"/>
               </a:rPr>
               <a:t>4. </a:t>
             </a:r>
             <a:r>
-              <a:rPr lang="ja-JP" altLang="en-US" sz="4800" dirty="0">
+              <a:rPr lang="ja-JP" altLang="en-US" sz="4800" b="1" dirty="0">
                 <a:latin typeface="Arial" panose="020B0604020202020204" pitchFamily="34" charset="0"/>
               </a:rPr>
               <a:t>棒グラフによる可視化</a:t>
             </a:r>
-            <a:endParaRPr lang="en-US" altLang="ja-JP" sz="4800" dirty="0">
+            <a:endParaRPr lang="en-US" altLang="ja-JP" sz="4800" b="1" dirty="0">
               <a:latin typeface="Arial" panose="020B0604020202020204" pitchFamily="34" charset="0"/>
             </a:endParaRPr>
           </a:p>
@@ -5179,12 +4884,12 @@
               <a:buNone/>
             </a:pPr>
             <a:r>
-              <a:rPr lang="ja-JP" altLang="en-US" sz="4800" dirty="0">
+              <a:rPr lang="ja-JP" altLang="en-US" sz="4800" b="1" dirty="0">
                 <a:latin typeface="Arial" panose="020B0604020202020204" pitchFamily="34" charset="0"/>
               </a:rPr>
               <a:t>・月ごとに選択した気分をグラフ化</a:t>
             </a:r>
-            <a:endParaRPr lang="en-US" altLang="ja-JP" sz="4800" dirty="0">
+            <a:endParaRPr lang="en-US" altLang="ja-JP" sz="4800" b="1" dirty="0">
               <a:latin typeface="Arial" panose="020B0604020202020204" pitchFamily="34" charset="0"/>
             </a:endParaRPr>
           </a:p>
@@ -5376,18 +5081,18 @@
               <a:buNone/>
             </a:pPr>
             <a:r>
-              <a:rPr lang="en-US" altLang="ja-JP" sz="3600" dirty="0">
+              <a:rPr lang="en-US" altLang="ja-JP" sz="3600" b="1" dirty="0">
                 <a:latin typeface="Arial" panose="020B0604020202020204" pitchFamily="34" charset="0"/>
               </a:rPr>
               <a:t>5. </a:t>
             </a:r>
             <a:r>
-              <a:rPr lang="ja-JP" altLang="en-US" sz="3600" dirty="0">
+              <a:rPr lang="ja-JP" altLang="en-US" sz="3600" b="1" dirty="0">
                 <a:latin typeface="Arial" panose="020B0604020202020204" pitchFamily="34" charset="0"/>
               </a:rPr>
               <a:t>週間目標・バッジ機能</a:t>
             </a:r>
-            <a:endParaRPr lang="en-US" altLang="ja-JP" sz="3600" dirty="0">
+            <a:endParaRPr lang="en-US" altLang="ja-JP" sz="3600" b="1" dirty="0">
               <a:latin typeface="Arial" panose="020B0604020202020204" pitchFamily="34" charset="0"/>
             </a:endParaRPr>
           </a:p>
@@ -5405,12 +5110,12 @@
               <a:buNone/>
             </a:pPr>
             <a:r>
-              <a:rPr lang="ja-JP" altLang="en-US" sz="3600" dirty="0">
+              <a:rPr lang="ja-JP" altLang="en-US" sz="3600" b="1" dirty="0">
                 <a:latin typeface="Arial" panose="020B0604020202020204" pitchFamily="34" charset="0"/>
               </a:rPr>
               <a:t>・週間目標を選択し、達成するとバッジを獲得</a:t>
             </a:r>
-            <a:endParaRPr lang="en-US" altLang="ja-JP" sz="3600" dirty="0">
+            <a:endParaRPr lang="en-US" altLang="ja-JP" sz="3600" b="1" dirty="0">
               <a:latin typeface="Arial" panose="020B0604020202020204" pitchFamily="34" charset="0"/>
             </a:endParaRPr>
           </a:p>
@@ -5428,12 +5133,12 @@
               <a:buNone/>
             </a:pPr>
             <a:r>
-              <a:rPr lang="ja-JP" altLang="en-US" sz="3600" dirty="0">
+              <a:rPr lang="ja-JP" altLang="en-US" sz="3600" b="1" dirty="0">
                 <a:latin typeface="Arial" panose="020B0604020202020204" pitchFamily="34" charset="0"/>
               </a:rPr>
               <a:t>・バッジ一覧で達成状況を可視化</a:t>
             </a:r>
-            <a:endParaRPr lang="en-US" altLang="ja-JP" sz="3600" dirty="0">
+            <a:endParaRPr lang="en-US" altLang="ja-JP" sz="3600" b="1" dirty="0">
               <a:latin typeface="Arial" panose="020B0604020202020204" pitchFamily="34" charset="0"/>
             </a:endParaRPr>
           </a:p>
@@ -5451,18 +5156,18 @@
               <a:buNone/>
             </a:pPr>
             <a:r>
-              <a:rPr lang="en-US" altLang="ja-JP" sz="3600" dirty="0">
+              <a:rPr lang="en-US" altLang="ja-JP" sz="3600" b="1" dirty="0">
                 <a:latin typeface="Arial" panose="020B0604020202020204" pitchFamily="34" charset="0"/>
               </a:rPr>
               <a:t>6. </a:t>
             </a:r>
             <a:r>
-              <a:rPr lang="ja-JP" altLang="en-US" sz="3600" dirty="0">
+              <a:rPr lang="ja-JP" altLang="en-US" sz="3600" b="1" dirty="0">
                 <a:latin typeface="Arial" panose="020B0604020202020204" pitchFamily="34" charset="0"/>
               </a:rPr>
               <a:t>テーマ切り替え</a:t>
             </a:r>
-            <a:endParaRPr lang="en-US" altLang="ja-JP" sz="3600" dirty="0">
+            <a:endParaRPr lang="en-US" altLang="ja-JP" sz="3600" b="1" dirty="0">
               <a:latin typeface="Arial" panose="020B0604020202020204" pitchFamily="34" charset="0"/>
             </a:endParaRPr>
           </a:p>
@@ -5480,36 +5185,36 @@
               <a:buNone/>
             </a:pPr>
             <a:r>
-              <a:rPr lang="ja-JP" altLang="en-US" sz="3600" dirty="0">
+              <a:rPr lang="ja-JP" altLang="en-US" sz="3600" b="1" dirty="0">
                 <a:latin typeface="Arial" panose="020B0604020202020204" pitchFamily="34" charset="0"/>
               </a:rPr>
               <a:t>・春夏秋冬</a:t>
             </a:r>
             <a:r>
-              <a:rPr lang="en-US" altLang="ja-JP" sz="3600" dirty="0">
+              <a:rPr lang="en-US" altLang="ja-JP" sz="3600" b="1" dirty="0">
                 <a:latin typeface="Arial" panose="020B0604020202020204" pitchFamily="34" charset="0"/>
               </a:rPr>
               <a:t>×</a:t>
             </a:r>
             <a:r>
-              <a:rPr lang="ja-JP" altLang="en-US" sz="3600" dirty="0">
+              <a:rPr lang="ja-JP" altLang="en-US" sz="3600" b="1" dirty="0">
                 <a:latin typeface="Arial" panose="020B0604020202020204" pitchFamily="34" charset="0"/>
               </a:rPr>
               <a:t>朝夜の</a:t>
             </a:r>
             <a:r>
-              <a:rPr lang="en-US" altLang="ja-JP" sz="3600" dirty="0">
+              <a:rPr lang="en-US" altLang="ja-JP" sz="3600" b="1" dirty="0">
                 <a:latin typeface="Arial" panose="020B0604020202020204" pitchFamily="34" charset="0"/>
               </a:rPr>
               <a:t>8</a:t>
             </a:r>
             <a:r>
-              <a:rPr lang="ja-JP" altLang="en-US" sz="3600" dirty="0">
+              <a:rPr lang="ja-JP" altLang="en-US" sz="3600" b="1" dirty="0">
                 <a:latin typeface="Arial" panose="020B0604020202020204" pitchFamily="34" charset="0"/>
               </a:rPr>
               <a:t>テーマ</a:t>
             </a:r>
-            <a:endParaRPr lang="en-US" altLang="ja-JP" sz="3600" dirty="0">
+            <a:endParaRPr lang="en-US" altLang="ja-JP" sz="3600" b="1" dirty="0">
               <a:latin typeface="Arial" panose="020B0604020202020204" pitchFamily="34" charset="0"/>
             </a:endParaRPr>
           </a:p>
@@ -5527,24 +5232,24 @@
               <a:buNone/>
             </a:pPr>
             <a:r>
-              <a:rPr lang="ja-JP" altLang="en-US" sz="3600" dirty="0">
+              <a:rPr lang="ja-JP" altLang="en-US" sz="3600" b="1" dirty="0">
                 <a:latin typeface="Arial" panose="020B0604020202020204" pitchFamily="34" charset="0"/>
               </a:rPr>
               <a:t>・色・雰囲気を自動</a:t>
             </a:r>
             <a:r>
-              <a:rPr lang="en-US" altLang="ja-JP" sz="3600" dirty="0">
+              <a:rPr lang="en-US" altLang="ja-JP" sz="3600" b="1" dirty="0">
                 <a:latin typeface="Arial" panose="020B0604020202020204" pitchFamily="34" charset="0"/>
               </a:rPr>
               <a:t>/</a:t>
             </a:r>
             <a:r>
-              <a:rPr lang="ja-JP" altLang="en-US" sz="3600" dirty="0">
+              <a:rPr lang="ja-JP" altLang="en-US" sz="3600" b="1" dirty="0">
                 <a:latin typeface="Arial" panose="020B0604020202020204" pitchFamily="34" charset="0"/>
               </a:rPr>
               <a:t>手動で切り替え</a:t>
             </a:r>
-            <a:endParaRPr lang="en-US" altLang="ja-JP" sz="3600" dirty="0">
+            <a:endParaRPr lang="en-US" altLang="ja-JP" sz="3600" b="1" dirty="0">
               <a:latin typeface="Arial" panose="020B0604020202020204" pitchFamily="34" charset="0"/>
             </a:endParaRPr>
           </a:p>
@@ -5562,18 +5267,18 @@
               <a:buNone/>
             </a:pPr>
             <a:r>
-              <a:rPr lang="en-US" altLang="ja-JP" sz="3600" dirty="0">
+              <a:rPr lang="en-US" altLang="ja-JP" sz="3600" b="1" dirty="0">
                 <a:latin typeface="Arial" panose="020B0604020202020204" pitchFamily="34" charset="0"/>
               </a:rPr>
               <a:t>7. </a:t>
             </a:r>
             <a:r>
-              <a:rPr lang="ja-JP" altLang="en-US" sz="3600" dirty="0">
+              <a:rPr lang="ja-JP" altLang="en-US" sz="3600" b="1" dirty="0">
                 <a:latin typeface="Arial" panose="020B0604020202020204" pitchFamily="34" charset="0"/>
               </a:rPr>
               <a:t>応援メッセージ</a:t>
             </a:r>
-            <a:endParaRPr lang="en-US" altLang="ja-JP" sz="3600" dirty="0">
+            <a:endParaRPr lang="en-US" altLang="ja-JP" sz="3600" b="1" dirty="0">
               <a:latin typeface="Arial" panose="020B0604020202020204" pitchFamily="34" charset="0"/>
             </a:endParaRPr>
           </a:p>
@@ -5591,12 +5296,12 @@
               <a:buNone/>
             </a:pPr>
             <a:r>
-              <a:rPr lang="ja-JP" altLang="en-US" sz="3600" dirty="0">
+              <a:rPr lang="ja-JP" altLang="en-US" sz="3600" b="1" dirty="0">
                 <a:latin typeface="Arial" panose="020B0604020202020204" pitchFamily="34" charset="0"/>
               </a:rPr>
               <a:t>・記録時に気分に応じたメッセージをランダム表示</a:t>
             </a:r>
-            <a:endParaRPr kumimoji="0" lang="ja-JP" altLang="ja-JP" sz="3600" i="0" u="none" strike="noStrike" cap="none" normalizeH="0" baseline="0" dirty="0">
+            <a:endParaRPr kumimoji="0" lang="ja-JP" altLang="ja-JP" sz="3600" b="1" i="0" u="none" strike="noStrike" cap="none" normalizeH="0" baseline="0" dirty="0">
               <a:ln>
                 <a:noFill/>
               </a:ln>
@@ -5623,6 +5328,112 @@
 </file>
 
 <file path=ppt/slides/slide7.xml><?xml version="1.0" encoding="utf-8"?>
+<p:sld xmlns:a="http://schemas.openxmlformats.org/drawingml/2006/main" xmlns:r="http://schemas.openxmlformats.org/officeDocument/2006/relationships" xmlns:p="http://schemas.openxmlformats.org/presentationml/2006/main">
+  <p:cSld>
+    <p:bg>
+      <p:bgPr>
+        <a:solidFill>
+          <a:schemeClr val="bg1"/>
+        </a:solidFill>
+        <a:effectLst/>
+      </p:bgPr>
+    </p:bg>
+    <p:spTree>
+      <p:nvGrpSpPr>
+        <p:cNvPr id="1" name="">
+          <a:extLst>
+            <a:ext uri="{FF2B5EF4-FFF2-40B4-BE49-F238E27FC236}">
+              <a16:creationId xmlns:a16="http://schemas.microsoft.com/office/drawing/2014/main" id="{885B60B4-01A6-8AA7-14B3-755580C4744B}"/>
+            </a:ext>
+          </a:extLst>
+        </p:cNvPr>
+        <p:cNvGrpSpPr/>
+        <p:nvPr/>
+      </p:nvGrpSpPr>
+      <p:grpSpPr>
+        <a:xfrm>
+          <a:off x="0" y="0"/>
+          <a:ext cx="0" cy="0"/>
+          <a:chOff x="0" y="0"/>
+          <a:chExt cx="0" cy="0"/>
+        </a:xfrm>
+      </p:grpSpPr>
+      <p:pic>
+        <p:nvPicPr>
+          <p:cNvPr id="16" name="Picture 3">
+            <a:extLst>
+              <a:ext uri="{FF2B5EF4-FFF2-40B4-BE49-F238E27FC236}">
+                <a16:creationId xmlns:a16="http://schemas.microsoft.com/office/drawing/2014/main" id="{F1187D9B-806F-F7F1-5C07-30B15E4F164A}"/>
+              </a:ext>
+            </a:extLst>
+          </p:cNvPr>
+          <p:cNvPicPr>
+            <a:picLocks noChangeAspect="1"/>
+          </p:cNvPicPr>
+          <p:nvPr/>
+        </p:nvPicPr>
+        <p:blipFill>
+          <a:blip r:embed="rId2"/>
+          <a:srcRect t="9452" r="-1" b="163"/>
+          <a:stretch/>
+        </p:blipFill>
+        <p:spPr>
+          <a:xfrm>
+            <a:off x="3068" y="10"/>
+            <a:ext cx="12188932" cy="6857990"/>
+          </a:xfrm>
+          <a:prstGeom prst="rect">
+            <a:avLst/>
+          </a:prstGeom>
+        </p:spPr>
+      </p:pic>
+      <p:sp>
+        <p:nvSpPr>
+          <p:cNvPr id="9" name="タイトル 8">
+            <a:extLst>
+              <a:ext uri="{FF2B5EF4-FFF2-40B4-BE49-F238E27FC236}">
+                <a16:creationId xmlns:a16="http://schemas.microsoft.com/office/drawing/2014/main" id="{9BE66A81-BEB1-AEE2-2AC0-5FE9FEAD854D}"/>
+              </a:ext>
+            </a:extLst>
+          </p:cNvPr>
+          <p:cNvSpPr>
+            <a:spLocks noGrp="1"/>
+          </p:cNvSpPr>
+          <p:nvPr>
+            <p:ph type="title"/>
+          </p:nvPr>
+        </p:nvSpPr>
+        <p:spPr>
+          <a:xfrm>
+            <a:off x="4244775" y="2849880"/>
+            <a:ext cx="3702449" cy="1463040"/>
+          </a:xfrm>
+        </p:spPr>
+        <p:txBody>
+          <a:bodyPr/>
+          <a:lstStyle/>
+          <a:p>
+            <a:r>
+              <a:rPr lang="ja-JP" altLang="en-US" sz="6600" dirty="0"/>
+              <a:t>実機説明</a:t>
+            </a:r>
+          </a:p>
+        </p:txBody>
+      </p:sp>
+    </p:spTree>
+    <p:extLst>
+      <p:ext uri="{BB962C8B-B14F-4D97-AF65-F5344CB8AC3E}">
+        <p14:creationId xmlns:p14="http://schemas.microsoft.com/office/powerpoint/2010/main" val="1803076016"/>
+      </p:ext>
+    </p:extLst>
+  </p:cSld>
+  <p:clrMapOvr>
+    <a:overrideClrMapping bg1="dk1" tx1="lt1" bg2="dk2" tx2="lt2" accent1="accent1" accent2="accent2" accent3="accent3" accent4="accent4" accent5="accent5" accent6="accent6" hlink="hlink" folHlink="folHlink"/>
+  </p:clrMapOvr>
+</p:sld>
+</file>
+
+<file path=ppt/slides/slide8.xml><?xml version="1.0" encoding="utf-8"?>
 <p:sld xmlns:a="http://schemas.openxmlformats.org/drawingml/2006/main" xmlns:r="http://schemas.openxmlformats.org/officeDocument/2006/relationships" xmlns:p="http://schemas.openxmlformats.org/presentationml/2006/main">
   <p:cSld>
     <p:bg>
@@ -5795,12 +5606,12 @@
               <a:buNone/>
             </a:pPr>
             <a:r>
-              <a:rPr lang="ja-JP" altLang="en-US" sz="4800" dirty="0">
+              <a:rPr lang="ja-JP" altLang="en-US" sz="4800" b="1" dirty="0">
                 <a:latin typeface="Arial" panose="020B0604020202020204" pitchFamily="34" charset="0"/>
               </a:rPr>
               <a:t>・直感的な操作性</a:t>
             </a:r>
-            <a:endParaRPr lang="en-US" altLang="ja-JP" sz="4800" dirty="0">
+            <a:endParaRPr lang="en-US" altLang="ja-JP" sz="4800" b="1" dirty="0">
               <a:latin typeface="Arial" panose="020B0604020202020204" pitchFamily="34" charset="0"/>
             </a:endParaRPr>
           </a:p>
@@ -5818,24 +5629,24 @@
               <a:buNone/>
             </a:pPr>
             <a:r>
-              <a:rPr lang="ja-JP" altLang="en-US" sz="4800" dirty="0">
+              <a:rPr lang="ja-JP" altLang="en-US" sz="4800" b="1" dirty="0">
                 <a:latin typeface="Arial" panose="020B0604020202020204" pitchFamily="34" charset="0"/>
               </a:rPr>
               <a:t>（ワンタップ記録、絵文字</a:t>
             </a:r>
             <a:r>
-              <a:rPr lang="en-US" altLang="ja-JP" sz="4800" dirty="0">
+              <a:rPr lang="en-US" altLang="ja-JP" sz="4800" b="1" dirty="0">
                 <a:latin typeface="Arial" panose="020B0604020202020204" pitchFamily="34" charset="0"/>
               </a:rPr>
               <a:t>UI</a:t>
             </a:r>
             <a:r>
-              <a:rPr lang="ja-JP" altLang="en-US" sz="4800" dirty="0">
+              <a:rPr lang="ja-JP" altLang="en-US" sz="4800" b="1" dirty="0">
                 <a:latin typeface="Arial" panose="020B0604020202020204" pitchFamily="34" charset="0"/>
               </a:rPr>
               <a:t>）</a:t>
             </a:r>
-            <a:endParaRPr lang="en-US" altLang="ja-JP" sz="4800" dirty="0">
+            <a:endParaRPr lang="en-US" altLang="ja-JP" sz="4800" b="1" dirty="0">
               <a:latin typeface="Arial" panose="020B0604020202020204" pitchFamily="34" charset="0"/>
             </a:endParaRPr>
           </a:p>
@@ -5853,12 +5664,12 @@
               <a:buNone/>
             </a:pPr>
             <a:r>
-              <a:rPr lang="ja-JP" altLang="en-US" sz="4800" dirty="0">
+              <a:rPr lang="ja-JP" altLang="en-US" sz="4800" b="1" dirty="0">
                 <a:latin typeface="Arial" panose="020B0604020202020204" pitchFamily="34" charset="0"/>
               </a:rPr>
               <a:t>・モチベーションを維持しやすい</a:t>
             </a:r>
-            <a:endParaRPr lang="en-US" altLang="ja-JP" sz="4800" dirty="0">
+            <a:endParaRPr lang="en-US" altLang="ja-JP" sz="4800" b="1" dirty="0">
               <a:latin typeface="Arial" panose="020B0604020202020204" pitchFamily="34" charset="0"/>
             </a:endParaRPr>
           </a:p>
@@ -5876,13 +5687,13 @@
               <a:buNone/>
             </a:pPr>
             <a:r>
-              <a:rPr lang="ja-JP" altLang="en-US" sz="4800" dirty="0">
+              <a:rPr lang="ja-JP" altLang="en-US" sz="4800" b="1" dirty="0">
                 <a:latin typeface="Arial" panose="020B0604020202020204" pitchFamily="34" charset="0"/>
               </a:rPr>
-              <a:t>（バッジ・目標・応援メッセージ）</a:t>
-            </a:r>
-            <a:r>
-              <a:rPr lang="en-US" altLang="ja-JP" sz="4800" dirty="0">
+              <a:t>（バッジ・目標・グラフ）</a:t>
+            </a:r>
+            <a:r>
+              <a:rPr lang="en-US" altLang="ja-JP" sz="4800" b="1" dirty="0">
                 <a:latin typeface="Arial" panose="020B0604020202020204" pitchFamily="34" charset="0"/>
               </a:rPr>
               <a:t> </a:t>
@@ -5902,12 +5713,12 @@
               <a:buNone/>
             </a:pPr>
             <a:r>
-              <a:rPr lang="ja-JP" altLang="en-US" sz="4800" dirty="0">
+              <a:rPr lang="ja-JP" altLang="en-US" sz="4800" b="1" dirty="0">
                 <a:latin typeface="Arial" panose="020B0604020202020204" pitchFamily="34" charset="0"/>
               </a:rPr>
               <a:t>・テーマカラーの季節感と朝夜モード</a:t>
             </a:r>
-            <a:endParaRPr lang="en-US" altLang="ja-JP" sz="4800" dirty="0">
+            <a:endParaRPr lang="en-US" altLang="ja-JP" sz="4800" b="1" dirty="0">
               <a:latin typeface="Arial" panose="020B0604020202020204" pitchFamily="34" charset="0"/>
             </a:endParaRPr>
           </a:p>
@@ -5926,7 +5737,7 @@
 </p:sld>
 </file>
 
-<file path=ppt/slides/slide8.xml><?xml version="1.0" encoding="utf-8"?>
+<file path=ppt/slides/slide9.xml><?xml version="1.0" encoding="utf-8"?>
 <p:sld xmlns:a="http://schemas.openxmlformats.org/drawingml/2006/main" xmlns:r="http://schemas.openxmlformats.org/officeDocument/2006/relationships" xmlns:p="http://schemas.openxmlformats.org/presentationml/2006/main">
   <p:cSld>
     <p:bg>
@@ -6037,7 +5848,7 @@
         </p:nvSpPr>
         <p:spPr>
           <a:xfrm>
-            <a:off x="521208" y="1975104"/>
+            <a:off x="619179" y="2312562"/>
             <a:ext cx="11155680" cy="3767328"/>
           </a:xfrm>
         </p:spPr>
@@ -6046,28 +5857,21 @@
           <a:lstStyle/>
           <a:p>
             <a:r>
-              <a:rPr lang="ja-JP" altLang="en-US" sz="4400" dirty="0"/>
+              <a:rPr lang="ja-JP" altLang="en-US" sz="4800" b="1" dirty="0"/>
               <a:t>画像添付やカスタム気分</a:t>
             </a:r>
-            <a:endParaRPr lang="en-US" altLang="ja-JP" sz="4400" dirty="0"/>
-          </a:p>
-          <a:p>
-            <a:r>
-              <a:rPr lang="ja-JP" altLang="en-US" sz="4400" dirty="0"/>
-              <a:t>年間推移グラフ</a:t>
-            </a:r>
-            <a:endParaRPr lang="en-US" altLang="ja-JP" sz="4400" dirty="0"/>
-          </a:p>
-          <a:p>
-            <a:r>
-              <a:rPr lang="ja-JP" altLang="en-US" sz="4400" dirty="0"/>
+            <a:endParaRPr lang="en-US" altLang="ja-JP" sz="4800" b="1" dirty="0"/>
+          </a:p>
+          <a:p>
+            <a:r>
+              <a:rPr lang="ja-JP" altLang="en-US" sz="4800" b="1" dirty="0"/>
               <a:t>バックアップ・リストア</a:t>
             </a:r>
-            <a:endParaRPr lang="en-US" altLang="ja-JP" sz="4400" dirty="0"/>
-          </a:p>
-          <a:p>
-            <a:r>
-              <a:rPr lang="ja-JP" altLang="en-US" sz="4400" dirty="0"/>
+            <a:endParaRPr lang="en-US" altLang="ja-JP" sz="4800" b="1" dirty="0"/>
+          </a:p>
+          <a:p>
+            <a:r>
+              <a:rPr lang="ja-JP" altLang="en-US" sz="4800" b="1" dirty="0"/>
               <a:t>通知リマインダー機能</a:t>
             </a:r>
           </a:p>

--- a/Flutter.pptx
+++ b/Flutter.pptx
@@ -7,13 +7,14 @@
   <p:sldIdLst>
     <p:sldId id="266" r:id="rId2"/>
     <p:sldId id="257" r:id="rId3"/>
-    <p:sldId id="258" r:id="rId4"/>
-    <p:sldId id="259" r:id="rId5"/>
-    <p:sldId id="262" r:id="rId6"/>
-    <p:sldId id="264" r:id="rId7"/>
-    <p:sldId id="265" r:id="rId8"/>
-    <p:sldId id="263" r:id="rId9"/>
-    <p:sldId id="261" r:id="rId10"/>
+    <p:sldId id="267" r:id="rId4"/>
+    <p:sldId id="258" r:id="rId5"/>
+    <p:sldId id="259" r:id="rId6"/>
+    <p:sldId id="262" r:id="rId7"/>
+    <p:sldId id="264" r:id="rId8"/>
+    <p:sldId id="265" r:id="rId9"/>
+    <p:sldId id="263" r:id="rId10"/>
+    <p:sldId id="261" r:id="rId11"/>
   </p:sldIdLst>
   <p:sldSz cx="12192000" cy="6858000"/>
   <p:notesSz cx="6858000" cy="9144000"/>
@@ -401,7 +402,7 @@
           <a:p>
             <a:fld id="{E80C50CD-E178-4744-9B35-B2F624D6C5E9}" type="datetimeFigureOut">
               <a:rPr lang="en-US" smtClean="0"/>
-              <a:t>7/14/2025</a:t>
+              <a:t>7/16/2025</a:t>
             </a:fld>
             <a:endParaRPr lang="en-US"/>
           </a:p>
@@ -599,7 +600,7 @@
           <a:p>
             <a:fld id="{E80C50CD-E178-4744-9B35-B2F624D6C5E9}" type="datetimeFigureOut">
               <a:rPr lang="en-US" smtClean="0"/>
-              <a:t>7/14/2025</a:t>
+              <a:t>7/16/2025</a:t>
             </a:fld>
             <a:endParaRPr lang="en-US"/>
           </a:p>
@@ -807,7 +808,7 @@
           <a:p>
             <a:fld id="{E80C50CD-E178-4744-9B35-B2F624D6C5E9}" type="datetimeFigureOut">
               <a:rPr lang="en-US" smtClean="0"/>
-              <a:t>7/14/2025</a:t>
+              <a:t>7/16/2025</a:t>
             </a:fld>
             <a:endParaRPr lang="en-US"/>
           </a:p>
@@ -1057,7 +1058,7 @@
           <a:p>
             <a:fld id="{E80C50CD-E178-4744-9B35-B2F624D6C5E9}" type="datetimeFigureOut">
               <a:rPr lang="en-US" smtClean="0"/>
-              <a:t>7/14/2025</a:t>
+              <a:t>7/16/2025</a:t>
             </a:fld>
             <a:endParaRPr lang="en-US"/>
           </a:p>
@@ -1336,7 +1337,7 @@
           <a:p>
             <a:fld id="{E80C50CD-E178-4744-9B35-B2F624D6C5E9}" type="datetimeFigureOut">
               <a:rPr lang="en-US" smtClean="0"/>
-              <a:t>7/14/2025</a:t>
+              <a:t>7/16/2025</a:t>
             </a:fld>
             <a:endParaRPr lang="en-US"/>
           </a:p>
@@ -1653,7 +1654,7 @@
           <a:p>
             <a:fld id="{E80C50CD-E178-4744-9B35-B2F624D6C5E9}" type="datetimeFigureOut">
               <a:rPr lang="en-US" smtClean="0"/>
-              <a:t>7/14/2025</a:t>
+              <a:t>7/16/2025</a:t>
             </a:fld>
             <a:endParaRPr lang="en-US"/>
           </a:p>
@@ -2069,7 +2070,7 @@
           <a:p>
             <a:fld id="{E80C50CD-E178-4744-9B35-B2F624D6C5E9}" type="datetimeFigureOut">
               <a:rPr lang="en-US" smtClean="0"/>
-              <a:t>7/14/2025</a:t>
+              <a:t>7/16/2025</a:t>
             </a:fld>
             <a:endParaRPr lang="en-US"/>
           </a:p>
@@ -2210,7 +2211,7 @@
           <a:p>
             <a:fld id="{E80C50CD-E178-4744-9B35-B2F624D6C5E9}" type="datetimeFigureOut">
               <a:rPr lang="en-US" smtClean="0"/>
-              <a:t>7/14/2025</a:t>
+              <a:t>7/16/2025</a:t>
             </a:fld>
             <a:endParaRPr lang="en-US"/>
           </a:p>
@@ -2323,7 +2324,7 @@
           <a:p>
             <a:fld id="{E80C50CD-E178-4744-9B35-B2F624D6C5E9}" type="datetimeFigureOut">
               <a:rPr lang="en-US" smtClean="0"/>
-              <a:t>7/14/2025</a:t>
+              <a:t>7/16/2025</a:t>
             </a:fld>
             <a:endParaRPr lang="en-US"/>
           </a:p>
@@ -2640,7 +2641,7 @@
           <a:p>
             <a:fld id="{E80C50CD-E178-4744-9B35-B2F624D6C5E9}" type="datetimeFigureOut">
               <a:rPr lang="en-US" smtClean="0"/>
-              <a:t>7/14/2025</a:t>
+              <a:t>7/16/2025</a:t>
             </a:fld>
             <a:endParaRPr lang="en-US"/>
           </a:p>
@@ -2932,7 +2933,7 @@
           <a:p>
             <a:fld id="{E80C50CD-E178-4744-9B35-B2F624D6C5E9}" type="datetimeFigureOut">
               <a:rPr lang="en-US" smtClean="0"/>
-              <a:t>7/14/2025</a:t>
+              <a:t>7/16/2025</a:t>
             </a:fld>
             <a:endParaRPr lang="en-US"/>
           </a:p>
@@ -3168,7 +3169,7 @@
             <a:fld id="{E80C50CD-E178-4744-9B35-B2F624D6C5E9}" type="datetimeFigureOut">
               <a:rPr lang="en-US" smtClean="0"/>
               <a:pPr/>
-              <a:t>7/14/2025</a:t>
+              <a:t>7/16/2025</a:t>
             </a:fld>
             <a:endParaRPr lang="en-US"/>
           </a:p>
@@ -3810,6 +3811,159 @@
 </p:sld>
 </file>
 
+<file path=ppt/slides/slide10.xml><?xml version="1.0" encoding="utf-8"?>
+<p:sld xmlns:a="http://schemas.openxmlformats.org/drawingml/2006/main" xmlns:r="http://schemas.openxmlformats.org/officeDocument/2006/relationships" xmlns:p="http://schemas.openxmlformats.org/presentationml/2006/main">
+  <p:cSld>
+    <p:bg>
+      <p:bgPr>
+        <a:solidFill>
+          <a:schemeClr val="bg1"/>
+        </a:solidFill>
+        <a:effectLst/>
+      </p:bgPr>
+    </p:bg>
+    <p:spTree>
+      <p:nvGrpSpPr>
+        <p:cNvPr id="1" name="">
+          <a:extLst>
+            <a:ext uri="{FF2B5EF4-FFF2-40B4-BE49-F238E27FC236}">
+              <a16:creationId xmlns:a16="http://schemas.microsoft.com/office/drawing/2014/main" id="{4505E89A-B191-2281-2F45-4BE137C8A6BC}"/>
+            </a:ext>
+          </a:extLst>
+        </p:cNvPr>
+        <p:cNvGrpSpPr/>
+        <p:nvPr/>
+      </p:nvGrpSpPr>
+      <p:grpSpPr>
+        <a:xfrm>
+          <a:off x="0" y="0"/>
+          <a:ext cx="0" cy="0"/>
+          <a:chOff x="0" y="0"/>
+          <a:chExt cx="0" cy="0"/>
+        </a:xfrm>
+      </p:grpSpPr>
+      <p:pic>
+        <p:nvPicPr>
+          <p:cNvPr id="16" name="Picture 3">
+            <a:extLst>
+              <a:ext uri="{FF2B5EF4-FFF2-40B4-BE49-F238E27FC236}">
+                <a16:creationId xmlns:a16="http://schemas.microsoft.com/office/drawing/2014/main" id="{AB509138-DA2F-06FB-E51C-6786582C8538}"/>
+              </a:ext>
+            </a:extLst>
+          </p:cNvPr>
+          <p:cNvPicPr>
+            <a:picLocks noChangeAspect="1"/>
+          </p:cNvPicPr>
+          <p:nvPr/>
+        </p:nvPicPr>
+        <p:blipFill>
+          <a:blip r:embed="rId2"/>
+          <a:srcRect t="9452" r="-1" b="163"/>
+          <a:stretch/>
+        </p:blipFill>
+        <p:spPr>
+          <a:xfrm>
+            <a:off x="20" y="10"/>
+            <a:ext cx="12188932" cy="6857990"/>
+          </a:xfrm>
+          <a:prstGeom prst="rect">
+            <a:avLst/>
+          </a:prstGeom>
+        </p:spPr>
+      </p:pic>
+      <p:sp>
+        <p:nvSpPr>
+          <p:cNvPr id="9" name="タイトル 8">
+            <a:extLst>
+              <a:ext uri="{FF2B5EF4-FFF2-40B4-BE49-F238E27FC236}">
+                <a16:creationId xmlns:a16="http://schemas.microsoft.com/office/drawing/2014/main" id="{4B802C54-CDD2-B328-4CDA-6308AD00A6E1}"/>
+              </a:ext>
+            </a:extLst>
+          </p:cNvPr>
+          <p:cNvSpPr>
+            <a:spLocks noGrp="1"/>
+          </p:cNvSpPr>
+          <p:nvPr>
+            <p:ph type="title"/>
+          </p:nvPr>
+        </p:nvSpPr>
+        <p:spPr>
+          <a:xfrm>
+            <a:off x="521208" y="512064"/>
+            <a:ext cx="11155680" cy="1463040"/>
+          </a:xfrm>
+        </p:spPr>
+        <p:txBody>
+          <a:bodyPr/>
+          <a:lstStyle/>
+          <a:p>
+            <a:r>
+              <a:rPr lang="ja-JP" altLang="en-US" dirty="0"/>
+              <a:t>改善案</a:t>
+            </a:r>
+          </a:p>
+        </p:txBody>
+      </p:sp>
+      <p:sp>
+        <p:nvSpPr>
+          <p:cNvPr id="10" name="コンテンツ プレースホルダー 9">
+            <a:extLst>
+              <a:ext uri="{FF2B5EF4-FFF2-40B4-BE49-F238E27FC236}">
+                <a16:creationId xmlns:a16="http://schemas.microsoft.com/office/drawing/2014/main" id="{C495D330-E837-BDB6-AD95-990B7272DAE9}"/>
+              </a:ext>
+            </a:extLst>
+          </p:cNvPr>
+          <p:cNvSpPr>
+            <a:spLocks noGrp="1"/>
+          </p:cNvSpPr>
+          <p:nvPr>
+            <p:ph idx="1"/>
+          </p:nvPr>
+        </p:nvSpPr>
+        <p:spPr>
+          <a:xfrm>
+            <a:off x="619179" y="2312562"/>
+            <a:ext cx="11155680" cy="3767328"/>
+          </a:xfrm>
+        </p:spPr>
+        <p:txBody>
+          <a:bodyPr/>
+          <a:lstStyle/>
+          <a:p>
+            <a:r>
+              <a:rPr lang="ja-JP" altLang="en-US" sz="4800" b="1" dirty="0"/>
+              <a:t>画像添付やカスタム気分</a:t>
+            </a:r>
+            <a:endParaRPr lang="en-US" altLang="ja-JP" sz="4800" b="1" dirty="0"/>
+          </a:p>
+          <a:p>
+            <a:r>
+              <a:rPr lang="ja-JP" altLang="en-US" sz="4800" b="1" dirty="0"/>
+              <a:t>バックアップ・リストア</a:t>
+            </a:r>
+            <a:endParaRPr lang="en-US" altLang="ja-JP" sz="4800" b="1" dirty="0"/>
+          </a:p>
+          <a:p>
+            <a:r>
+              <a:rPr lang="ja-JP" altLang="en-US" sz="4800" b="1" dirty="0"/>
+              <a:t>通知リマインダー機能</a:t>
+            </a:r>
+          </a:p>
+        </p:txBody>
+      </p:sp>
+    </p:spTree>
+    <p:extLst>
+      <p:ext uri="{BB962C8B-B14F-4D97-AF65-F5344CB8AC3E}">
+        <p14:creationId xmlns:p14="http://schemas.microsoft.com/office/powerpoint/2010/main" val="1256220605"/>
+      </p:ext>
+    </p:extLst>
+  </p:cSld>
+  <p:clrMapOvr>
+    <a:overrideClrMapping bg1="dk1" tx1="lt1" bg2="dk2" tx2="lt2" accent1="accent1" accent2="accent2" accent3="accent3" accent4="accent4" accent5="accent5" accent6="accent6" hlink="hlink" folHlink="folHlink"/>
+  </p:clrMapOvr>
+</p:sld>
+</file>
+
 <file path=ppt/slides/slide2.xml><?xml version="1.0" encoding="utf-8"?>
 <p:sld xmlns:a="http://schemas.openxmlformats.org/drawingml/2006/main" xmlns:r="http://schemas.openxmlformats.org/officeDocument/2006/relationships" xmlns:p="http://schemas.openxmlformats.org/presentationml/2006/main">
   <p:cSld>
@@ -3998,7 +4152,7 @@
         <p:cNvPr id="1" name="">
           <a:extLst>
             <a:ext uri="{FF2B5EF4-FFF2-40B4-BE49-F238E27FC236}">
-              <a16:creationId xmlns:a16="http://schemas.microsoft.com/office/drawing/2014/main" id="{7AF2695F-2309-298B-3EA1-49B3F902EB5E}"/>
+              <a16:creationId xmlns:a16="http://schemas.microsoft.com/office/drawing/2014/main" id="{E5CA7558-4CDF-D611-1A43-969BF81E8FCE}"/>
             </a:ext>
           </a:extLst>
         </p:cNvPr>
@@ -4018,7 +4172,7 @@
           <p:cNvPr id="16" name="Picture 3">
             <a:extLst>
               <a:ext uri="{FF2B5EF4-FFF2-40B4-BE49-F238E27FC236}">
-                <a16:creationId xmlns:a16="http://schemas.microsoft.com/office/drawing/2014/main" id="{A4245184-D8A0-FC1F-DC18-077DA61B3F14}"/>
+                <a16:creationId xmlns:a16="http://schemas.microsoft.com/office/drawing/2014/main" id="{88A03BB0-BBF3-1306-2F00-0D32A3FDDD9F}"/>
               </a:ext>
             </a:extLst>
           </p:cNvPr>
@@ -4047,6 +4201,178 @@
           <p:cNvPr id="9" name="タイトル 8">
             <a:extLst>
               <a:ext uri="{FF2B5EF4-FFF2-40B4-BE49-F238E27FC236}">
+                <a16:creationId xmlns:a16="http://schemas.microsoft.com/office/drawing/2014/main" id="{E7B1847C-A4F1-CC9D-C3E7-1783708521E1}"/>
+              </a:ext>
+            </a:extLst>
+          </p:cNvPr>
+          <p:cNvSpPr>
+            <a:spLocks noGrp="1"/>
+          </p:cNvSpPr>
+          <p:nvPr>
+            <p:ph type="title"/>
+          </p:nvPr>
+        </p:nvSpPr>
+        <p:spPr>
+          <a:xfrm>
+            <a:off x="516646" y="497720"/>
+            <a:ext cx="11155680" cy="1463040"/>
+          </a:xfrm>
+        </p:spPr>
+        <p:txBody>
+          <a:bodyPr/>
+          <a:lstStyle/>
+          <a:p>
+            <a:r>
+              <a:rPr lang="ja-JP" altLang="en-US" dirty="0">
+                <a:latin typeface="+mn-ea"/>
+                <a:ea typeface="+mn-ea"/>
+              </a:rPr>
+              <a:t>作成した理由</a:t>
+            </a:r>
+          </a:p>
+        </p:txBody>
+      </p:sp>
+      <p:sp>
+        <p:nvSpPr>
+          <p:cNvPr id="10" name="コンテンツ プレースホルダー 9">
+            <a:extLst>
+              <a:ext uri="{FF2B5EF4-FFF2-40B4-BE49-F238E27FC236}">
+                <a16:creationId xmlns:a16="http://schemas.microsoft.com/office/drawing/2014/main" id="{6E135348-C80F-E4CB-DA70-B0B19D59AE75}"/>
+              </a:ext>
+            </a:extLst>
+          </p:cNvPr>
+          <p:cNvSpPr>
+            <a:spLocks noGrp="1"/>
+          </p:cNvSpPr>
+          <p:nvPr>
+            <p:ph idx="1"/>
+          </p:nvPr>
+        </p:nvSpPr>
+        <p:spPr>
+          <a:xfrm>
+            <a:off x="1920902" y="2575100"/>
+            <a:ext cx="11155680" cy="2202398"/>
+          </a:xfrm>
+        </p:spPr>
+        <p:txBody>
+          <a:bodyPr/>
+          <a:lstStyle/>
+          <a:p>
+            <a:pPr marL="0" indent="0">
+              <a:buNone/>
+            </a:pPr>
+            <a:r>
+              <a:rPr lang="ja-JP" altLang="en-US" sz="4800" b="1" dirty="0">
+                <a:latin typeface="+mn-ea"/>
+              </a:rPr>
+              <a:t>その日に何をしたっけ？</a:t>
+            </a:r>
+            <a:endParaRPr lang="en-US" altLang="ja-JP" sz="4800" b="1" dirty="0">
+              <a:latin typeface="+mn-ea"/>
+            </a:endParaRPr>
+          </a:p>
+          <a:p>
+            <a:pPr marL="0" indent="0">
+              <a:buNone/>
+            </a:pPr>
+            <a:r>
+              <a:rPr lang="ja-JP" altLang="en-US" sz="4800" b="1" dirty="0">
+                <a:latin typeface="+mn-ea"/>
+              </a:rPr>
+              <a:t>と振り返ることが多いため  </a:t>
+            </a:r>
+            <a:endParaRPr lang="en-US" altLang="ja-JP" sz="4800" b="1" dirty="0">
+              <a:latin typeface="+mn-ea"/>
+            </a:endParaRPr>
+          </a:p>
+          <a:p>
+            <a:pPr marL="0" indent="0">
+              <a:buNone/>
+            </a:pPr>
+            <a:endParaRPr lang="en-US" altLang="ja-JP" sz="4800" b="1" dirty="0">
+              <a:latin typeface="+mn-ea"/>
+            </a:endParaRPr>
+          </a:p>
+        </p:txBody>
+      </p:sp>
+    </p:spTree>
+    <p:extLst>
+      <p:ext uri="{BB962C8B-B14F-4D97-AF65-F5344CB8AC3E}">
+        <p14:creationId xmlns:p14="http://schemas.microsoft.com/office/powerpoint/2010/main" val="3573914491"/>
+      </p:ext>
+    </p:extLst>
+  </p:cSld>
+  <p:clrMapOvr>
+    <a:overrideClrMapping bg1="dk1" tx1="lt1" bg2="dk2" tx2="lt2" accent1="accent1" accent2="accent2" accent3="accent3" accent4="accent4" accent5="accent5" accent6="accent6" hlink="hlink" folHlink="folHlink"/>
+  </p:clrMapOvr>
+</p:sld>
+</file>
+
+<file path=ppt/slides/slide4.xml><?xml version="1.0" encoding="utf-8"?>
+<p:sld xmlns:a="http://schemas.openxmlformats.org/drawingml/2006/main" xmlns:r="http://schemas.openxmlformats.org/officeDocument/2006/relationships" xmlns:p="http://schemas.openxmlformats.org/presentationml/2006/main">
+  <p:cSld>
+    <p:bg>
+      <p:bgPr>
+        <a:solidFill>
+          <a:schemeClr val="bg1"/>
+        </a:solidFill>
+        <a:effectLst/>
+      </p:bgPr>
+    </p:bg>
+    <p:spTree>
+      <p:nvGrpSpPr>
+        <p:cNvPr id="1" name="">
+          <a:extLst>
+            <a:ext uri="{FF2B5EF4-FFF2-40B4-BE49-F238E27FC236}">
+              <a16:creationId xmlns:a16="http://schemas.microsoft.com/office/drawing/2014/main" id="{7AF2695F-2309-298B-3EA1-49B3F902EB5E}"/>
+            </a:ext>
+          </a:extLst>
+        </p:cNvPr>
+        <p:cNvGrpSpPr/>
+        <p:nvPr/>
+      </p:nvGrpSpPr>
+      <p:grpSpPr>
+        <a:xfrm>
+          <a:off x="0" y="0"/>
+          <a:ext cx="0" cy="0"/>
+          <a:chOff x="0" y="0"/>
+          <a:chExt cx="0" cy="0"/>
+        </a:xfrm>
+      </p:grpSpPr>
+      <p:pic>
+        <p:nvPicPr>
+          <p:cNvPr id="16" name="Picture 3">
+            <a:extLst>
+              <a:ext uri="{FF2B5EF4-FFF2-40B4-BE49-F238E27FC236}">
+                <a16:creationId xmlns:a16="http://schemas.microsoft.com/office/drawing/2014/main" id="{A4245184-D8A0-FC1F-DC18-077DA61B3F14}"/>
+              </a:ext>
+            </a:extLst>
+          </p:cNvPr>
+          <p:cNvPicPr>
+            <a:picLocks noChangeAspect="1"/>
+          </p:cNvPicPr>
+          <p:nvPr/>
+        </p:nvPicPr>
+        <p:blipFill>
+          <a:blip r:embed="rId2"/>
+          <a:srcRect t="9452" r="-1" b="163"/>
+          <a:stretch/>
+        </p:blipFill>
+        <p:spPr>
+          <a:xfrm>
+            <a:off x="20" y="10"/>
+            <a:ext cx="12188932" cy="6857990"/>
+          </a:xfrm>
+          <a:prstGeom prst="rect">
+            <a:avLst/>
+          </a:prstGeom>
+        </p:spPr>
+      </p:pic>
+      <p:sp>
+        <p:nvSpPr>
+          <p:cNvPr id="9" name="タイトル 8">
+            <a:extLst>
+              <a:ext uri="{FF2B5EF4-FFF2-40B4-BE49-F238E27FC236}">
                 <a16:creationId xmlns:a16="http://schemas.microsoft.com/office/drawing/2014/main" id="{E3F22CB2-4DC8-9100-4208-AF22AA9A768A}"/>
               </a:ext>
             </a:extLst>
@@ -4204,7 +4530,7 @@
 </p:sld>
 </file>
 
-<file path=ppt/slides/slide4.xml><?xml version="1.0" encoding="utf-8"?>
+<file path=ppt/slides/slide5.xml><?xml version="1.0" encoding="utf-8"?>
 <p:sld xmlns:a="http://schemas.openxmlformats.org/drawingml/2006/main" xmlns:r="http://schemas.openxmlformats.org/officeDocument/2006/relationships" xmlns:p="http://schemas.openxmlformats.org/presentationml/2006/main">
   <p:cSld>
     <p:bg>
@@ -4583,7 +4909,7 @@
 </p:sld>
 </file>
 
-<file path=ppt/slides/slide5.xml><?xml version="1.0" encoding="utf-8"?>
+<file path=ppt/slides/slide6.xml><?xml version="1.0" encoding="utf-8"?>
 <p:sld xmlns:a="http://schemas.openxmlformats.org/drawingml/2006/main" xmlns:r="http://schemas.openxmlformats.org/officeDocument/2006/relationships" xmlns:p="http://schemas.openxmlformats.org/presentationml/2006/main">
   <p:cSld>
     <p:bg>
@@ -4908,7 +5234,7 @@
 </p:sld>
 </file>
 
-<file path=ppt/slides/slide6.xml><?xml version="1.0" encoding="utf-8"?>
+<file path=ppt/slides/slide7.xml><?xml version="1.0" encoding="utf-8"?>
 <p:sld xmlns:a="http://schemas.openxmlformats.org/drawingml/2006/main" xmlns:r="http://schemas.openxmlformats.org/officeDocument/2006/relationships" xmlns:p="http://schemas.openxmlformats.org/presentationml/2006/main">
   <p:cSld>
     <p:bg>
@@ -5327,7 +5653,7 @@
 </p:sld>
 </file>
 
-<file path=ppt/slides/slide7.xml><?xml version="1.0" encoding="utf-8"?>
+<file path=ppt/slides/slide8.xml><?xml version="1.0" encoding="utf-8"?>
 <p:sld xmlns:a="http://schemas.openxmlformats.org/drawingml/2006/main" xmlns:r="http://schemas.openxmlformats.org/officeDocument/2006/relationships" xmlns:p="http://schemas.openxmlformats.org/presentationml/2006/main">
   <p:cSld>
     <p:bg>
@@ -5433,7 +5759,7 @@
 </p:sld>
 </file>
 
-<file path=ppt/slides/slide8.xml><?xml version="1.0" encoding="utf-8"?>
+<file path=ppt/slides/slide9.xml><?xml version="1.0" encoding="utf-8"?>
 <p:sld xmlns:a="http://schemas.openxmlformats.org/drawingml/2006/main" xmlns:r="http://schemas.openxmlformats.org/officeDocument/2006/relationships" xmlns:p="http://schemas.openxmlformats.org/presentationml/2006/main">
   <p:cSld>
     <p:bg>
@@ -5728,159 +6054,6 @@
     <p:extLst>
       <p:ext uri="{BB962C8B-B14F-4D97-AF65-F5344CB8AC3E}">
         <p14:creationId xmlns:p14="http://schemas.microsoft.com/office/powerpoint/2010/main" val="1108388329"/>
-      </p:ext>
-    </p:extLst>
-  </p:cSld>
-  <p:clrMapOvr>
-    <a:overrideClrMapping bg1="dk1" tx1="lt1" bg2="dk2" tx2="lt2" accent1="accent1" accent2="accent2" accent3="accent3" accent4="accent4" accent5="accent5" accent6="accent6" hlink="hlink" folHlink="folHlink"/>
-  </p:clrMapOvr>
-</p:sld>
-</file>
-
-<file path=ppt/slides/slide9.xml><?xml version="1.0" encoding="utf-8"?>
-<p:sld xmlns:a="http://schemas.openxmlformats.org/drawingml/2006/main" xmlns:r="http://schemas.openxmlformats.org/officeDocument/2006/relationships" xmlns:p="http://schemas.openxmlformats.org/presentationml/2006/main">
-  <p:cSld>
-    <p:bg>
-      <p:bgPr>
-        <a:solidFill>
-          <a:schemeClr val="bg1"/>
-        </a:solidFill>
-        <a:effectLst/>
-      </p:bgPr>
-    </p:bg>
-    <p:spTree>
-      <p:nvGrpSpPr>
-        <p:cNvPr id="1" name="">
-          <a:extLst>
-            <a:ext uri="{FF2B5EF4-FFF2-40B4-BE49-F238E27FC236}">
-              <a16:creationId xmlns:a16="http://schemas.microsoft.com/office/drawing/2014/main" id="{4505E89A-B191-2281-2F45-4BE137C8A6BC}"/>
-            </a:ext>
-          </a:extLst>
-        </p:cNvPr>
-        <p:cNvGrpSpPr/>
-        <p:nvPr/>
-      </p:nvGrpSpPr>
-      <p:grpSpPr>
-        <a:xfrm>
-          <a:off x="0" y="0"/>
-          <a:ext cx="0" cy="0"/>
-          <a:chOff x="0" y="0"/>
-          <a:chExt cx="0" cy="0"/>
-        </a:xfrm>
-      </p:grpSpPr>
-      <p:pic>
-        <p:nvPicPr>
-          <p:cNvPr id="16" name="Picture 3">
-            <a:extLst>
-              <a:ext uri="{FF2B5EF4-FFF2-40B4-BE49-F238E27FC236}">
-                <a16:creationId xmlns:a16="http://schemas.microsoft.com/office/drawing/2014/main" id="{AB509138-DA2F-06FB-E51C-6786582C8538}"/>
-              </a:ext>
-            </a:extLst>
-          </p:cNvPr>
-          <p:cNvPicPr>
-            <a:picLocks noChangeAspect="1"/>
-          </p:cNvPicPr>
-          <p:nvPr/>
-        </p:nvPicPr>
-        <p:blipFill>
-          <a:blip r:embed="rId2"/>
-          <a:srcRect t="9452" r="-1" b="163"/>
-          <a:stretch/>
-        </p:blipFill>
-        <p:spPr>
-          <a:xfrm>
-            <a:off x="20" y="10"/>
-            <a:ext cx="12188932" cy="6857990"/>
-          </a:xfrm>
-          <a:prstGeom prst="rect">
-            <a:avLst/>
-          </a:prstGeom>
-        </p:spPr>
-      </p:pic>
-      <p:sp>
-        <p:nvSpPr>
-          <p:cNvPr id="9" name="タイトル 8">
-            <a:extLst>
-              <a:ext uri="{FF2B5EF4-FFF2-40B4-BE49-F238E27FC236}">
-                <a16:creationId xmlns:a16="http://schemas.microsoft.com/office/drawing/2014/main" id="{4B802C54-CDD2-B328-4CDA-6308AD00A6E1}"/>
-              </a:ext>
-            </a:extLst>
-          </p:cNvPr>
-          <p:cNvSpPr>
-            <a:spLocks noGrp="1"/>
-          </p:cNvSpPr>
-          <p:nvPr>
-            <p:ph type="title"/>
-          </p:nvPr>
-        </p:nvSpPr>
-        <p:spPr>
-          <a:xfrm>
-            <a:off x="521208" y="512064"/>
-            <a:ext cx="11155680" cy="1463040"/>
-          </a:xfrm>
-        </p:spPr>
-        <p:txBody>
-          <a:bodyPr/>
-          <a:lstStyle/>
-          <a:p>
-            <a:r>
-              <a:rPr lang="ja-JP" altLang="en-US" dirty="0"/>
-              <a:t>改善案</a:t>
-            </a:r>
-          </a:p>
-        </p:txBody>
-      </p:sp>
-      <p:sp>
-        <p:nvSpPr>
-          <p:cNvPr id="10" name="コンテンツ プレースホルダー 9">
-            <a:extLst>
-              <a:ext uri="{FF2B5EF4-FFF2-40B4-BE49-F238E27FC236}">
-                <a16:creationId xmlns:a16="http://schemas.microsoft.com/office/drawing/2014/main" id="{C495D330-E837-BDB6-AD95-990B7272DAE9}"/>
-              </a:ext>
-            </a:extLst>
-          </p:cNvPr>
-          <p:cNvSpPr>
-            <a:spLocks noGrp="1"/>
-          </p:cNvSpPr>
-          <p:nvPr>
-            <p:ph idx="1"/>
-          </p:nvPr>
-        </p:nvSpPr>
-        <p:spPr>
-          <a:xfrm>
-            <a:off x="619179" y="2312562"/>
-            <a:ext cx="11155680" cy="3767328"/>
-          </a:xfrm>
-        </p:spPr>
-        <p:txBody>
-          <a:bodyPr/>
-          <a:lstStyle/>
-          <a:p>
-            <a:r>
-              <a:rPr lang="ja-JP" altLang="en-US" sz="4800" b="1" dirty="0"/>
-              <a:t>画像添付やカスタム気分</a:t>
-            </a:r>
-            <a:endParaRPr lang="en-US" altLang="ja-JP" sz="4800" b="1" dirty="0"/>
-          </a:p>
-          <a:p>
-            <a:r>
-              <a:rPr lang="ja-JP" altLang="en-US" sz="4800" b="1" dirty="0"/>
-              <a:t>バックアップ・リストア</a:t>
-            </a:r>
-            <a:endParaRPr lang="en-US" altLang="ja-JP" sz="4800" b="1" dirty="0"/>
-          </a:p>
-          <a:p>
-            <a:r>
-              <a:rPr lang="ja-JP" altLang="en-US" sz="4800" b="1" dirty="0"/>
-              <a:t>通知リマインダー機能</a:t>
-            </a:r>
-          </a:p>
-        </p:txBody>
-      </p:sp>
-    </p:spTree>
-    <p:extLst>
-      <p:ext uri="{BB962C8B-B14F-4D97-AF65-F5344CB8AC3E}">
-        <p14:creationId xmlns:p14="http://schemas.microsoft.com/office/powerpoint/2010/main" val="1256220605"/>
       </p:ext>
     </p:extLst>
   </p:cSld>
